--- a/sdn/figures.pptx
+++ b/sdn/figures.pptx
@@ -6,7 +6,7 @@
   </p:sldMasterIdLst>
   <p:sldIdLst>
     <p:sldId id="259" r:id="rId2"/>
-    <p:sldId id="257" r:id="rId3"/>
+    <p:sldId id="260" r:id="rId3"/>
   </p:sldIdLst>
   <p:sldSz cx="12192000" cy="6858000"/>
   <p:notesSz cx="6858000" cy="9144000"/>
@@ -244,7 +244,7 @@
           <a:p>
             <a:fld id="{5D97E163-DB95-D24D-8C95-263DECB1FC34}" type="datetimeFigureOut">
               <a:rPr lang="en-US" smtClean="0"/>
-              <a:t>2/7/19</a:t>
+              <a:t>2/20/19</a:t>
             </a:fld>
             <a:endParaRPr lang="en-US"/>
           </a:p>
@@ -414,7 +414,7 @@
           <a:p>
             <a:fld id="{5D97E163-DB95-D24D-8C95-263DECB1FC34}" type="datetimeFigureOut">
               <a:rPr lang="en-US" smtClean="0"/>
-              <a:t>2/7/19</a:t>
+              <a:t>2/20/19</a:t>
             </a:fld>
             <a:endParaRPr lang="en-US"/>
           </a:p>
@@ -594,7 +594,7 @@
           <a:p>
             <a:fld id="{5D97E163-DB95-D24D-8C95-263DECB1FC34}" type="datetimeFigureOut">
               <a:rPr lang="en-US" smtClean="0"/>
-              <a:t>2/7/19</a:t>
+              <a:t>2/20/19</a:t>
             </a:fld>
             <a:endParaRPr lang="en-US"/>
           </a:p>
@@ -764,7 +764,7 @@
           <a:p>
             <a:fld id="{5D97E163-DB95-D24D-8C95-263DECB1FC34}" type="datetimeFigureOut">
               <a:rPr lang="en-US" smtClean="0"/>
-              <a:t>2/7/19</a:t>
+              <a:t>2/20/19</a:t>
             </a:fld>
             <a:endParaRPr lang="en-US"/>
           </a:p>
@@ -1010,7 +1010,7 @@
           <a:p>
             <a:fld id="{5D97E163-DB95-D24D-8C95-263DECB1FC34}" type="datetimeFigureOut">
               <a:rPr lang="en-US" smtClean="0"/>
-              <a:t>2/7/19</a:t>
+              <a:t>2/20/19</a:t>
             </a:fld>
             <a:endParaRPr lang="en-US"/>
           </a:p>
@@ -1242,7 +1242,7 @@
           <a:p>
             <a:fld id="{5D97E163-DB95-D24D-8C95-263DECB1FC34}" type="datetimeFigureOut">
               <a:rPr lang="en-US" smtClean="0"/>
-              <a:t>2/7/19</a:t>
+              <a:t>2/20/19</a:t>
             </a:fld>
             <a:endParaRPr lang="en-US"/>
           </a:p>
@@ -1609,7 +1609,7 @@
           <a:p>
             <a:fld id="{5D97E163-DB95-D24D-8C95-263DECB1FC34}" type="datetimeFigureOut">
               <a:rPr lang="en-US" smtClean="0"/>
-              <a:t>2/7/19</a:t>
+              <a:t>2/20/19</a:t>
             </a:fld>
             <a:endParaRPr lang="en-US"/>
           </a:p>
@@ -1727,7 +1727,7 @@
           <a:p>
             <a:fld id="{5D97E163-DB95-D24D-8C95-263DECB1FC34}" type="datetimeFigureOut">
               <a:rPr lang="en-US" smtClean="0"/>
-              <a:t>2/7/19</a:t>
+              <a:t>2/20/19</a:t>
             </a:fld>
             <a:endParaRPr lang="en-US"/>
           </a:p>
@@ -1822,7 +1822,7 @@
           <a:p>
             <a:fld id="{5D97E163-DB95-D24D-8C95-263DECB1FC34}" type="datetimeFigureOut">
               <a:rPr lang="en-US" smtClean="0"/>
-              <a:t>2/7/19</a:t>
+              <a:t>2/20/19</a:t>
             </a:fld>
             <a:endParaRPr lang="en-US"/>
           </a:p>
@@ -2099,7 +2099,7 @@
           <a:p>
             <a:fld id="{5D97E163-DB95-D24D-8C95-263DECB1FC34}" type="datetimeFigureOut">
               <a:rPr lang="en-US" smtClean="0"/>
-              <a:t>2/7/19</a:t>
+              <a:t>2/20/19</a:t>
             </a:fld>
             <a:endParaRPr lang="en-US"/>
           </a:p>
@@ -2352,7 +2352,7 @@
           <a:p>
             <a:fld id="{5D97E163-DB95-D24D-8C95-263DECB1FC34}" type="datetimeFigureOut">
               <a:rPr lang="en-US" smtClean="0"/>
-              <a:t>2/7/19</a:t>
+              <a:t>2/20/19</a:t>
             </a:fld>
             <a:endParaRPr lang="en-US"/>
           </a:p>
@@ -2565,7 +2565,7 @@
           <a:p>
             <a:fld id="{5D97E163-DB95-D24D-8C95-263DECB1FC34}" type="datetimeFigureOut">
               <a:rPr lang="en-US" smtClean="0"/>
-              <a:t>2/7/19</a:t>
+              <a:t>2/20/19</a:t>
             </a:fld>
             <a:endParaRPr lang="en-US"/>
           </a:p>
@@ -4313,11 +4313,7 @@
             <a:pPr algn="r"/>
             <a:r>
               <a:rPr lang="en-US" dirty="0" smtClean="0"/>
-              <a:t>(e.g., </a:t>
-            </a:r>
-            <a:r>
-              <a:rPr lang="en-US" dirty="0" smtClean="0"/>
-              <a:t>OpenFlow, P4)</a:t>
+              <a:t>(e.g., OpenFlow, P4)</a:t>
             </a:r>
             <a:endParaRPr lang="en-US" dirty="0"/>
           </a:p>
@@ -4455,23 +4451,219 @@
           <a:chExt cx="0" cy="0"/>
         </a:xfrm>
       </p:grpSpPr>
+      <p:sp>
+        <p:nvSpPr>
+          <p:cNvPr id="2" name="Oval 1"/>
+          <p:cNvSpPr/>
+          <p:nvPr/>
+        </p:nvSpPr>
+        <p:spPr>
+          <a:xfrm>
+            <a:off x="3790335" y="2330245"/>
+            <a:ext cx="4940710" cy="1150374"/>
+          </a:xfrm>
+          <a:prstGeom prst="ellipse">
+            <a:avLst/>
+          </a:prstGeom>
+          <a:solidFill>
+            <a:schemeClr val="bg2"/>
+          </a:solidFill>
+          <a:ln w="28575">
+            <a:solidFill>
+              <a:schemeClr val="tx1"/>
+            </a:solidFill>
+          </a:ln>
+        </p:spPr>
+        <p:style>
+          <a:lnRef idx="2">
+            <a:schemeClr val="accent1"/>
+          </a:lnRef>
+          <a:fillRef idx="1">
+            <a:schemeClr val="lt1"/>
+          </a:fillRef>
+          <a:effectRef idx="0">
+            <a:schemeClr val="accent1"/>
+          </a:effectRef>
+          <a:fontRef idx="minor">
+            <a:schemeClr val="dk1"/>
+          </a:fontRef>
+        </p:style>
+        <p:txBody>
+          <a:bodyPr rtlCol="0" anchor="ctr"/>
+          <a:lstStyle/>
+          <a:p>
+            <a:pPr algn="ctr"/>
+            <a:endParaRPr lang="en-US"/>
+          </a:p>
+        </p:txBody>
+      </p:sp>
+      <p:sp>
+        <p:nvSpPr>
+          <p:cNvPr id="41" name="Oval 40"/>
+          <p:cNvSpPr/>
+          <p:nvPr/>
+        </p:nvSpPr>
+        <p:spPr>
+          <a:xfrm>
+            <a:off x="3957483" y="2644873"/>
+            <a:ext cx="4940710" cy="1150374"/>
+          </a:xfrm>
+          <a:prstGeom prst="ellipse">
+            <a:avLst/>
+          </a:prstGeom>
+          <a:solidFill>
+            <a:schemeClr val="bg1"/>
+          </a:solidFill>
+          <a:ln w="28575">
+            <a:solidFill>
+              <a:schemeClr val="tx1"/>
+            </a:solidFill>
+          </a:ln>
+        </p:spPr>
+        <p:style>
+          <a:lnRef idx="2">
+            <a:schemeClr val="accent1"/>
+          </a:lnRef>
+          <a:fillRef idx="1">
+            <a:schemeClr val="lt1"/>
+          </a:fillRef>
+          <a:effectRef idx="0">
+            <a:schemeClr val="accent1"/>
+          </a:effectRef>
+          <a:fontRef idx="minor">
+            <a:schemeClr val="dk1"/>
+          </a:fontRef>
+        </p:style>
+        <p:txBody>
+          <a:bodyPr rtlCol="0" anchor="ctr"/>
+          <a:lstStyle/>
+          <a:p>
+            <a:pPr algn="ctr"/>
+            <a:r>
+              <a:rPr lang="en-US" sz="2400" dirty="0" smtClean="0"/>
+              <a:t>Backbone Service Provider</a:t>
+            </a:r>
+            <a:endParaRPr lang="en-US" sz="2400" dirty="0"/>
+          </a:p>
+        </p:txBody>
+      </p:sp>
+      <p:sp>
+        <p:nvSpPr>
+          <p:cNvPr id="3" name="Oval 2"/>
+          <p:cNvSpPr/>
+          <p:nvPr/>
+        </p:nvSpPr>
+        <p:spPr>
+          <a:xfrm>
+            <a:off x="3138950" y="2905432"/>
+            <a:ext cx="353961" cy="353961"/>
+          </a:xfrm>
+          <a:prstGeom prst="ellipse">
+            <a:avLst/>
+          </a:prstGeom>
+          <a:solidFill>
+            <a:schemeClr val="bg1"/>
+          </a:solidFill>
+          <a:ln w="28575">
+            <a:solidFill>
+              <a:schemeClr val="tx1"/>
+            </a:solidFill>
+          </a:ln>
+        </p:spPr>
+        <p:style>
+          <a:lnRef idx="2">
+            <a:schemeClr val="accent1">
+              <a:shade val="50000"/>
+            </a:schemeClr>
+          </a:lnRef>
+          <a:fillRef idx="1">
+            <a:schemeClr val="accent1"/>
+          </a:fillRef>
+          <a:effectRef idx="0">
+            <a:schemeClr val="accent1"/>
+          </a:effectRef>
+          <a:fontRef idx="minor">
+            <a:schemeClr val="lt1"/>
+          </a:fontRef>
+        </p:style>
+        <p:txBody>
+          <a:bodyPr rtlCol="0" anchor="ctr"/>
+          <a:lstStyle/>
+          <a:p>
+            <a:pPr algn="ctr"/>
+            <a:endParaRPr lang="en-US"/>
+          </a:p>
+        </p:txBody>
+      </p:sp>
+      <p:sp>
+        <p:nvSpPr>
+          <p:cNvPr id="43" name="Oval 42"/>
+          <p:cNvSpPr/>
+          <p:nvPr/>
+        </p:nvSpPr>
+        <p:spPr>
+          <a:xfrm>
+            <a:off x="9212821" y="2905432"/>
+            <a:ext cx="353961" cy="353961"/>
+          </a:xfrm>
+          <a:prstGeom prst="ellipse">
+            <a:avLst/>
+          </a:prstGeom>
+          <a:solidFill>
+            <a:schemeClr val="bg1"/>
+          </a:solidFill>
+          <a:ln w="28575">
+            <a:solidFill>
+              <a:schemeClr val="tx1"/>
+            </a:solidFill>
+          </a:ln>
+        </p:spPr>
+        <p:style>
+          <a:lnRef idx="2">
+            <a:schemeClr val="accent1">
+              <a:shade val="50000"/>
+            </a:schemeClr>
+          </a:lnRef>
+          <a:fillRef idx="1">
+            <a:schemeClr val="accent1"/>
+          </a:fillRef>
+          <a:effectRef idx="0">
+            <a:schemeClr val="accent1"/>
+          </a:effectRef>
+          <a:fontRef idx="minor">
+            <a:schemeClr val="lt1"/>
+          </a:fontRef>
+        </p:style>
+        <p:txBody>
+          <a:bodyPr rtlCol="0" anchor="ctr"/>
+          <a:lstStyle/>
+          <a:p>
+            <a:pPr algn="ctr"/>
+            <a:endParaRPr lang="en-US" dirty="0"/>
+          </a:p>
+        </p:txBody>
+      </p:sp>
       <p:cxnSp>
         <p:nvCxnSpPr>
-          <p:cNvPr id="96" name="Straight Arrow Connector 95"/>
-          <p:cNvCxnSpPr/>
+          <p:cNvPr id="5" name="Straight Connector 4"/>
+          <p:cNvCxnSpPr>
+            <a:stCxn id="3" idx="6"/>
+            <a:endCxn id="2" idx="2"/>
+          </p:cNvCxnSpPr>
           <p:nvPr/>
         </p:nvCxnSpPr>
         <p:spPr>
-          <a:xfrm flipH="1">
-            <a:off x="5099591" y="3345698"/>
-            <a:ext cx="17222" cy="2597279"/>
-          </a:xfrm>
-          <a:prstGeom prst="straightConnector1">
+          <a:xfrm flipV="1">
+            <a:off x="3492911" y="2905432"/>
+            <a:ext cx="297424" cy="176981"/>
+          </a:xfrm>
+          <a:prstGeom prst="line">
             <a:avLst/>
           </a:prstGeom>
-          <a:ln w="19050">
-            <a:prstDash val="sysDot"/>
-            <a:tailEnd type="triangle"/>
+          <a:ln w="28575">
+            <a:solidFill>
+              <a:schemeClr val="tx1"/>
+            </a:solidFill>
           </a:ln>
         </p:spPr>
         <p:style>
@@ -4491,410 +4683,26 @@
       </p:cxnSp>
       <p:cxnSp>
         <p:nvCxnSpPr>
-          <p:cNvPr id="232" name="Straight Arrow Connector 231"/>
-          <p:cNvCxnSpPr/>
+          <p:cNvPr id="7" name="Straight Connector 6"/>
+          <p:cNvCxnSpPr>
+            <a:stCxn id="3" idx="6"/>
+            <a:endCxn id="41" idx="2"/>
+          </p:cNvCxnSpPr>
           <p:nvPr/>
         </p:nvCxnSpPr>
         <p:spPr>
-          <a:xfrm flipH="1">
-            <a:off x="3495368" y="3315669"/>
-            <a:ext cx="8532" cy="1677637"/>
-          </a:xfrm>
-          <a:prstGeom prst="straightConnector1">
-            <a:avLst/>
-          </a:prstGeom>
-          <a:ln w="19050">
-            <a:prstDash val="sysDot"/>
-            <a:tailEnd type="triangle"/>
-          </a:ln>
-        </p:spPr>
-        <p:style>
-          <a:lnRef idx="1">
-            <a:schemeClr val="accent1"/>
-          </a:lnRef>
-          <a:fillRef idx="0">
-            <a:schemeClr val="accent1"/>
-          </a:fillRef>
-          <a:effectRef idx="0">
-            <a:schemeClr val="accent1"/>
-          </a:effectRef>
-          <a:fontRef idx="minor">
-            <a:schemeClr val="tx1"/>
-          </a:fontRef>
-        </p:style>
-      </p:cxnSp>
-      <p:sp>
-        <p:nvSpPr>
-          <p:cNvPr id="45" name="Rectangle 44"/>
-          <p:cNvSpPr/>
-          <p:nvPr/>
-        </p:nvSpPr>
-        <p:spPr>
           <a:xfrm>
-            <a:off x="2527418" y="899647"/>
-            <a:ext cx="1364878" cy="1026586"/>
-          </a:xfrm>
-          <a:prstGeom prst="rect">
-            <a:avLst/>
-          </a:prstGeom>
-          <a:solidFill>
-            <a:schemeClr val="bg1"/>
-          </a:solidFill>
-          <a:ln w="57150">
-            <a:solidFill>
-              <a:srgbClr val="00B0F0"/>
-            </a:solidFill>
-          </a:ln>
-        </p:spPr>
-        <p:style>
-          <a:lnRef idx="2">
-            <a:schemeClr val="accent1">
-              <a:shade val="50000"/>
-            </a:schemeClr>
-          </a:lnRef>
-          <a:fillRef idx="1">
-            <a:schemeClr val="accent1"/>
-          </a:fillRef>
-          <a:effectRef idx="0">
-            <a:schemeClr val="accent1"/>
-          </a:effectRef>
-          <a:fontRef idx="minor">
-            <a:schemeClr val="lt1"/>
-          </a:fontRef>
-        </p:style>
-        <p:txBody>
-          <a:bodyPr rtlCol="0" anchor="ctr"/>
-          <a:lstStyle/>
-          <a:p>
-            <a:pPr algn="ctr"/>
-            <a:r>
-              <a:rPr lang="en-US" sz="2400" dirty="0" smtClean="0">
-                <a:solidFill>
-                  <a:schemeClr val="tx1"/>
-                </a:solidFill>
-              </a:rPr>
-              <a:t>Control</a:t>
-            </a:r>
-          </a:p>
-          <a:p>
-            <a:pPr algn="ctr"/>
-            <a:r>
-              <a:rPr lang="en-US" sz="2400" dirty="0" smtClean="0">
-                <a:solidFill>
-                  <a:schemeClr val="tx1"/>
-                </a:solidFill>
-              </a:rPr>
-              <a:t>App</a:t>
-            </a:r>
-            <a:endParaRPr lang="en-US" sz="2400" dirty="0">
-              <a:solidFill>
-                <a:schemeClr val="tx1"/>
-              </a:solidFill>
-            </a:endParaRPr>
-          </a:p>
-        </p:txBody>
-      </p:sp>
-      <p:sp>
-        <p:nvSpPr>
-          <p:cNvPr id="61" name="Rectangle 60"/>
-          <p:cNvSpPr/>
-          <p:nvPr/>
-        </p:nvSpPr>
-        <p:spPr>
-          <a:xfrm>
-            <a:off x="4066166" y="899647"/>
-            <a:ext cx="1364878" cy="1026586"/>
-          </a:xfrm>
-          <a:prstGeom prst="rect">
-            <a:avLst/>
-          </a:prstGeom>
-          <a:solidFill>
-            <a:schemeClr val="bg1"/>
-          </a:solidFill>
-          <a:ln w="57150">
-            <a:solidFill>
-              <a:srgbClr val="00B0F0"/>
-            </a:solidFill>
-          </a:ln>
-        </p:spPr>
-        <p:style>
-          <a:lnRef idx="2">
-            <a:schemeClr val="accent1">
-              <a:shade val="50000"/>
-            </a:schemeClr>
-          </a:lnRef>
-          <a:fillRef idx="1">
-            <a:schemeClr val="accent1"/>
-          </a:fillRef>
-          <a:effectRef idx="0">
-            <a:schemeClr val="accent1"/>
-          </a:effectRef>
-          <a:fontRef idx="minor">
-            <a:schemeClr val="lt1"/>
-          </a:fontRef>
-        </p:style>
-        <p:txBody>
-          <a:bodyPr rtlCol="0" anchor="ctr"/>
-          <a:lstStyle/>
-          <a:p>
-            <a:pPr algn="ctr"/>
-            <a:r>
-              <a:rPr lang="en-US" sz="2400" dirty="0" smtClean="0">
-                <a:solidFill>
-                  <a:schemeClr val="tx1"/>
-                </a:solidFill>
-              </a:rPr>
-              <a:t>Control</a:t>
-            </a:r>
-          </a:p>
-          <a:p>
-            <a:pPr algn="ctr"/>
-            <a:r>
-              <a:rPr lang="en-US" sz="2400" dirty="0" smtClean="0">
-                <a:solidFill>
-                  <a:schemeClr val="tx1"/>
-                </a:solidFill>
-              </a:rPr>
-              <a:t>App</a:t>
-            </a:r>
-            <a:endParaRPr lang="en-US" sz="2400" dirty="0">
-              <a:solidFill>
-                <a:schemeClr val="tx1"/>
-              </a:solidFill>
-            </a:endParaRPr>
-          </a:p>
-        </p:txBody>
-      </p:sp>
-      <p:sp>
-        <p:nvSpPr>
-          <p:cNvPr id="63" name="Rectangle 62"/>
-          <p:cNvSpPr/>
-          <p:nvPr/>
-        </p:nvSpPr>
-        <p:spPr>
-          <a:xfrm>
-            <a:off x="5604914" y="899647"/>
-            <a:ext cx="1364878" cy="1026586"/>
-          </a:xfrm>
-          <a:prstGeom prst="rect">
-            <a:avLst/>
-          </a:prstGeom>
-          <a:solidFill>
-            <a:schemeClr val="bg1"/>
-          </a:solidFill>
-          <a:ln w="57150">
-            <a:solidFill>
-              <a:srgbClr val="00B0F0"/>
-            </a:solidFill>
-          </a:ln>
-        </p:spPr>
-        <p:style>
-          <a:lnRef idx="2">
-            <a:schemeClr val="accent1">
-              <a:shade val="50000"/>
-            </a:schemeClr>
-          </a:lnRef>
-          <a:fillRef idx="1">
-            <a:schemeClr val="accent1"/>
-          </a:fillRef>
-          <a:effectRef idx="0">
-            <a:schemeClr val="accent1"/>
-          </a:effectRef>
-          <a:fontRef idx="minor">
-            <a:schemeClr val="lt1"/>
-          </a:fontRef>
-        </p:style>
-        <p:txBody>
-          <a:bodyPr rtlCol="0" anchor="ctr"/>
-          <a:lstStyle/>
-          <a:p>
-            <a:pPr algn="ctr"/>
-            <a:r>
-              <a:rPr lang="en-US" sz="2400" dirty="0" smtClean="0">
-                <a:solidFill>
-                  <a:schemeClr val="tx1"/>
-                </a:solidFill>
-              </a:rPr>
-              <a:t>Control</a:t>
-            </a:r>
-          </a:p>
-          <a:p>
-            <a:pPr algn="ctr"/>
-            <a:r>
-              <a:rPr lang="en-US" sz="2400" dirty="0" smtClean="0">
-                <a:solidFill>
-                  <a:schemeClr val="tx1"/>
-                </a:solidFill>
-              </a:rPr>
-              <a:t>App</a:t>
-            </a:r>
-            <a:endParaRPr lang="en-US" sz="2400" dirty="0">
-              <a:solidFill>
-                <a:schemeClr val="tx1"/>
-              </a:solidFill>
-            </a:endParaRPr>
-          </a:p>
-        </p:txBody>
-      </p:sp>
-      <p:sp>
-        <p:nvSpPr>
-          <p:cNvPr id="64" name="Rectangle 63"/>
-          <p:cNvSpPr/>
-          <p:nvPr/>
-        </p:nvSpPr>
-        <p:spPr>
-          <a:xfrm>
-            <a:off x="8194160" y="899647"/>
-            <a:ext cx="1364878" cy="1026586"/>
-          </a:xfrm>
-          <a:prstGeom prst="rect">
-            <a:avLst/>
-          </a:prstGeom>
-          <a:solidFill>
-            <a:schemeClr val="bg1"/>
-          </a:solidFill>
-          <a:ln w="57150">
-            <a:solidFill>
-              <a:srgbClr val="00B0F0"/>
-            </a:solidFill>
-          </a:ln>
-        </p:spPr>
-        <p:style>
-          <a:lnRef idx="2">
-            <a:schemeClr val="accent1">
-              <a:shade val="50000"/>
-            </a:schemeClr>
-          </a:lnRef>
-          <a:fillRef idx="1">
-            <a:schemeClr val="accent1"/>
-          </a:fillRef>
-          <a:effectRef idx="0">
-            <a:schemeClr val="accent1"/>
-          </a:effectRef>
-          <a:fontRef idx="minor">
-            <a:schemeClr val="lt1"/>
-          </a:fontRef>
-        </p:style>
-        <p:txBody>
-          <a:bodyPr rtlCol="0" anchor="ctr"/>
-          <a:lstStyle/>
-          <a:p>
-            <a:pPr algn="ctr"/>
-            <a:r>
-              <a:rPr lang="en-US" sz="2400" dirty="0" smtClean="0">
-                <a:solidFill>
-                  <a:schemeClr val="tx1"/>
-                </a:solidFill>
-              </a:rPr>
-              <a:t>Control</a:t>
-            </a:r>
-          </a:p>
-          <a:p>
-            <a:pPr algn="ctr"/>
-            <a:r>
-              <a:rPr lang="en-US" sz="2400" dirty="0" smtClean="0">
-                <a:solidFill>
-                  <a:schemeClr val="tx1"/>
-                </a:solidFill>
-              </a:rPr>
-              <a:t>App</a:t>
-            </a:r>
-            <a:endParaRPr lang="en-US" sz="2400" dirty="0">
-              <a:solidFill>
-                <a:schemeClr val="tx1"/>
-              </a:solidFill>
-            </a:endParaRPr>
-          </a:p>
-        </p:txBody>
-      </p:sp>
-      <p:sp>
-        <p:nvSpPr>
-          <p:cNvPr id="19" name="TextBox 18"/>
-          <p:cNvSpPr txBox="1"/>
-          <p:nvPr/>
-        </p:nvSpPr>
-        <p:spPr>
-          <a:xfrm>
-            <a:off x="7374194" y="1412940"/>
-            <a:ext cx="463588" cy="369332"/>
-          </a:xfrm>
-          <a:prstGeom prst="rect">
-            <a:avLst/>
-          </a:prstGeom>
-          <a:noFill/>
-        </p:spPr>
-        <p:txBody>
-          <a:bodyPr wrap="none" rtlCol="0">
-            <a:spAutoFit/>
-          </a:bodyPr>
-          <a:lstStyle/>
-          <a:p>
-            <a:r>
-              <a:rPr lang="en-US" dirty="0" smtClean="0"/>
-              <a:t>. . .</a:t>
-            </a:r>
-            <a:endParaRPr lang="en-US" dirty="0"/>
-          </a:p>
-        </p:txBody>
-      </p:sp>
-      <p:pic>
-        <p:nvPicPr>
-          <p:cNvPr id="70" name="Picture 69" descr="switch.png">
-            <a:extLst>
-              <a:ext uri="{FF2B5EF4-FFF2-40B4-BE49-F238E27FC236}">
-                <a16:creationId xmlns="" xmlns:a16="http://schemas.microsoft.com/office/drawing/2014/main" id="{B1E6F965-3CC8-4840-AFCE-46573E8CAD63}"/>
-              </a:ext>
-            </a:extLst>
-          </p:cNvPr>
-          <p:cNvPicPr>
-            <a:picLocks noChangeAspect="1"/>
-          </p:cNvPicPr>
-          <p:nvPr/>
-        </p:nvPicPr>
-        <p:blipFill>
-          <a:blip r:embed="rId2" cstate="screen">
-            <a:duotone>
-              <a:srgbClr val="4B87CC">
-                <a:shade val="45000"/>
-                <a:satMod val="135000"/>
-              </a:srgbClr>
-              <a:prstClr val="white"/>
-            </a:duotone>
-            <a:extLst>
-              <a:ext uri="{28A0092B-C50C-407E-A947-70E740481C1C}">
-                <a14:useLocalDpi xmlns:a14="http://schemas.microsoft.com/office/drawing/2010/main"/>
-              </a:ext>
-            </a:extLst>
-          </a:blip>
-          <a:stretch>
-            <a:fillRect/>
-          </a:stretch>
-        </p:blipFill>
-        <p:spPr>
-          <a:xfrm>
-            <a:off x="4651712" y="5824362"/>
-            <a:ext cx="1148042" cy="780438"/>
-          </a:xfrm>
-          <a:prstGeom prst="rect">
-            <a:avLst/>
-          </a:prstGeom>
-        </p:spPr>
-      </p:pic>
-      <p:cxnSp>
-        <p:nvCxnSpPr>
-          <p:cNvPr id="23" name="Straight Connector 22"/>
-          <p:cNvCxnSpPr/>
-          <p:nvPr/>
-        </p:nvCxnSpPr>
-        <p:spPr>
-          <a:xfrm flipH="1">
-            <a:off x="7034981" y="4586748"/>
-            <a:ext cx="939717" cy="501446"/>
+            <a:off x="3492911" y="3082413"/>
+            <a:ext cx="464572" cy="137647"/>
           </a:xfrm>
           <a:prstGeom prst="line">
             <a:avLst/>
           </a:prstGeom>
-          <a:ln w="28575"/>
+          <a:ln w="28575">
+            <a:solidFill>
+              <a:schemeClr val="tx1"/>
+            </a:solidFill>
+          </a:ln>
         </p:spPr>
         <p:style>
           <a:lnRef idx="1">
@@ -4913,19 +4721,25 @@
       </p:cxnSp>
       <p:cxnSp>
         <p:nvCxnSpPr>
-          <p:cNvPr id="74" name="Straight Connector 73"/>
-          <p:cNvCxnSpPr/>
+          <p:cNvPr id="9" name="Straight Connector 8"/>
+          <p:cNvCxnSpPr>
+            <a:stCxn id="43" idx="2"/>
+          </p:cNvCxnSpPr>
           <p:nvPr/>
         </p:nvCxnSpPr>
         <p:spPr>
-          <a:xfrm flipH="1">
-            <a:off x="5435530" y="5530019"/>
-            <a:ext cx="939717" cy="501446"/>
+          <a:xfrm flipH="1" flipV="1">
+            <a:off x="8731045" y="2905432"/>
+            <a:ext cx="481776" cy="176981"/>
           </a:xfrm>
           <a:prstGeom prst="line">
             <a:avLst/>
           </a:prstGeom>
-          <a:ln w="28575"/>
+          <a:ln w="28575">
+            <a:solidFill>
+              <a:schemeClr val="tx1"/>
+            </a:solidFill>
+          </a:ln>
         </p:spPr>
         <p:style>
           <a:lnRef idx="1">
@@ -4944,19 +4758,178 @@
       </p:cxnSp>
       <p:cxnSp>
         <p:nvCxnSpPr>
-          <p:cNvPr id="77" name="Straight Connector 76"/>
-          <p:cNvCxnSpPr/>
+          <p:cNvPr id="11" name="Straight Connector 10"/>
+          <p:cNvCxnSpPr>
+            <a:stCxn id="43" idx="2"/>
+            <a:endCxn id="41" idx="6"/>
+          </p:cNvCxnSpPr>
           <p:nvPr/>
         </p:nvCxnSpPr>
         <p:spPr>
           <a:xfrm flipH="1">
-            <a:off x="3936112" y="4532045"/>
-            <a:ext cx="939717" cy="501446"/>
+            <a:off x="8898193" y="3082413"/>
+            <a:ext cx="314628" cy="137647"/>
           </a:xfrm>
           <a:prstGeom prst="line">
             <a:avLst/>
           </a:prstGeom>
-          <a:ln w="28575"/>
+          <a:ln w="28575">
+            <a:solidFill>
+              <a:schemeClr val="tx1"/>
+            </a:solidFill>
+          </a:ln>
+        </p:spPr>
+        <p:style>
+          <a:lnRef idx="1">
+            <a:schemeClr val="accent1"/>
+          </a:lnRef>
+          <a:fillRef idx="0">
+            <a:schemeClr val="accent1"/>
+          </a:fillRef>
+          <a:effectRef idx="0">
+            <a:schemeClr val="accent1"/>
+          </a:effectRef>
+          <a:fontRef idx="minor">
+            <a:schemeClr val="tx1"/>
+          </a:fontRef>
+        </p:style>
+      </p:cxnSp>
+      <p:sp>
+        <p:nvSpPr>
+          <p:cNvPr id="52" name="Oval 51"/>
+          <p:cNvSpPr/>
+          <p:nvPr/>
+        </p:nvSpPr>
+        <p:spPr>
+          <a:xfrm>
+            <a:off x="1691146" y="3721507"/>
+            <a:ext cx="1801765" cy="909487"/>
+          </a:xfrm>
+          <a:prstGeom prst="ellipse">
+            <a:avLst/>
+          </a:prstGeom>
+          <a:solidFill>
+            <a:schemeClr val="bg1"/>
+          </a:solidFill>
+          <a:ln w="28575">
+            <a:solidFill>
+              <a:schemeClr val="tx1"/>
+            </a:solidFill>
+          </a:ln>
+        </p:spPr>
+        <p:style>
+          <a:lnRef idx="2">
+            <a:schemeClr val="accent1"/>
+          </a:lnRef>
+          <a:fillRef idx="1">
+            <a:schemeClr val="lt1"/>
+          </a:fillRef>
+          <a:effectRef idx="0">
+            <a:schemeClr val="accent1"/>
+          </a:effectRef>
+          <a:fontRef idx="minor">
+            <a:schemeClr val="dk1"/>
+          </a:fontRef>
+        </p:style>
+        <p:txBody>
+          <a:bodyPr rtlCol="0" anchor="ctr"/>
+          <a:lstStyle/>
+          <a:p>
+            <a:pPr algn="ctr"/>
+            <a:r>
+              <a:rPr lang="en-US" sz="2000" dirty="0" smtClean="0"/>
+              <a:t>Consumer</a:t>
+            </a:r>
+          </a:p>
+          <a:p>
+            <a:pPr algn="ctr"/>
+            <a:r>
+              <a:rPr lang="en-US" sz="2000" dirty="0" smtClean="0"/>
+              <a:t>ISP</a:t>
+            </a:r>
+            <a:endParaRPr lang="en-US" sz="2000" dirty="0"/>
+          </a:p>
+        </p:txBody>
+      </p:sp>
+      <p:sp>
+        <p:nvSpPr>
+          <p:cNvPr id="55" name="Oval 54"/>
+          <p:cNvSpPr/>
+          <p:nvPr/>
+        </p:nvSpPr>
+        <p:spPr>
+          <a:xfrm>
+            <a:off x="9212821" y="3721507"/>
+            <a:ext cx="1858301" cy="909487"/>
+          </a:xfrm>
+          <a:prstGeom prst="ellipse">
+            <a:avLst/>
+          </a:prstGeom>
+          <a:solidFill>
+            <a:schemeClr val="bg1"/>
+          </a:solidFill>
+          <a:ln w="28575">
+            <a:solidFill>
+              <a:schemeClr val="tx1"/>
+            </a:solidFill>
+          </a:ln>
+        </p:spPr>
+        <p:style>
+          <a:lnRef idx="2">
+            <a:schemeClr val="accent1"/>
+          </a:lnRef>
+          <a:fillRef idx="1">
+            <a:schemeClr val="lt1"/>
+          </a:fillRef>
+          <a:effectRef idx="0">
+            <a:schemeClr val="accent1"/>
+          </a:effectRef>
+          <a:fontRef idx="minor">
+            <a:schemeClr val="dk1"/>
+          </a:fontRef>
+        </p:style>
+        <p:txBody>
+          <a:bodyPr rtlCol="0" anchor="ctr"/>
+          <a:lstStyle/>
+          <a:p>
+            <a:pPr algn="ctr"/>
+            <a:r>
+              <a:rPr lang="en-US" sz="2000" dirty="0" smtClean="0"/>
+              <a:t>Consumer</a:t>
+            </a:r>
+          </a:p>
+          <a:p>
+            <a:pPr algn="ctr"/>
+            <a:r>
+              <a:rPr lang="en-US" sz="2000" dirty="0" smtClean="0"/>
+              <a:t>ISP</a:t>
+            </a:r>
+            <a:endParaRPr lang="en-US" sz="2000" dirty="0"/>
+          </a:p>
+        </p:txBody>
+      </p:sp>
+      <p:cxnSp>
+        <p:nvCxnSpPr>
+          <p:cNvPr id="13" name="Straight Connector 12"/>
+          <p:cNvCxnSpPr>
+            <a:stCxn id="52" idx="0"/>
+            <a:endCxn id="3" idx="3"/>
+          </p:cNvCxnSpPr>
+          <p:nvPr/>
+        </p:nvCxnSpPr>
+        <p:spPr>
+          <a:xfrm flipV="1">
+            <a:off x="2592029" y="3207557"/>
+            <a:ext cx="598757" cy="513950"/>
+          </a:xfrm>
+          <a:prstGeom prst="line">
+            <a:avLst/>
+          </a:prstGeom>
+          <a:ln w="28575">
+            <a:solidFill>
+              <a:schemeClr val="tx1"/>
+            </a:solidFill>
+          </a:ln>
         </p:spPr>
         <p:style>
           <a:lnRef idx="1">
@@ -4975,19 +4948,26 @@
       </p:cxnSp>
       <p:cxnSp>
         <p:nvCxnSpPr>
-          <p:cNvPr id="78" name="Straight Connector 77"/>
-          <p:cNvCxnSpPr/>
+          <p:cNvPr id="15" name="Straight Connector 14"/>
+          <p:cNvCxnSpPr>
+            <a:stCxn id="55" idx="0"/>
+            <a:endCxn id="43" idx="4"/>
+          </p:cNvCxnSpPr>
           <p:nvPr/>
         </p:nvCxnSpPr>
         <p:spPr>
           <a:xfrm flipH="1" flipV="1">
-            <a:off x="3936112" y="5312483"/>
-            <a:ext cx="1050974" cy="718983"/>
+            <a:off x="9389802" y="3259393"/>
+            <a:ext cx="752170" cy="462114"/>
           </a:xfrm>
           <a:prstGeom prst="line">
             <a:avLst/>
           </a:prstGeom>
-          <a:ln w="28575"/>
+          <a:ln w="28575">
+            <a:solidFill>
+              <a:schemeClr val="tx1"/>
+            </a:solidFill>
+          </a:ln>
         </p:spPr>
         <p:style>
           <a:lnRef idx="1">
@@ -5004,257 +4984,227 @@
           </a:fontRef>
         </p:style>
       </p:cxnSp>
-      <p:pic>
-        <p:nvPicPr>
-          <p:cNvPr id="75" name="Picture 74" descr="switch.png">
-            <a:extLst>
-              <a:ext uri="{FF2B5EF4-FFF2-40B4-BE49-F238E27FC236}">
-                <a16:creationId xmlns="" xmlns:a16="http://schemas.microsoft.com/office/drawing/2014/main" id="{B1E6F965-3CC8-4840-AFCE-46573E8CAD63}"/>
-              </a:ext>
-            </a:extLst>
-          </p:cNvPr>
-          <p:cNvPicPr>
-            <a:picLocks noChangeAspect="1"/>
-          </p:cNvPicPr>
+      <p:sp>
+        <p:nvSpPr>
+          <p:cNvPr id="65" name="Oval 64"/>
+          <p:cNvSpPr/>
           <p:nvPr/>
-        </p:nvPicPr>
-        <p:blipFill>
-          <a:blip r:embed="rId2" cstate="screen">
-            <a:duotone>
-              <a:srgbClr val="4B87CC">
-                <a:shade val="45000"/>
-                <a:satMod val="135000"/>
-              </a:srgbClr>
-              <a:prstClr val="white"/>
-            </a:duotone>
-            <a:extLst>
-              <a:ext uri="{28A0092B-C50C-407E-A947-70E740481C1C}">
-                <a14:useLocalDpi xmlns:a14="http://schemas.microsoft.com/office/drawing/2010/main"/>
-              </a:ext>
-            </a:extLst>
-          </a:blip>
-          <a:stretch>
-            <a:fillRect/>
-          </a:stretch>
-        </p:blipFill>
+        </p:nvSpPr>
         <p:spPr>
           <a:xfrm>
-            <a:off x="3152294" y="4826388"/>
-            <a:ext cx="1148042" cy="780438"/>
-          </a:xfrm>
-          <a:prstGeom prst="rect">
+            <a:off x="3827203" y="948814"/>
+            <a:ext cx="4940710" cy="1150374"/>
+          </a:xfrm>
+          <a:prstGeom prst="ellipse">
             <a:avLst/>
           </a:prstGeom>
-        </p:spPr>
-      </p:pic>
+          <a:solidFill>
+            <a:srgbClr val="CFE7F1"/>
+          </a:solidFill>
+          <a:ln w="28575">
+            <a:solidFill>
+              <a:srgbClr val="00B0F0"/>
+            </a:solidFill>
+          </a:ln>
+        </p:spPr>
+        <p:style>
+          <a:lnRef idx="2">
+            <a:schemeClr val="accent1"/>
+          </a:lnRef>
+          <a:fillRef idx="1">
+            <a:schemeClr val="lt1"/>
+          </a:fillRef>
+          <a:effectRef idx="0">
+            <a:schemeClr val="accent1"/>
+          </a:effectRef>
+          <a:fontRef idx="minor">
+            <a:schemeClr val="dk1"/>
+          </a:fontRef>
+        </p:style>
+        <p:txBody>
+          <a:bodyPr rtlCol="0" anchor="ctr"/>
+          <a:lstStyle/>
+          <a:p>
+            <a:pPr algn="ctr"/>
+            <a:r>
+              <a:rPr lang="en-US" sz="2400" dirty="0" smtClean="0">
+                <a:solidFill>
+                  <a:schemeClr val="tx1"/>
+                </a:solidFill>
+              </a:rPr>
+              <a:t>Private Cloud Backbone</a:t>
+            </a:r>
+            <a:endParaRPr lang="en-US" sz="2400" dirty="0">
+              <a:solidFill>
+                <a:schemeClr val="tx1"/>
+              </a:solidFill>
+            </a:endParaRPr>
+          </a:p>
+        </p:txBody>
+      </p:sp>
+      <p:sp>
+        <p:nvSpPr>
+          <p:cNvPr id="24" name="Cloud 23"/>
+          <p:cNvSpPr/>
+          <p:nvPr/>
+        </p:nvSpPr>
+        <p:spPr>
+          <a:xfrm>
+            <a:off x="2465437" y="1842216"/>
+            <a:ext cx="1324898" cy="727585"/>
+          </a:xfrm>
+          <a:prstGeom prst="cloud">
+            <a:avLst/>
+          </a:prstGeom>
+          <a:solidFill>
+            <a:srgbClr val="CFE7F1"/>
+          </a:solidFill>
+          <a:ln>
+            <a:solidFill>
+              <a:srgbClr val="00B0F0"/>
+            </a:solidFill>
+          </a:ln>
+        </p:spPr>
+        <p:style>
+          <a:lnRef idx="2">
+            <a:schemeClr val="accent1">
+              <a:shade val="50000"/>
+            </a:schemeClr>
+          </a:lnRef>
+          <a:fillRef idx="1">
+            <a:schemeClr val="accent1"/>
+          </a:fillRef>
+          <a:effectRef idx="0">
+            <a:schemeClr val="accent1"/>
+          </a:effectRef>
+          <a:fontRef idx="minor">
+            <a:schemeClr val="lt1"/>
+          </a:fontRef>
+        </p:style>
+        <p:txBody>
+          <a:bodyPr rtlCol="0" anchor="ctr"/>
+          <a:lstStyle/>
+          <a:p>
+            <a:pPr algn="ctr"/>
+            <a:r>
+              <a:rPr lang="en-US" dirty="0" smtClean="0">
+                <a:solidFill>
+                  <a:schemeClr val="tx1"/>
+                </a:solidFill>
+              </a:rPr>
+              <a:t>Cloud</a:t>
+            </a:r>
+          </a:p>
+          <a:p>
+            <a:pPr algn="ctr"/>
+            <a:r>
+              <a:rPr lang="en-US" dirty="0" smtClean="0">
+                <a:solidFill>
+                  <a:schemeClr val="tx1"/>
+                </a:solidFill>
+              </a:rPr>
+              <a:t>Site</a:t>
+            </a:r>
+            <a:endParaRPr lang="en-US" dirty="0">
+              <a:solidFill>
+                <a:schemeClr val="tx1"/>
+              </a:solidFill>
+            </a:endParaRPr>
+          </a:p>
+        </p:txBody>
+      </p:sp>
+      <p:sp>
+        <p:nvSpPr>
+          <p:cNvPr id="67" name="Cloud 66"/>
+          <p:cNvSpPr/>
+          <p:nvPr/>
+        </p:nvSpPr>
+        <p:spPr>
+          <a:xfrm>
+            <a:off x="8898189" y="1794380"/>
+            <a:ext cx="1324898" cy="727585"/>
+          </a:xfrm>
+          <a:prstGeom prst="cloud">
+            <a:avLst/>
+          </a:prstGeom>
+          <a:solidFill>
+            <a:srgbClr val="CFE7F1"/>
+          </a:solidFill>
+          <a:ln>
+            <a:solidFill>
+              <a:srgbClr val="00B0F0"/>
+            </a:solidFill>
+          </a:ln>
+        </p:spPr>
+        <p:style>
+          <a:lnRef idx="2">
+            <a:schemeClr val="accent1">
+              <a:shade val="50000"/>
+            </a:schemeClr>
+          </a:lnRef>
+          <a:fillRef idx="1">
+            <a:schemeClr val="accent1"/>
+          </a:fillRef>
+          <a:effectRef idx="0">
+            <a:schemeClr val="accent1"/>
+          </a:effectRef>
+          <a:fontRef idx="minor">
+            <a:schemeClr val="lt1"/>
+          </a:fontRef>
+        </p:style>
+        <p:txBody>
+          <a:bodyPr rtlCol="0" anchor="ctr"/>
+          <a:lstStyle/>
+          <a:p>
+            <a:pPr algn="ctr"/>
+            <a:r>
+              <a:rPr lang="en-US" dirty="0" smtClean="0">
+                <a:solidFill>
+                  <a:schemeClr val="tx1"/>
+                </a:solidFill>
+              </a:rPr>
+              <a:t>Cloud</a:t>
+            </a:r>
+          </a:p>
+          <a:p>
+            <a:pPr algn="ctr"/>
+            <a:r>
+              <a:rPr lang="en-US" dirty="0" smtClean="0">
+                <a:solidFill>
+                  <a:schemeClr val="tx1"/>
+                </a:solidFill>
+              </a:rPr>
+              <a:t>Site</a:t>
+            </a:r>
+            <a:endParaRPr lang="en-US" dirty="0">
+              <a:solidFill>
+                <a:schemeClr val="tx1"/>
+              </a:solidFill>
+            </a:endParaRPr>
+          </a:p>
+        </p:txBody>
+      </p:sp>
       <p:cxnSp>
         <p:nvCxnSpPr>
-          <p:cNvPr id="82" name="Straight Connector 81"/>
-          <p:cNvCxnSpPr/>
+          <p:cNvPr id="26" name="Straight Connector 25"/>
+          <p:cNvCxnSpPr>
+            <a:stCxn id="24" idx="3"/>
+            <a:endCxn id="65" idx="2"/>
+          </p:cNvCxnSpPr>
           <p:nvPr/>
         </p:nvCxnSpPr>
         <p:spPr>
-          <a:xfrm flipH="1" flipV="1">
-            <a:off x="5496233" y="4466896"/>
-            <a:ext cx="1050974" cy="718983"/>
+          <a:xfrm flipV="1">
+            <a:off x="3127886" y="1524001"/>
+            <a:ext cx="699317" cy="359815"/>
           </a:xfrm>
           <a:prstGeom prst="line">
             <a:avLst/>
           </a:prstGeom>
-          <a:ln w="28575"/>
-        </p:spPr>
-        <p:style>
-          <a:lnRef idx="1">
-            <a:schemeClr val="accent1"/>
-          </a:lnRef>
-          <a:fillRef idx="0">
-            <a:schemeClr val="accent1"/>
-          </a:fillRef>
-          <a:effectRef idx="0">
-            <a:schemeClr val="accent1"/>
-          </a:effectRef>
-          <a:fontRef idx="minor">
-            <a:schemeClr val="tx1"/>
-          </a:fontRef>
-        </p:style>
-      </p:cxnSp>
-      <p:pic>
-        <p:nvPicPr>
-          <p:cNvPr id="72" name="Picture 71" descr="switch.png">
-            <a:extLst>
-              <a:ext uri="{FF2B5EF4-FFF2-40B4-BE49-F238E27FC236}">
-                <a16:creationId xmlns="" xmlns:a16="http://schemas.microsoft.com/office/drawing/2014/main" id="{B1E6F965-3CC8-4840-AFCE-46573E8CAD63}"/>
-              </a:ext>
-            </a:extLst>
-          </p:cNvPr>
-          <p:cNvPicPr>
-            <a:picLocks noChangeAspect="1"/>
-          </p:cNvPicPr>
-          <p:nvPr/>
-        </p:nvPicPr>
-        <p:blipFill>
-          <a:blip r:embed="rId2" cstate="screen">
-            <a:duotone>
-              <a:srgbClr val="4B87CC">
-                <a:shade val="45000"/>
-                <a:satMod val="135000"/>
-              </a:srgbClr>
-              <a:prstClr val="white"/>
-            </a:duotone>
-            <a:extLst>
-              <a:ext uri="{28A0092B-C50C-407E-A947-70E740481C1C}">
-                <a14:useLocalDpi xmlns:a14="http://schemas.microsoft.com/office/drawing/2010/main"/>
-              </a:ext>
-            </a:extLst>
-          </a:blip>
-          <a:stretch>
-            <a:fillRect/>
-          </a:stretch>
-        </p:blipFill>
-        <p:spPr>
-          <a:xfrm>
-            <a:off x="6190460" y="4949062"/>
-            <a:ext cx="1148042" cy="780438"/>
-          </a:xfrm>
-          <a:prstGeom prst="rect">
-            <a:avLst/>
-          </a:prstGeom>
-        </p:spPr>
-      </p:pic>
-      <p:cxnSp>
-        <p:nvCxnSpPr>
-          <p:cNvPr id="84" name="Straight Connector 83"/>
-          <p:cNvCxnSpPr/>
-          <p:nvPr/>
-        </p:nvCxnSpPr>
-        <p:spPr>
-          <a:xfrm flipH="1">
-            <a:off x="5540718" y="4223923"/>
-            <a:ext cx="2665774" cy="22111"/>
-          </a:xfrm>
-          <a:prstGeom prst="line">
-            <a:avLst/>
-          </a:prstGeom>
-          <a:ln w="28575"/>
-        </p:spPr>
-        <p:style>
-          <a:lnRef idx="1">
-            <a:schemeClr val="accent1"/>
-          </a:lnRef>
-          <a:fillRef idx="0">
-            <a:schemeClr val="accent1"/>
-          </a:fillRef>
-          <a:effectRef idx="0">
-            <a:schemeClr val="accent1"/>
-          </a:effectRef>
-          <a:fontRef idx="minor">
-            <a:schemeClr val="tx1"/>
-          </a:fontRef>
-        </p:style>
-      </p:cxnSp>
-      <p:pic>
-        <p:nvPicPr>
-          <p:cNvPr id="76" name="Picture 75" descr="switch.png">
-            <a:extLst>
-              <a:ext uri="{FF2B5EF4-FFF2-40B4-BE49-F238E27FC236}">
-                <a16:creationId xmlns="" xmlns:a16="http://schemas.microsoft.com/office/drawing/2014/main" id="{B1E6F965-3CC8-4840-AFCE-46573E8CAD63}"/>
-              </a:ext>
-            </a:extLst>
-          </p:cNvPr>
-          <p:cNvPicPr>
-            <a:picLocks noChangeAspect="1"/>
-          </p:cNvPicPr>
-          <p:nvPr/>
-        </p:nvPicPr>
-        <p:blipFill>
-          <a:blip r:embed="rId2" cstate="screen">
-            <a:duotone>
-              <a:srgbClr val="4B87CC">
-                <a:shade val="45000"/>
-                <a:satMod val="135000"/>
-              </a:srgbClr>
-              <a:prstClr val="white"/>
-            </a:duotone>
-            <a:extLst>
-              <a:ext uri="{28A0092B-C50C-407E-A947-70E740481C1C}">
-                <a14:useLocalDpi xmlns:a14="http://schemas.microsoft.com/office/drawing/2010/main"/>
-              </a:ext>
-            </a:extLst>
-          </a:blip>
-          <a:stretch>
-            <a:fillRect/>
-          </a:stretch>
-        </p:blipFill>
-        <p:spPr>
-          <a:xfrm>
-            <a:off x="4691042" y="3951088"/>
-            <a:ext cx="1148042" cy="780438"/>
-          </a:xfrm>
-          <a:prstGeom prst="rect">
-            <a:avLst/>
-          </a:prstGeom>
-        </p:spPr>
-      </p:pic>
-      <p:pic>
-        <p:nvPicPr>
-          <p:cNvPr id="73" name="Picture 72" descr="switch.png">
-            <a:extLst>
-              <a:ext uri="{FF2B5EF4-FFF2-40B4-BE49-F238E27FC236}">
-                <a16:creationId xmlns="" xmlns:a16="http://schemas.microsoft.com/office/drawing/2014/main" id="{B1E6F965-3CC8-4840-AFCE-46573E8CAD63}"/>
-              </a:ext>
-            </a:extLst>
-          </p:cNvPr>
-          <p:cNvPicPr>
-            <a:picLocks noChangeAspect="1"/>
-          </p:cNvPicPr>
-          <p:nvPr/>
-        </p:nvPicPr>
-        <p:blipFill>
-          <a:blip r:embed="rId2" cstate="screen">
-            <a:duotone>
-              <a:srgbClr val="4B87CC">
-                <a:shade val="45000"/>
-                <a:satMod val="135000"/>
-              </a:srgbClr>
-              <a:prstClr val="white"/>
-            </a:duotone>
-            <a:extLst>
-              <a:ext uri="{28A0092B-C50C-407E-A947-70E740481C1C}">
-                <a14:useLocalDpi xmlns:a14="http://schemas.microsoft.com/office/drawing/2010/main"/>
-              </a:ext>
-            </a:extLst>
-          </a:blip>
-          <a:stretch>
-            <a:fillRect/>
-          </a:stretch>
-        </p:blipFill>
-        <p:spPr>
-          <a:xfrm>
-            <a:off x="7632471" y="4027901"/>
-            <a:ext cx="1148042" cy="780438"/>
-          </a:xfrm>
-          <a:prstGeom prst="rect">
-            <a:avLst/>
-          </a:prstGeom>
-        </p:spPr>
-      </p:pic>
-      <p:cxnSp>
-        <p:nvCxnSpPr>
-          <p:cNvPr id="93" name="Straight Arrow Connector 92"/>
-          <p:cNvCxnSpPr/>
-          <p:nvPr/>
-        </p:nvCxnSpPr>
-        <p:spPr>
-          <a:xfrm flipH="1">
-            <a:off x="6772852" y="3329090"/>
-            <a:ext cx="8532" cy="1677637"/>
-          </a:xfrm>
-          <a:prstGeom prst="straightConnector1">
-            <a:avLst/>
-          </a:prstGeom>
-          <a:ln w="19050">
-            <a:prstDash val="sysDot"/>
-            <a:tailEnd type="triangle"/>
+          <a:ln w="28575">
+            <a:solidFill>
+              <a:srgbClr val="00B0F0"/>
+            </a:solidFill>
           </a:ln>
         </p:spPr>
         <p:style>
@@ -5274,21 +5224,25 @@
       </p:cxnSp>
       <p:cxnSp>
         <p:nvCxnSpPr>
-          <p:cNvPr id="94" name="Straight Arrow Connector 93"/>
-          <p:cNvCxnSpPr/>
+          <p:cNvPr id="28" name="Straight Connector 27"/>
+          <p:cNvCxnSpPr>
+            <a:stCxn id="24" idx="1"/>
+            <a:endCxn id="3" idx="0"/>
+          </p:cNvCxnSpPr>
           <p:nvPr/>
         </p:nvCxnSpPr>
         <p:spPr>
-          <a:xfrm flipH="1">
-            <a:off x="8206492" y="2409868"/>
-            <a:ext cx="8532" cy="1677637"/>
-          </a:xfrm>
-          <a:prstGeom prst="straightConnector1">
+          <a:xfrm>
+            <a:off x="3127886" y="2569026"/>
+            <a:ext cx="188045" cy="336406"/>
+          </a:xfrm>
+          <a:prstGeom prst="line">
             <a:avLst/>
           </a:prstGeom>
-          <a:ln w="19050">
-            <a:prstDash val="sysDot"/>
-            <a:tailEnd type="triangle"/>
+          <a:ln w="28575">
+            <a:solidFill>
+              <a:srgbClr val="00B0F0"/>
+            </a:solidFill>
           </a:ln>
         </p:spPr>
         <p:style>
@@ -5308,21 +5262,25 @@
       </p:cxnSp>
       <p:cxnSp>
         <p:nvCxnSpPr>
-          <p:cNvPr id="95" name="Straight Arrow Connector 94"/>
-          <p:cNvCxnSpPr/>
+          <p:cNvPr id="31" name="Straight Connector 30"/>
+          <p:cNvCxnSpPr>
+            <a:stCxn id="65" idx="6"/>
+            <a:endCxn id="67" idx="3"/>
+          </p:cNvCxnSpPr>
           <p:nvPr/>
         </p:nvCxnSpPr>
         <p:spPr>
-          <a:xfrm flipH="1">
-            <a:off x="5229760" y="2328399"/>
-            <a:ext cx="8532" cy="1677637"/>
-          </a:xfrm>
-          <a:prstGeom prst="straightConnector1">
+          <a:xfrm>
+            <a:off x="8767913" y="1524001"/>
+            <a:ext cx="792725" cy="311979"/>
+          </a:xfrm>
+          <a:prstGeom prst="line">
             <a:avLst/>
           </a:prstGeom>
-          <a:ln w="19050">
-            <a:prstDash val="sysDot"/>
-            <a:tailEnd type="triangle"/>
+          <a:ln w="28575">
+            <a:solidFill>
+              <a:srgbClr val="00B0F0"/>
+            </a:solidFill>
           </a:ln>
         </p:spPr>
         <p:style>
@@ -5340,504 +5298,27 @@
           </a:fontRef>
         </p:style>
       </p:cxnSp>
-      <p:sp>
-        <p:nvSpPr>
-          <p:cNvPr id="44" name="Rectangle 43"/>
-          <p:cNvSpPr/>
-          <p:nvPr/>
-        </p:nvSpPr>
-        <p:spPr>
-          <a:xfrm>
-            <a:off x="2527418" y="2138516"/>
-            <a:ext cx="7031620" cy="1341417"/>
-          </a:xfrm>
-          <a:prstGeom prst="rect">
-            <a:avLst/>
-          </a:prstGeom>
-          <a:solidFill>
-            <a:srgbClr val="CFE7F1"/>
-          </a:solidFill>
-          <a:ln w="57150">
-            <a:solidFill>
-              <a:srgbClr val="00B0F0"/>
-            </a:solidFill>
-          </a:ln>
-        </p:spPr>
-        <p:style>
-          <a:lnRef idx="2">
-            <a:schemeClr val="accent1">
-              <a:shade val="50000"/>
-            </a:schemeClr>
-          </a:lnRef>
-          <a:fillRef idx="1">
-            <a:schemeClr val="accent1"/>
-          </a:fillRef>
-          <a:effectRef idx="0">
-            <a:schemeClr val="accent1"/>
-          </a:effectRef>
-          <a:fontRef idx="minor">
-            <a:schemeClr val="lt1"/>
-          </a:fontRef>
-        </p:style>
-        <p:txBody>
-          <a:bodyPr rtlCol="0" anchor="ctr"/>
-          <a:lstStyle/>
-          <a:p>
-            <a:pPr algn="ctr"/>
-            <a:r>
-              <a:rPr lang="en-US" sz="2800" dirty="0" smtClean="0">
-                <a:solidFill>
-                  <a:schemeClr val="tx1"/>
-                </a:solidFill>
-              </a:rPr>
-              <a:t>Network OS</a:t>
-            </a:r>
-            <a:endParaRPr lang="en-US" sz="2800" dirty="0">
-              <a:solidFill>
-                <a:schemeClr val="tx1"/>
-              </a:solidFill>
-            </a:endParaRPr>
-          </a:p>
-        </p:txBody>
-      </p:sp>
-      <p:grpSp>
-        <p:nvGrpSpPr>
-          <p:cNvPr id="36" name="Group 35"/>
-          <p:cNvGrpSpPr/>
-          <p:nvPr/>
-        </p:nvGrpSpPr>
-        <p:grpSpPr>
-          <a:xfrm>
-            <a:off x="7498189" y="2268641"/>
-            <a:ext cx="1096671" cy="1083466"/>
-            <a:chOff x="10279626" y="1055050"/>
-            <a:chExt cx="1096671" cy="1083466"/>
-          </a:xfrm>
-        </p:grpSpPr>
-        <p:sp>
-          <p:nvSpPr>
-            <p:cNvPr id="20" name="Oval 19"/>
-            <p:cNvSpPr/>
-            <p:nvPr/>
-          </p:nvSpPr>
-          <p:spPr>
-            <a:xfrm>
-              <a:off x="10279626" y="1590548"/>
-              <a:ext cx="250722" cy="267749"/>
-            </a:xfrm>
-            <a:prstGeom prst="ellipse">
-              <a:avLst/>
-            </a:prstGeom>
-          </p:spPr>
-          <p:style>
-            <a:lnRef idx="2">
-              <a:schemeClr val="accent1">
-                <a:shade val="50000"/>
-              </a:schemeClr>
-            </a:lnRef>
-            <a:fillRef idx="1">
-              <a:schemeClr val="accent1"/>
-            </a:fillRef>
-            <a:effectRef idx="0">
-              <a:schemeClr val="accent1"/>
-            </a:effectRef>
-            <a:fontRef idx="minor">
-              <a:schemeClr val="lt1"/>
-            </a:fontRef>
-          </p:style>
-          <p:txBody>
-            <a:bodyPr rtlCol="0" anchor="ctr"/>
-            <a:lstStyle/>
-            <a:p>
-              <a:pPr algn="ctr"/>
-              <a:endParaRPr lang="en-US"/>
-            </a:p>
-          </p:txBody>
-        </p:sp>
-        <p:sp>
-          <p:nvSpPr>
-            <p:cNvPr id="66" name="Oval 65"/>
-            <p:cNvSpPr/>
-            <p:nvPr/>
-          </p:nvSpPr>
-          <p:spPr>
-            <a:xfrm>
-              <a:off x="10682748" y="1870767"/>
-              <a:ext cx="250722" cy="267749"/>
-            </a:xfrm>
-            <a:prstGeom prst="ellipse">
-              <a:avLst/>
-            </a:prstGeom>
-          </p:spPr>
-          <p:style>
-            <a:lnRef idx="2">
-              <a:schemeClr val="accent1">
-                <a:shade val="50000"/>
-              </a:schemeClr>
-            </a:lnRef>
-            <a:fillRef idx="1">
-              <a:schemeClr val="accent1"/>
-            </a:fillRef>
-            <a:effectRef idx="0">
-              <a:schemeClr val="accent1"/>
-            </a:effectRef>
-            <a:fontRef idx="minor">
-              <a:schemeClr val="lt1"/>
-            </a:fontRef>
-          </p:style>
-          <p:txBody>
-            <a:bodyPr rtlCol="0" anchor="ctr"/>
-            <a:lstStyle/>
-            <a:p>
-              <a:pPr algn="ctr"/>
-              <a:endParaRPr lang="en-US"/>
-            </a:p>
-          </p:txBody>
-        </p:sp>
-        <p:sp>
-          <p:nvSpPr>
-            <p:cNvPr id="98" name="Oval 97"/>
-            <p:cNvSpPr/>
-            <p:nvPr/>
-          </p:nvSpPr>
-          <p:spPr>
-            <a:xfrm>
-              <a:off x="10682748" y="1322799"/>
-              <a:ext cx="250722" cy="267749"/>
-            </a:xfrm>
-            <a:prstGeom prst="ellipse">
-              <a:avLst/>
-            </a:prstGeom>
-          </p:spPr>
-          <p:style>
-            <a:lnRef idx="2">
-              <a:schemeClr val="accent1">
-                <a:shade val="50000"/>
-              </a:schemeClr>
-            </a:lnRef>
-            <a:fillRef idx="1">
-              <a:schemeClr val="accent1"/>
-            </a:fillRef>
-            <a:effectRef idx="0">
-              <a:schemeClr val="accent1"/>
-            </a:effectRef>
-            <a:fontRef idx="minor">
-              <a:schemeClr val="lt1"/>
-            </a:fontRef>
-          </p:style>
-          <p:txBody>
-            <a:bodyPr rtlCol="0" anchor="ctr"/>
-            <a:lstStyle/>
-            <a:p>
-              <a:pPr algn="ctr"/>
-              <a:endParaRPr lang="en-US"/>
-            </a:p>
-          </p:txBody>
-        </p:sp>
-        <p:sp>
-          <p:nvSpPr>
-            <p:cNvPr id="101" name="Oval 100"/>
-            <p:cNvSpPr/>
-            <p:nvPr/>
-          </p:nvSpPr>
-          <p:spPr>
-            <a:xfrm>
-              <a:off x="11125575" y="1055050"/>
-              <a:ext cx="250722" cy="267749"/>
-            </a:xfrm>
-            <a:prstGeom prst="ellipse">
-              <a:avLst/>
-            </a:prstGeom>
-          </p:spPr>
-          <p:style>
-            <a:lnRef idx="2">
-              <a:schemeClr val="accent1">
-                <a:shade val="50000"/>
-              </a:schemeClr>
-            </a:lnRef>
-            <a:fillRef idx="1">
-              <a:schemeClr val="accent1"/>
-            </a:fillRef>
-            <a:effectRef idx="0">
-              <a:schemeClr val="accent1"/>
-            </a:effectRef>
-            <a:fontRef idx="minor">
-              <a:schemeClr val="lt1"/>
-            </a:fontRef>
-          </p:style>
-          <p:txBody>
-            <a:bodyPr rtlCol="0" anchor="ctr"/>
-            <a:lstStyle/>
-            <a:p>
-              <a:pPr algn="ctr"/>
-              <a:endParaRPr lang="en-US"/>
-            </a:p>
-          </p:txBody>
-        </p:sp>
-        <p:sp>
-          <p:nvSpPr>
-            <p:cNvPr id="102" name="Oval 101"/>
-            <p:cNvSpPr/>
-            <p:nvPr/>
-          </p:nvSpPr>
-          <p:spPr>
-            <a:xfrm>
-              <a:off x="11125575" y="1590547"/>
-              <a:ext cx="250722" cy="267749"/>
-            </a:xfrm>
-            <a:prstGeom prst="ellipse">
-              <a:avLst/>
-            </a:prstGeom>
-          </p:spPr>
-          <p:style>
-            <a:lnRef idx="2">
-              <a:schemeClr val="accent1">
-                <a:shade val="50000"/>
-              </a:schemeClr>
-            </a:lnRef>
-            <a:fillRef idx="1">
-              <a:schemeClr val="accent1"/>
-            </a:fillRef>
-            <a:effectRef idx="0">
-              <a:schemeClr val="accent1"/>
-            </a:effectRef>
-            <a:fontRef idx="minor">
-              <a:schemeClr val="lt1"/>
-            </a:fontRef>
-          </p:style>
-          <p:txBody>
-            <a:bodyPr rtlCol="0" anchor="ctr"/>
-            <a:lstStyle/>
-            <a:p>
-              <a:pPr algn="ctr"/>
-              <a:endParaRPr lang="en-US"/>
-            </a:p>
-          </p:txBody>
-        </p:sp>
-        <p:cxnSp>
-          <p:nvCxnSpPr>
-            <p:cNvPr id="236" name="Straight Connector 235"/>
-            <p:cNvCxnSpPr>
-              <a:stCxn id="20" idx="7"/>
-              <a:endCxn id="101" idx="7"/>
-            </p:cNvCxnSpPr>
-            <p:nvPr/>
-          </p:nvCxnSpPr>
-          <p:spPr>
-            <a:xfrm flipV="1">
-              <a:off x="10493631" y="1094261"/>
-              <a:ext cx="845949" cy="535498"/>
-            </a:xfrm>
-            <a:prstGeom prst="line">
-              <a:avLst/>
-            </a:prstGeom>
-          </p:spPr>
-          <p:style>
-            <a:lnRef idx="1">
-              <a:schemeClr val="accent1"/>
-            </a:lnRef>
-            <a:fillRef idx="0">
-              <a:schemeClr val="accent1"/>
-            </a:fillRef>
-            <a:effectRef idx="0">
-              <a:schemeClr val="accent1"/>
-            </a:effectRef>
-            <a:fontRef idx="minor">
-              <a:schemeClr val="tx1"/>
-            </a:fontRef>
-          </p:style>
-        </p:cxnSp>
-        <p:cxnSp>
-          <p:nvCxnSpPr>
-            <p:cNvPr id="103" name="Straight Connector 102"/>
-            <p:cNvCxnSpPr>
-              <a:stCxn id="102" idx="7"/>
-              <a:endCxn id="66" idx="7"/>
-            </p:cNvCxnSpPr>
-            <p:nvPr/>
-          </p:nvCxnSpPr>
-          <p:spPr>
-            <a:xfrm flipH="1">
-              <a:off x="10896753" y="1629758"/>
-              <a:ext cx="442827" cy="280220"/>
-            </a:xfrm>
-            <a:prstGeom prst="line">
-              <a:avLst/>
-            </a:prstGeom>
-          </p:spPr>
-          <p:style>
-            <a:lnRef idx="1">
-              <a:schemeClr val="accent1"/>
-            </a:lnRef>
-            <a:fillRef idx="0">
-              <a:schemeClr val="accent1"/>
-            </a:fillRef>
-            <a:effectRef idx="0">
-              <a:schemeClr val="accent1"/>
-            </a:effectRef>
-            <a:fontRef idx="minor">
-              <a:schemeClr val="tx1"/>
-            </a:fontRef>
-          </p:style>
-        </p:cxnSp>
-        <p:cxnSp>
-          <p:nvCxnSpPr>
-            <p:cNvPr id="252" name="Straight Connector 251"/>
-            <p:cNvCxnSpPr>
-              <a:stCxn id="98" idx="1"/>
-              <a:endCxn id="102" idx="5"/>
-            </p:cNvCxnSpPr>
-            <p:nvPr/>
-          </p:nvCxnSpPr>
-          <p:spPr>
-            <a:xfrm>
-              <a:off x="10719465" y="1362010"/>
-              <a:ext cx="620115" cy="457075"/>
-            </a:xfrm>
-            <a:prstGeom prst="line">
-              <a:avLst/>
-            </a:prstGeom>
-          </p:spPr>
-          <p:style>
-            <a:lnRef idx="1">
-              <a:schemeClr val="accent1"/>
-            </a:lnRef>
-            <a:fillRef idx="0">
-              <a:schemeClr val="accent1"/>
-            </a:fillRef>
-            <a:effectRef idx="0">
-              <a:schemeClr val="accent1"/>
-            </a:effectRef>
-            <a:fontRef idx="minor">
-              <a:schemeClr val="tx1"/>
-            </a:fontRef>
-          </p:style>
-        </p:cxnSp>
-        <p:cxnSp>
-          <p:nvCxnSpPr>
-            <p:cNvPr id="115" name="Straight Connector 114"/>
-            <p:cNvCxnSpPr>
-              <a:stCxn id="20" idx="1"/>
-              <a:endCxn id="66" idx="5"/>
-            </p:cNvCxnSpPr>
-            <p:nvPr/>
-          </p:nvCxnSpPr>
-          <p:spPr>
-            <a:xfrm>
-              <a:off x="10316343" y="1629759"/>
-              <a:ext cx="580410" cy="469546"/>
-            </a:xfrm>
-            <a:prstGeom prst="line">
-              <a:avLst/>
-            </a:prstGeom>
-          </p:spPr>
-          <p:style>
-            <a:lnRef idx="1">
-              <a:schemeClr val="accent1"/>
-            </a:lnRef>
-            <a:fillRef idx="0">
-              <a:schemeClr val="accent1"/>
-            </a:fillRef>
-            <a:effectRef idx="0">
-              <a:schemeClr val="accent1"/>
-            </a:effectRef>
-            <a:fontRef idx="minor">
-              <a:schemeClr val="tx1"/>
-            </a:fontRef>
-          </p:style>
-        </p:cxnSp>
-        <p:cxnSp>
-          <p:nvCxnSpPr>
-            <p:cNvPr id="35" name="Straight Connector 34"/>
-            <p:cNvCxnSpPr>
-              <a:stCxn id="101" idx="4"/>
-              <a:endCxn id="102" idx="0"/>
-            </p:cNvCxnSpPr>
-            <p:nvPr/>
-          </p:nvCxnSpPr>
-          <p:spPr>
-            <a:xfrm>
-              <a:off x="11250936" y="1322799"/>
-              <a:ext cx="0" cy="267748"/>
-            </a:xfrm>
-            <a:prstGeom prst="line">
-              <a:avLst/>
-            </a:prstGeom>
-          </p:spPr>
-          <p:style>
-            <a:lnRef idx="1">
-              <a:schemeClr val="accent1"/>
-            </a:lnRef>
-            <a:fillRef idx="0">
-              <a:schemeClr val="accent1"/>
-            </a:fillRef>
-            <a:effectRef idx="0">
-              <a:schemeClr val="accent1"/>
-            </a:effectRef>
-            <a:fontRef idx="minor">
-              <a:schemeClr val="tx1"/>
-            </a:fontRef>
-          </p:style>
-        </p:cxnSp>
-      </p:grpSp>
-      <p:sp>
-        <p:nvSpPr>
-          <p:cNvPr id="38" name="TextBox 37"/>
-          <p:cNvSpPr txBox="1"/>
-          <p:nvPr/>
-        </p:nvSpPr>
-        <p:spPr>
-          <a:xfrm>
-            <a:off x="8592290" y="2179241"/>
-            <a:ext cx="994183" cy="923330"/>
-          </a:xfrm>
-          <a:prstGeom prst="rect">
-            <a:avLst/>
-          </a:prstGeom>
-          <a:noFill/>
-        </p:spPr>
-        <p:txBody>
-          <a:bodyPr wrap="none" rtlCol="0">
-            <a:spAutoFit/>
-          </a:bodyPr>
-          <a:lstStyle/>
-          <a:p>
-            <a:r>
-              <a:rPr lang="en-US" dirty="0" smtClean="0"/>
-              <a:t>Global </a:t>
-            </a:r>
-          </a:p>
-          <a:p>
-            <a:r>
-              <a:rPr lang="en-US" dirty="0" smtClean="0"/>
-              <a:t>Network</a:t>
-            </a:r>
-          </a:p>
-          <a:p>
-            <a:r>
-              <a:rPr lang="en-US" dirty="0" smtClean="0"/>
-              <a:t>Map</a:t>
-            </a:r>
-            <a:endParaRPr lang="en-US" dirty="0"/>
-          </a:p>
-        </p:txBody>
-      </p:sp>
       <p:cxnSp>
         <p:nvCxnSpPr>
-          <p:cNvPr id="53" name="Straight Connector 52"/>
-          <p:cNvCxnSpPr/>
+          <p:cNvPr id="225" name="Straight Connector 224"/>
+          <p:cNvCxnSpPr>
+            <a:stCxn id="67" idx="1"/>
+            <a:endCxn id="43" idx="0"/>
+          </p:cNvCxnSpPr>
           <p:nvPr/>
         </p:nvCxnSpPr>
         <p:spPr>
-          <a:xfrm>
-            <a:off x="2527418" y="3729231"/>
-            <a:ext cx="8548621" cy="13701"/>
+          <a:xfrm flipH="1">
+            <a:off x="9389802" y="2521190"/>
+            <a:ext cx="170836" cy="384242"/>
           </a:xfrm>
           <a:prstGeom prst="line">
             <a:avLst/>
           </a:prstGeom>
           <a:ln w="28575">
-            <a:prstDash val="dash"/>
+            <a:solidFill>
+              <a:srgbClr val="00B0F0"/>
+            </a:solidFill>
           </a:ln>
         </p:spPr>
         <p:style>
@@ -5857,14 +5338,14 @@
       </p:cxnSp>
       <p:sp>
         <p:nvSpPr>
-          <p:cNvPr id="54" name="TextBox 53"/>
+          <p:cNvPr id="235" name="TextBox 234"/>
           <p:cNvSpPr txBox="1"/>
           <p:nvPr/>
         </p:nvSpPr>
         <p:spPr>
           <a:xfrm>
-            <a:off x="9733950" y="3342392"/>
-            <a:ext cx="1450077" cy="369332"/>
+            <a:off x="9530464" y="2890674"/>
+            <a:ext cx="481222" cy="369332"/>
           </a:xfrm>
           <a:prstGeom prst="rect">
             <a:avLst/>
@@ -5879,7 +5360,7 @@
           <a:p>
             <a:r>
               <a:rPr lang="en-US" dirty="0" smtClean="0"/>
-              <a:t>Control Plane</a:t>
+              <a:t>IXP</a:t>
             </a:r>
             <a:endParaRPr lang="en-US" dirty="0"/>
           </a:p>
@@ -5887,14 +5368,14 @@
       </p:sp>
       <p:sp>
         <p:nvSpPr>
-          <p:cNvPr id="126" name="TextBox 125"/>
+          <p:cNvPr id="86" name="TextBox 85"/>
           <p:cNvSpPr txBox="1"/>
           <p:nvPr/>
         </p:nvSpPr>
         <p:spPr>
           <a:xfrm>
-            <a:off x="9991072" y="3754363"/>
-            <a:ext cx="1192955" cy="369332"/>
+            <a:off x="2720730" y="2882469"/>
+            <a:ext cx="481222" cy="369332"/>
           </a:xfrm>
           <a:prstGeom prst="rect">
             <a:avLst/>
@@ -5909,22 +5390,158 @@
           <a:p>
             <a:r>
               <a:rPr lang="en-US" dirty="0" smtClean="0"/>
-              <a:t>Data Plane</a:t>
+              <a:t>IXP</a:t>
             </a:r>
             <a:endParaRPr lang="en-US" dirty="0"/>
           </a:p>
         </p:txBody>
       </p:sp>
-      <p:sp>
-        <p:nvSpPr>
-          <p:cNvPr id="128" name="TextBox 127"/>
+      <p:pic>
+        <p:nvPicPr>
+          <p:cNvPr id="240" name="Picture 239"/>
+          <p:cNvPicPr>
+            <a:picLocks noChangeAspect="1"/>
+          </p:cNvPicPr>
+          <p:nvPr/>
+        </p:nvPicPr>
+        <p:blipFill>
+          <a:blip r:embed="rId2">
+            <a:extLst>
+              <a:ext uri="{28A0092B-C50C-407E-A947-70E740481C1C}">
+                <a14:useLocalDpi xmlns:a14="http://schemas.microsoft.com/office/drawing/2010/main" val="0"/>
+              </a:ext>
+            </a:extLst>
+          </a:blip>
+          <a:stretch>
+            <a:fillRect/>
+          </a:stretch>
+        </p:blipFill>
+        <p:spPr>
+          <a:xfrm>
+            <a:off x="1265999" y="4721488"/>
+            <a:ext cx="1199438" cy="846911"/>
+          </a:xfrm>
+          <a:prstGeom prst="rect">
+            <a:avLst/>
+          </a:prstGeom>
+        </p:spPr>
+      </p:pic>
+      <p:pic>
+        <p:nvPicPr>
+          <p:cNvPr id="90" name="Picture 89"/>
+          <p:cNvPicPr>
+            <a:picLocks noChangeAspect="1"/>
+          </p:cNvPicPr>
+          <p:nvPr/>
+        </p:nvPicPr>
+        <p:blipFill>
+          <a:blip r:embed="rId2">
+            <a:extLst>
+              <a:ext uri="{28A0092B-C50C-407E-A947-70E740481C1C}">
+                <a14:useLocalDpi xmlns:a14="http://schemas.microsoft.com/office/drawing/2010/main" val="0"/>
+              </a:ext>
+            </a:extLst>
+          </a:blip>
+          <a:stretch>
+            <a:fillRect/>
+          </a:stretch>
+        </p:blipFill>
+        <p:spPr>
+          <a:xfrm flipH="1">
+            <a:off x="10223087" y="4721488"/>
+            <a:ext cx="1199438" cy="846911"/>
+          </a:xfrm>
+          <a:prstGeom prst="rect">
+            <a:avLst/>
+          </a:prstGeom>
+        </p:spPr>
+      </p:pic>
+      <p:cxnSp>
+        <p:nvCxnSpPr>
+          <p:cNvPr id="242" name="Straight Connector 241"/>
+          <p:cNvCxnSpPr>
+            <a:stCxn id="240" idx="3"/>
+            <a:endCxn id="52" idx="4"/>
+          </p:cNvCxnSpPr>
+          <p:nvPr/>
+        </p:nvCxnSpPr>
+        <p:spPr>
+          <a:xfrm flipV="1">
+            <a:off x="2465437" y="4630994"/>
+            <a:ext cx="126592" cy="513950"/>
+          </a:xfrm>
+          <a:prstGeom prst="line">
+            <a:avLst/>
+          </a:prstGeom>
+          <a:ln w="28575">
+            <a:solidFill>
+              <a:schemeClr val="tx1"/>
+            </a:solidFill>
+          </a:ln>
+        </p:spPr>
+        <p:style>
+          <a:lnRef idx="1">
+            <a:schemeClr val="accent1"/>
+          </a:lnRef>
+          <a:fillRef idx="0">
+            <a:schemeClr val="accent1"/>
+          </a:fillRef>
+          <a:effectRef idx="0">
+            <a:schemeClr val="accent1"/>
+          </a:effectRef>
+          <a:fontRef idx="minor">
+            <a:schemeClr val="tx1"/>
+          </a:fontRef>
+        </p:style>
+      </p:cxnSp>
+      <p:cxnSp>
+        <p:nvCxnSpPr>
+          <p:cNvPr id="97" name="Straight Connector 96"/>
+          <p:cNvCxnSpPr>
+            <a:stCxn id="90" idx="3"/>
+            <a:endCxn id="55" idx="4"/>
+          </p:cNvCxnSpPr>
+          <p:nvPr/>
+        </p:nvCxnSpPr>
+        <p:spPr>
+          <a:xfrm flipH="1" flipV="1">
+            <a:off x="10141972" y="4630994"/>
+            <a:ext cx="81115" cy="513950"/>
+          </a:xfrm>
+          <a:prstGeom prst="line">
+            <a:avLst/>
+          </a:prstGeom>
+          <a:ln w="28575">
+            <a:solidFill>
+              <a:schemeClr val="tx1"/>
+            </a:solidFill>
+          </a:ln>
+        </p:spPr>
+        <p:style>
+          <a:lnRef idx="1">
+            <a:schemeClr val="accent1"/>
+          </a:lnRef>
+          <a:fillRef idx="0">
+            <a:schemeClr val="accent1"/>
+          </a:fillRef>
+          <a:effectRef idx="0">
+            <a:schemeClr val="accent1"/>
+          </a:effectRef>
+          <a:fontRef idx="minor">
+            <a:schemeClr val="tx1"/>
+          </a:fontRef>
+        </p:style>
+      </p:cxnSp>
+      <p:sp>
+        <p:nvSpPr>
+          <p:cNvPr id="245" name="TextBox 244"/>
           <p:cNvSpPr txBox="1"/>
           <p:nvPr/>
         </p:nvSpPr>
         <p:spPr>
           <a:xfrm>
-            <a:off x="1639955" y="3836847"/>
-            <a:ext cx="1908472" cy="923330"/>
+            <a:off x="2584956" y="4922068"/>
+            <a:ext cx="1233992" cy="646331"/>
           </a:xfrm>
           <a:prstGeom prst="rect">
             <a:avLst/>
@@ -5937,24 +5554,53 @@
           </a:bodyPr>
           <a:lstStyle/>
           <a:p>
+            <a:r>
+              <a:rPr lang="en-US" dirty="0" smtClean="0"/>
+              <a:t>West Coast</a:t>
+            </a:r>
+          </a:p>
+          <a:p>
+            <a:r>
+              <a:rPr lang="en-US" dirty="0" smtClean="0"/>
+              <a:t>User</a:t>
+            </a:r>
+            <a:endParaRPr lang="en-US" dirty="0"/>
+          </a:p>
+        </p:txBody>
+      </p:sp>
+      <p:sp>
+        <p:nvSpPr>
+          <p:cNvPr id="99" name="TextBox 98"/>
+          <p:cNvSpPr txBox="1"/>
+          <p:nvPr/>
+        </p:nvSpPr>
+        <p:spPr>
+          <a:xfrm>
+            <a:off x="8909206" y="4821777"/>
+            <a:ext cx="1140825" cy="646331"/>
+          </a:xfrm>
+          <a:prstGeom prst="rect">
+            <a:avLst/>
+          </a:prstGeom>
+          <a:noFill/>
+        </p:spPr>
+        <p:txBody>
+          <a:bodyPr wrap="none" rtlCol="0">
+            <a:spAutoFit/>
+          </a:bodyPr>
+          <a:lstStyle/>
+          <a:p>
             <a:pPr algn="r"/>
             <a:r>
               <a:rPr lang="en-US" dirty="0" smtClean="0"/>
-              <a:t>Abstract </a:t>
+              <a:t>East Coast</a:t>
             </a:r>
           </a:p>
           <a:p>
             <a:pPr algn="r"/>
             <a:r>
               <a:rPr lang="en-US" dirty="0" smtClean="0"/>
-              <a:t>Forwarding Model</a:t>
-            </a:r>
-          </a:p>
-          <a:p>
-            <a:pPr algn="r"/>
-            <a:r>
-              <a:rPr lang="en-US" dirty="0" smtClean="0"/>
-              <a:t>(e.g., OpenFlow)</a:t>
+              <a:t>User</a:t>
             </a:r>
             <a:endParaRPr lang="en-US" dirty="0"/>
           </a:p>
@@ -5963,7 +5609,7 @@
     </p:spTree>
     <p:extLst>
       <p:ext uri="{BB962C8B-B14F-4D97-AF65-F5344CB8AC3E}">
-        <p14:creationId xmlns:p14="http://schemas.microsoft.com/office/powerpoint/2010/main" val="681746006"/>
+        <p14:creationId xmlns:p14="http://schemas.microsoft.com/office/powerpoint/2010/main" val="702502347"/>
       </p:ext>
     </p:extLst>
   </p:cSld>

--- a/sdn/figures.pptx
+++ b/sdn/figures.pptx
@@ -4,9 +4,14 @@
   <p:sldMasterIdLst>
     <p:sldMasterId id="2147483648" r:id="rId1"/>
   </p:sldMasterIdLst>
+  <p:notesMasterIdLst>
+    <p:notesMasterId r:id="rId6"/>
+  </p:notesMasterIdLst>
   <p:sldIdLst>
     <p:sldId id="259" r:id="rId2"/>
     <p:sldId id="260" r:id="rId3"/>
+    <p:sldId id="261" r:id="rId4"/>
+    <p:sldId id="262" r:id="rId5"/>
   </p:sldIdLst>
   <p:sldSz cx="12192000" cy="6858000"/>
   <p:notesSz cx="6858000" cy="9144000"/>
@@ -113,6 +118,440 @@
 </p:presentation>
 </file>
 
+<file path=ppt/notesMasters/notesMaster1.xml><?xml version="1.0" encoding="utf-8"?>
+<p:notesMaster xmlns:a="http://schemas.openxmlformats.org/drawingml/2006/main" xmlns:r="http://schemas.openxmlformats.org/officeDocument/2006/relationships" xmlns:p="http://schemas.openxmlformats.org/presentationml/2006/main">
+  <p:cSld>
+    <p:bg>
+      <p:bgRef idx="1001">
+        <a:schemeClr val="bg1"/>
+      </p:bgRef>
+    </p:bg>
+    <p:spTree>
+      <p:nvGrpSpPr>
+        <p:cNvPr id="1" name=""/>
+        <p:cNvGrpSpPr/>
+        <p:nvPr/>
+      </p:nvGrpSpPr>
+      <p:grpSpPr>
+        <a:xfrm>
+          <a:off x="0" y="0"/>
+          <a:ext cx="0" cy="0"/>
+          <a:chOff x="0" y="0"/>
+          <a:chExt cx="0" cy="0"/>
+        </a:xfrm>
+      </p:grpSpPr>
+      <p:sp>
+        <p:nvSpPr>
+          <p:cNvPr id="2" name="Header Placeholder 1"/>
+          <p:cNvSpPr>
+            <a:spLocks noGrp="1"/>
+          </p:cNvSpPr>
+          <p:nvPr>
+            <p:ph type="hdr" sz="quarter"/>
+          </p:nvPr>
+        </p:nvSpPr>
+        <p:spPr>
+          <a:xfrm>
+            <a:off x="0" y="0"/>
+            <a:ext cx="2971800" cy="458788"/>
+          </a:xfrm>
+          <a:prstGeom prst="rect">
+            <a:avLst/>
+          </a:prstGeom>
+        </p:spPr>
+        <p:txBody>
+          <a:bodyPr vert="horz" lIns="91440" tIns="45720" rIns="91440" bIns="45720" rtlCol="0"/>
+          <a:lstStyle>
+            <a:lvl1pPr algn="l">
+              <a:defRPr sz="1200"/>
+            </a:lvl1pPr>
+          </a:lstStyle>
+          <a:p>
+            <a:endParaRPr lang="en-US"/>
+          </a:p>
+        </p:txBody>
+      </p:sp>
+      <p:sp>
+        <p:nvSpPr>
+          <p:cNvPr id="3" name="Date Placeholder 2"/>
+          <p:cNvSpPr>
+            <a:spLocks noGrp="1"/>
+          </p:cNvSpPr>
+          <p:nvPr>
+            <p:ph type="dt" idx="1"/>
+          </p:nvPr>
+        </p:nvSpPr>
+        <p:spPr>
+          <a:xfrm>
+            <a:off x="3884613" y="0"/>
+            <a:ext cx="2971800" cy="458788"/>
+          </a:xfrm>
+          <a:prstGeom prst="rect">
+            <a:avLst/>
+          </a:prstGeom>
+        </p:spPr>
+        <p:txBody>
+          <a:bodyPr vert="horz" lIns="91440" tIns="45720" rIns="91440" bIns="45720" rtlCol="0"/>
+          <a:lstStyle>
+            <a:lvl1pPr algn="r">
+              <a:defRPr sz="1200"/>
+            </a:lvl1pPr>
+          </a:lstStyle>
+          <a:p>
+            <a:fld id="{2863C8FA-B8BC-9144-A506-E432740B92D8}" type="datetimeFigureOut">
+              <a:rPr lang="en-US" smtClean="0"/>
+              <a:t>3/4/19</a:t>
+            </a:fld>
+            <a:endParaRPr lang="en-US"/>
+          </a:p>
+        </p:txBody>
+      </p:sp>
+      <p:sp>
+        <p:nvSpPr>
+          <p:cNvPr id="4" name="Slide Image Placeholder 3"/>
+          <p:cNvSpPr>
+            <a:spLocks noGrp="1" noRot="1" noChangeAspect="1"/>
+          </p:cNvSpPr>
+          <p:nvPr>
+            <p:ph type="sldImg" idx="2"/>
+          </p:nvPr>
+        </p:nvSpPr>
+        <p:spPr>
+          <a:xfrm>
+            <a:off x="685800" y="1143000"/>
+            <a:ext cx="5486400" cy="3086100"/>
+          </a:xfrm>
+          <a:prstGeom prst="rect">
+            <a:avLst/>
+          </a:prstGeom>
+          <a:noFill/>
+          <a:ln w="12700">
+            <a:solidFill>
+              <a:prstClr val="black"/>
+            </a:solidFill>
+          </a:ln>
+        </p:spPr>
+        <p:txBody>
+          <a:bodyPr vert="horz" lIns="91440" tIns="45720" rIns="91440" bIns="45720" rtlCol="0" anchor="ctr"/>
+          <a:lstStyle/>
+          <a:p>
+            <a:endParaRPr lang="en-US"/>
+          </a:p>
+        </p:txBody>
+      </p:sp>
+      <p:sp>
+        <p:nvSpPr>
+          <p:cNvPr id="5" name="Notes Placeholder 4"/>
+          <p:cNvSpPr>
+            <a:spLocks noGrp="1"/>
+          </p:cNvSpPr>
+          <p:nvPr>
+            <p:ph type="body" sz="quarter" idx="3"/>
+          </p:nvPr>
+        </p:nvSpPr>
+        <p:spPr>
+          <a:xfrm>
+            <a:off x="685800" y="4400550"/>
+            <a:ext cx="5486400" cy="3600450"/>
+          </a:xfrm>
+          <a:prstGeom prst="rect">
+            <a:avLst/>
+          </a:prstGeom>
+        </p:spPr>
+        <p:txBody>
+          <a:bodyPr vert="horz" lIns="91440" tIns="45720" rIns="91440" bIns="45720" rtlCol="0"/>
+          <a:lstStyle/>
+          <a:p>
+            <a:pPr lvl="0"/>
+            <a:r>
+              <a:rPr lang="en-US" smtClean="0"/>
+              <a:t>Click to edit Master text styles</a:t>
+            </a:r>
+          </a:p>
+          <a:p>
+            <a:pPr lvl="1"/>
+            <a:r>
+              <a:rPr lang="en-US" smtClean="0"/>
+              <a:t>Second level</a:t>
+            </a:r>
+          </a:p>
+          <a:p>
+            <a:pPr lvl="2"/>
+            <a:r>
+              <a:rPr lang="en-US" smtClean="0"/>
+              <a:t>Third level</a:t>
+            </a:r>
+          </a:p>
+          <a:p>
+            <a:pPr lvl="3"/>
+            <a:r>
+              <a:rPr lang="en-US" smtClean="0"/>
+              <a:t>Fourth level</a:t>
+            </a:r>
+          </a:p>
+          <a:p>
+            <a:pPr lvl="4"/>
+            <a:r>
+              <a:rPr lang="en-US" smtClean="0"/>
+              <a:t>Fifth level</a:t>
+            </a:r>
+            <a:endParaRPr lang="en-US"/>
+          </a:p>
+        </p:txBody>
+      </p:sp>
+      <p:sp>
+        <p:nvSpPr>
+          <p:cNvPr id="6" name="Footer Placeholder 5"/>
+          <p:cNvSpPr>
+            <a:spLocks noGrp="1"/>
+          </p:cNvSpPr>
+          <p:nvPr>
+            <p:ph type="ftr" sz="quarter" idx="4"/>
+          </p:nvPr>
+        </p:nvSpPr>
+        <p:spPr>
+          <a:xfrm>
+            <a:off x="0" y="8685213"/>
+            <a:ext cx="2971800" cy="458787"/>
+          </a:xfrm>
+          <a:prstGeom prst="rect">
+            <a:avLst/>
+          </a:prstGeom>
+        </p:spPr>
+        <p:txBody>
+          <a:bodyPr vert="horz" lIns="91440" tIns="45720" rIns="91440" bIns="45720" rtlCol="0" anchor="b"/>
+          <a:lstStyle>
+            <a:lvl1pPr algn="l">
+              <a:defRPr sz="1200"/>
+            </a:lvl1pPr>
+          </a:lstStyle>
+          <a:p>
+            <a:endParaRPr lang="en-US"/>
+          </a:p>
+        </p:txBody>
+      </p:sp>
+      <p:sp>
+        <p:nvSpPr>
+          <p:cNvPr id="7" name="Slide Number Placeholder 6"/>
+          <p:cNvSpPr>
+            <a:spLocks noGrp="1"/>
+          </p:cNvSpPr>
+          <p:nvPr>
+            <p:ph type="sldNum" sz="quarter" idx="5"/>
+          </p:nvPr>
+        </p:nvSpPr>
+        <p:spPr>
+          <a:xfrm>
+            <a:off x="3884613" y="8685213"/>
+            <a:ext cx="2971800" cy="458787"/>
+          </a:xfrm>
+          <a:prstGeom prst="rect">
+            <a:avLst/>
+          </a:prstGeom>
+        </p:spPr>
+        <p:txBody>
+          <a:bodyPr vert="horz" lIns="91440" tIns="45720" rIns="91440" bIns="45720" rtlCol="0" anchor="b"/>
+          <a:lstStyle>
+            <a:lvl1pPr algn="r">
+              <a:defRPr sz="1200"/>
+            </a:lvl1pPr>
+          </a:lstStyle>
+          <a:p>
+            <a:fld id="{8F8BBEC8-0034-C349-BDE4-EE6CFFE1971A}" type="slidenum">
+              <a:rPr lang="en-US" smtClean="0"/>
+              <a:t>‹#›</a:t>
+            </a:fld>
+            <a:endParaRPr lang="en-US"/>
+          </a:p>
+        </p:txBody>
+      </p:sp>
+    </p:spTree>
+    <p:extLst>
+      <p:ext uri="{BB962C8B-B14F-4D97-AF65-F5344CB8AC3E}">
+        <p14:creationId xmlns:p14="http://schemas.microsoft.com/office/powerpoint/2010/main" val="276809300"/>
+      </p:ext>
+    </p:extLst>
+  </p:cSld>
+  <p:clrMap bg1="lt1" tx1="dk1" bg2="lt2" tx2="dk2" accent1="accent1" accent2="accent2" accent3="accent3" accent4="accent4" accent5="accent5" accent6="accent6" hlink="hlink" folHlink="folHlink"/>
+  <p:notesStyle>
+    <a:lvl1pPr marL="0" algn="l" defTabSz="914400" rtl="0" eaLnBrk="1" latinLnBrk="0" hangingPunct="1">
+      <a:defRPr sz="1200" kern="1200">
+        <a:solidFill>
+          <a:schemeClr val="tx1"/>
+        </a:solidFill>
+        <a:latin typeface="+mn-lt"/>
+        <a:ea typeface="+mn-ea"/>
+        <a:cs typeface="+mn-cs"/>
+      </a:defRPr>
+    </a:lvl1pPr>
+    <a:lvl2pPr marL="457200" algn="l" defTabSz="914400" rtl="0" eaLnBrk="1" latinLnBrk="0" hangingPunct="1">
+      <a:defRPr sz="1200" kern="1200">
+        <a:solidFill>
+          <a:schemeClr val="tx1"/>
+        </a:solidFill>
+        <a:latin typeface="+mn-lt"/>
+        <a:ea typeface="+mn-ea"/>
+        <a:cs typeface="+mn-cs"/>
+      </a:defRPr>
+    </a:lvl2pPr>
+    <a:lvl3pPr marL="914400" algn="l" defTabSz="914400" rtl="0" eaLnBrk="1" latinLnBrk="0" hangingPunct="1">
+      <a:defRPr sz="1200" kern="1200">
+        <a:solidFill>
+          <a:schemeClr val="tx1"/>
+        </a:solidFill>
+        <a:latin typeface="+mn-lt"/>
+        <a:ea typeface="+mn-ea"/>
+        <a:cs typeface="+mn-cs"/>
+      </a:defRPr>
+    </a:lvl3pPr>
+    <a:lvl4pPr marL="1371600" algn="l" defTabSz="914400" rtl="0" eaLnBrk="1" latinLnBrk="0" hangingPunct="1">
+      <a:defRPr sz="1200" kern="1200">
+        <a:solidFill>
+          <a:schemeClr val="tx1"/>
+        </a:solidFill>
+        <a:latin typeface="+mn-lt"/>
+        <a:ea typeface="+mn-ea"/>
+        <a:cs typeface="+mn-cs"/>
+      </a:defRPr>
+    </a:lvl4pPr>
+    <a:lvl5pPr marL="1828800" algn="l" defTabSz="914400" rtl="0" eaLnBrk="1" latinLnBrk="0" hangingPunct="1">
+      <a:defRPr sz="1200" kern="1200">
+        <a:solidFill>
+          <a:schemeClr val="tx1"/>
+        </a:solidFill>
+        <a:latin typeface="+mn-lt"/>
+        <a:ea typeface="+mn-ea"/>
+        <a:cs typeface="+mn-cs"/>
+      </a:defRPr>
+    </a:lvl5pPr>
+    <a:lvl6pPr marL="2286000" algn="l" defTabSz="914400" rtl="0" eaLnBrk="1" latinLnBrk="0" hangingPunct="1">
+      <a:defRPr sz="1200" kern="1200">
+        <a:solidFill>
+          <a:schemeClr val="tx1"/>
+        </a:solidFill>
+        <a:latin typeface="+mn-lt"/>
+        <a:ea typeface="+mn-ea"/>
+        <a:cs typeface="+mn-cs"/>
+      </a:defRPr>
+    </a:lvl6pPr>
+    <a:lvl7pPr marL="2743200" algn="l" defTabSz="914400" rtl="0" eaLnBrk="1" latinLnBrk="0" hangingPunct="1">
+      <a:defRPr sz="1200" kern="1200">
+        <a:solidFill>
+          <a:schemeClr val="tx1"/>
+        </a:solidFill>
+        <a:latin typeface="+mn-lt"/>
+        <a:ea typeface="+mn-ea"/>
+        <a:cs typeface="+mn-cs"/>
+      </a:defRPr>
+    </a:lvl7pPr>
+    <a:lvl8pPr marL="3200400" algn="l" defTabSz="914400" rtl="0" eaLnBrk="1" latinLnBrk="0" hangingPunct="1">
+      <a:defRPr sz="1200" kern="1200">
+        <a:solidFill>
+          <a:schemeClr val="tx1"/>
+        </a:solidFill>
+        <a:latin typeface="+mn-lt"/>
+        <a:ea typeface="+mn-ea"/>
+        <a:cs typeface="+mn-cs"/>
+      </a:defRPr>
+    </a:lvl8pPr>
+    <a:lvl9pPr marL="3657600" algn="l" defTabSz="914400" rtl="0" eaLnBrk="1" latinLnBrk="0" hangingPunct="1">
+      <a:defRPr sz="1200" kern="1200">
+        <a:solidFill>
+          <a:schemeClr val="tx1"/>
+        </a:solidFill>
+        <a:latin typeface="+mn-lt"/>
+        <a:ea typeface="+mn-ea"/>
+        <a:cs typeface="+mn-cs"/>
+      </a:defRPr>
+    </a:lvl9pPr>
+  </p:notesStyle>
+</p:notesMaster>
+</file>
+
+<file path=ppt/notesSlides/notesSlide1.xml><?xml version="1.0" encoding="utf-8"?>
+<p:notes xmlns:a="http://schemas.openxmlformats.org/drawingml/2006/main" xmlns:r="http://schemas.openxmlformats.org/officeDocument/2006/relationships" xmlns:p="http://schemas.openxmlformats.org/presentationml/2006/main">
+  <p:cSld>
+    <p:spTree>
+      <p:nvGrpSpPr>
+        <p:cNvPr id="1" name=""/>
+        <p:cNvGrpSpPr/>
+        <p:nvPr/>
+      </p:nvGrpSpPr>
+      <p:grpSpPr>
+        <a:xfrm>
+          <a:off x="0" y="0"/>
+          <a:ext cx="0" cy="0"/>
+          <a:chOff x="0" y="0"/>
+          <a:chExt cx="0" cy="0"/>
+        </a:xfrm>
+      </p:grpSpPr>
+      <p:sp>
+        <p:nvSpPr>
+          <p:cNvPr id="2" name="Slide Image Placeholder 1"/>
+          <p:cNvSpPr>
+            <a:spLocks noGrp="1" noRot="1" noChangeAspect="1"/>
+          </p:cNvSpPr>
+          <p:nvPr>
+            <p:ph type="sldImg"/>
+          </p:nvPr>
+        </p:nvSpPr>
+        <p:spPr/>
+      </p:sp>
+      <p:sp>
+        <p:nvSpPr>
+          <p:cNvPr id="3" name="Notes Placeholder 2"/>
+          <p:cNvSpPr>
+            <a:spLocks noGrp="1"/>
+          </p:cNvSpPr>
+          <p:nvPr>
+            <p:ph type="body" idx="1"/>
+          </p:nvPr>
+        </p:nvSpPr>
+        <p:spPr/>
+        <p:txBody>
+          <a:bodyPr/>
+          <a:lstStyle/>
+          <a:p>
+            <a:endParaRPr lang="en-US" dirty="0"/>
+          </a:p>
+        </p:txBody>
+      </p:sp>
+      <p:sp>
+        <p:nvSpPr>
+          <p:cNvPr id="4" name="Slide Number Placeholder 3"/>
+          <p:cNvSpPr>
+            <a:spLocks noGrp="1"/>
+          </p:cNvSpPr>
+          <p:nvPr>
+            <p:ph type="sldNum" sz="quarter" idx="10"/>
+          </p:nvPr>
+        </p:nvSpPr>
+        <p:spPr/>
+        <p:txBody>
+          <a:bodyPr/>
+          <a:lstStyle/>
+          <a:p>
+            <a:fld id="{8F8BBEC8-0034-C349-BDE4-EE6CFFE1971A}" type="slidenum">
+              <a:rPr lang="en-US" smtClean="0"/>
+              <a:t>3</a:t>
+            </a:fld>
+            <a:endParaRPr lang="en-US"/>
+          </a:p>
+        </p:txBody>
+      </p:sp>
+    </p:spTree>
+    <p:extLst>
+      <p:ext uri="{BB962C8B-B14F-4D97-AF65-F5344CB8AC3E}">
+        <p14:creationId xmlns:p14="http://schemas.microsoft.com/office/powerpoint/2010/main" val="884325698"/>
+      </p:ext>
+    </p:extLst>
+  </p:cSld>
+  <p:clrMapOvr>
+    <a:masterClrMapping/>
+  </p:clrMapOvr>
+</p:notes>
+</file>
+
 <file path=ppt/slideLayouts/slideLayout1.xml><?xml version="1.0" encoding="utf-8"?>
 <p:sldLayout xmlns:a="http://schemas.openxmlformats.org/drawingml/2006/main" xmlns:r="http://schemas.openxmlformats.org/officeDocument/2006/relationships" xmlns:p="http://schemas.openxmlformats.org/presentationml/2006/main" type="title" preserve="1">
   <p:cSld name="Title Slide">
@@ -244,7 +683,7 @@
           <a:p>
             <a:fld id="{5D97E163-DB95-D24D-8C95-263DECB1FC34}" type="datetimeFigureOut">
               <a:rPr lang="en-US" smtClean="0"/>
-              <a:t>2/20/19</a:t>
+              <a:t>3/4/19</a:t>
             </a:fld>
             <a:endParaRPr lang="en-US"/>
           </a:p>
@@ -414,7 +853,7 @@
           <a:p>
             <a:fld id="{5D97E163-DB95-D24D-8C95-263DECB1FC34}" type="datetimeFigureOut">
               <a:rPr lang="en-US" smtClean="0"/>
-              <a:t>2/20/19</a:t>
+              <a:t>3/4/19</a:t>
             </a:fld>
             <a:endParaRPr lang="en-US"/>
           </a:p>
@@ -594,7 +1033,7 @@
           <a:p>
             <a:fld id="{5D97E163-DB95-D24D-8C95-263DECB1FC34}" type="datetimeFigureOut">
               <a:rPr lang="en-US" smtClean="0"/>
-              <a:t>2/20/19</a:t>
+              <a:t>3/4/19</a:t>
             </a:fld>
             <a:endParaRPr lang="en-US"/>
           </a:p>
@@ -764,7 +1203,7 @@
           <a:p>
             <a:fld id="{5D97E163-DB95-D24D-8C95-263DECB1FC34}" type="datetimeFigureOut">
               <a:rPr lang="en-US" smtClean="0"/>
-              <a:t>2/20/19</a:t>
+              <a:t>3/4/19</a:t>
             </a:fld>
             <a:endParaRPr lang="en-US"/>
           </a:p>
@@ -1010,7 +1449,7 @@
           <a:p>
             <a:fld id="{5D97E163-DB95-D24D-8C95-263DECB1FC34}" type="datetimeFigureOut">
               <a:rPr lang="en-US" smtClean="0"/>
-              <a:t>2/20/19</a:t>
+              <a:t>3/4/19</a:t>
             </a:fld>
             <a:endParaRPr lang="en-US"/>
           </a:p>
@@ -1242,7 +1681,7 @@
           <a:p>
             <a:fld id="{5D97E163-DB95-D24D-8C95-263DECB1FC34}" type="datetimeFigureOut">
               <a:rPr lang="en-US" smtClean="0"/>
-              <a:t>2/20/19</a:t>
+              <a:t>3/4/19</a:t>
             </a:fld>
             <a:endParaRPr lang="en-US"/>
           </a:p>
@@ -1609,7 +2048,7 @@
           <a:p>
             <a:fld id="{5D97E163-DB95-D24D-8C95-263DECB1FC34}" type="datetimeFigureOut">
               <a:rPr lang="en-US" smtClean="0"/>
-              <a:t>2/20/19</a:t>
+              <a:t>3/4/19</a:t>
             </a:fld>
             <a:endParaRPr lang="en-US"/>
           </a:p>
@@ -1727,7 +2166,7 @@
           <a:p>
             <a:fld id="{5D97E163-DB95-D24D-8C95-263DECB1FC34}" type="datetimeFigureOut">
               <a:rPr lang="en-US" smtClean="0"/>
-              <a:t>2/20/19</a:t>
+              <a:t>3/4/19</a:t>
             </a:fld>
             <a:endParaRPr lang="en-US"/>
           </a:p>
@@ -1822,7 +2261,7 @@
           <a:p>
             <a:fld id="{5D97E163-DB95-D24D-8C95-263DECB1FC34}" type="datetimeFigureOut">
               <a:rPr lang="en-US" smtClean="0"/>
-              <a:t>2/20/19</a:t>
+              <a:t>3/4/19</a:t>
             </a:fld>
             <a:endParaRPr lang="en-US"/>
           </a:p>
@@ -2099,7 +2538,7 @@
           <a:p>
             <a:fld id="{5D97E163-DB95-D24D-8C95-263DECB1FC34}" type="datetimeFigureOut">
               <a:rPr lang="en-US" smtClean="0"/>
-              <a:t>2/20/19</a:t>
+              <a:t>3/4/19</a:t>
             </a:fld>
             <a:endParaRPr lang="en-US"/>
           </a:p>
@@ -2352,7 +2791,7 @@
           <a:p>
             <a:fld id="{5D97E163-DB95-D24D-8C95-263DECB1FC34}" type="datetimeFigureOut">
               <a:rPr lang="en-US" smtClean="0"/>
-              <a:t>2/20/19</a:t>
+              <a:t>3/4/19</a:t>
             </a:fld>
             <a:endParaRPr lang="en-US"/>
           </a:p>
@@ -2565,7 +3004,7 @@
           <a:p>
             <a:fld id="{5D97E163-DB95-D24D-8C95-263DECB1FC34}" type="datetimeFigureOut">
               <a:rPr lang="en-US" smtClean="0"/>
-              <a:t>2/20/19</a:t>
+              <a:t>3/4/19</a:t>
             </a:fld>
             <a:endParaRPr lang="en-US"/>
           </a:p>
@@ -5626,6 +6065,3293 @@
 </p:sld>
 </file>
 
+<file path=ppt/slides/slide3.xml><?xml version="1.0" encoding="utf-8"?>
+<p:sld xmlns:a="http://schemas.openxmlformats.org/drawingml/2006/main" xmlns:r="http://schemas.openxmlformats.org/officeDocument/2006/relationships" xmlns:p="http://schemas.openxmlformats.org/presentationml/2006/main">
+  <p:cSld>
+    <p:spTree>
+      <p:nvGrpSpPr>
+        <p:cNvPr id="1" name=""/>
+        <p:cNvGrpSpPr/>
+        <p:nvPr/>
+      </p:nvGrpSpPr>
+      <p:grpSpPr>
+        <a:xfrm>
+          <a:off x="0" y="0"/>
+          <a:ext cx="0" cy="0"/>
+          <a:chOff x="0" y="0"/>
+          <a:chExt cx="0" cy="0"/>
+        </a:xfrm>
+      </p:grpSpPr>
+      <p:sp>
+        <p:nvSpPr>
+          <p:cNvPr id="29" name="Rectangle 28"/>
+          <p:cNvSpPr/>
+          <p:nvPr/>
+        </p:nvSpPr>
+        <p:spPr>
+          <a:xfrm>
+            <a:off x="2636364" y="3275976"/>
+            <a:ext cx="1454647" cy="677739"/>
+          </a:xfrm>
+          <a:prstGeom prst="rect">
+            <a:avLst/>
+          </a:prstGeom>
+          <a:solidFill>
+            <a:srgbClr val="CFE7F1"/>
+          </a:solidFill>
+          <a:ln w="57150">
+            <a:solidFill>
+              <a:srgbClr val="00B0F0"/>
+            </a:solidFill>
+          </a:ln>
+        </p:spPr>
+        <p:style>
+          <a:lnRef idx="2">
+            <a:schemeClr val="accent1">
+              <a:shade val="50000"/>
+            </a:schemeClr>
+          </a:lnRef>
+          <a:fillRef idx="1">
+            <a:schemeClr val="accent1"/>
+          </a:fillRef>
+          <a:effectRef idx="0">
+            <a:schemeClr val="accent1"/>
+          </a:effectRef>
+          <a:fontRef idx="minor">
+            <a:schemeClr val="lt1"/>
+          </a:fontRef>
+        </p:style>
+        <p:txBody>
+          <a:bodyPr rtlCol="0" anchor="ctr"/>
+          <a:lstStyle/>
+          <a:p>
+            <a:pPr algn="ctr"/>
+            <a:r>
+              <a:rPr lang="en-US" sz="2800" dirty="0" smtClean="0">
+                <a:solidFill>
+                  <a:schemeClr val="tx1"/>
+                </a:solidFill>
+              </a:rPr>
+              <a:t>IP</a:t>
+            </a:r>
+            <a:endParaRPr lang="en-US" sz="2800" dirty="0">
+              <a:solidFill>
+                <a:schemeClr val="tx1"/>
+              </a:solidFill>
+            </a:endParaRPr>
+          </a:p>
+        </p:txBody>
+      </p:sp>
+      <p:sp>
+        <p:nvSpPr>
+          <p:cNvPr id="30" name="Rectangle 29"/>
+          <p:cNvSpPr/>
+          <p:nvPr/>
+        </p:nvSpPr>
+        <p:spPr>
+          <a:xfrm>
+            <a:off x="2074697" y="2252736"/>
+            <a:ext cx="1253786" cy="677739"/>
+          </a:xfrm>
+          <a:prstGeom prst="rect">
+            <a:avLst/>
+          </a:prstGeom>
+          <a:ln/>
+        </p:spPr>
+        <p:style>
+          <a:lnRef idx="2">
+            <a:schemeClr val="dk1"/>
+          </a:lnRef>
+          <a:fillRef idx="1">
+            <a:schemeClr val="lt1"/>
+          </a:fillRef>
+          <a:effectRef idx="0">
+            <a:schemeClr val="dk1"/>
+          </a:effectRef>
+          <a:fontRef idx="minor">
+            <a:schemeClr val="dk1"/>
+          </a:fontRef>
+        </p:style>
+        <p:txBody>
+          <a:bodyPr rtlCol="0" anchor="ctr"/>
+          <a:lstStyle/>
+          <a:p>
+            <a:pPr algn="ctr"/>
+            <a:r>
+              <a:rPr lang="en-US" sz="2800" dirty="0" smtClean="0">
+                <a:solidFill>
+                  <a:schemeClr val="tx1"/>
+                </a:solidFill>
+              </a:rPr>
+              <a:t>TCP</a:t>
+            </a:r>
+            <a:endParaRPr lang="en-US" sz="2800" dirty="0">
+              <a:solidFill>
+                <a:schemeClr val="tx1"/>
+              </a:solidFill>
+            </a:endParaRPr>
+          </a:p>
+        </p:txBody>
+      </p:sp>
+      <p:cxnSp>
+        <p:nvCxnSpPr>
+          <p:cNvPr id="6" name="Straight Connector 5"/>
+          <p:cNvCxnSpPr/>
+          <p:nvPr/>
+        </p:nvCxnSpPr>
+        <p:spPr>
+          <a:xfrm>
+            <a:off x="4091011" y="3953715"/>
+            <a:ext cx="2536193" cy="795726"/>
+          </a:xfrm>
+          <a:prstGeom prst="line">
+            <a:avLst/>
+          </a:prstGeom>
+          <a:ln w="28575">
+            <a:solidFill>
+              <a:srgbClr val="00B0F0"/>
+            </a:solidFill>
+          </a:ln>
+        </p:spPr>
+        <p:style>
+          <a:lnRef idx="1">
+            <a:schemeClr val="accent1"/>
+          </a:lnRef>
+          <a:fillRef idx="0">
+            <a:schemeClr val="accent1"/>
+          </a:fillRef>
+          <a:effectRef idx="0">
+            <a:schemeClr val="accent1"/>
+          </a:effectRef>
+          <a:fontRef idx="minor">
+            <a:schemeClr val="tx1"/>
+          </a:fontRef>
+        </p:style>
+      </p:cxnSp>
+      <p:cxnSp>
+        <p:nvCxnSpPr>
+          <p:cNvPr id="20" name="Straight Connector 19"/>
+          <p:cNvCxnSpPr/>
+          <p:nvPr/>
+        </p:nvCxnSpPr>
+        <p:spPr>
+          <a:xfrm flipH="1">
+            <a:off x="158108" y="3953715"/>
+            <a:ext cx="2478256" cy="845573"/>
+          </a:xfrm>
+          <a:prstGeom prst="line">
+            <a:avLst/>
+          </a:prstGeom>
+          <a:ln w="28575">
+            <a:solidFill>
+              <a:srgbClr val="00B0F0"/>
+            </a:solidFill>
+          </a:ln>
+        </p:spPr>
+        <p:style>
+          <a:lnRef idx="1">
+            <a:schemeClr val="accent1"/>
+          </a:lnRef>
+          <a:fillRef idx="0">
+            <a:schemeClr val="accent1"/>
+          </a:fillRef>
+          <a:effectRef idx="0">
+            <a:schemeClr val="accent1"/>
+          </a:effectRef>
+          <a:fontRef idx="minor">
+            <a:schemeClr val="tx1"/>
+          </a:fontRef>
+        </p:style>
+      </p:cxnSp>
+      <p:cxnSp>
+        <p:nvCxnSpPr>
+          <p:cNvPr id="18" name="Straight Connector 17"/>
+          <p:cNvCxnSpPr/>
+          <p:nvPr/>
+        </p:nvCxnSpPr>
+        <p:spPr>
+          <a:xfrm flipH="1" flipV="1">
+            <a:off x="152396" y="2104564"/>
+            <a:ext cx="2483968" cy="1166494"/>
+          </a:xfrm>
+          <a:prstGeom prst="line">
+            <a:avLst/>
+          </a:prstGeom>
+          <a:ln w="28575">
+            <a:solidFill>
+              <a:srgbClr val="00B0F0"/>
+            </a:solidFill>
+          </a:ln>
+        </p:spPr>
+        <p:style>
+          <a:lnRef idx="1">
+            <a:schemeClr val="accent1"/>
+          </a:lnRef>
+          <a:fillRef idx="0">
+            <a:schemeClr val="accent1"/>
+          </a:fillRef>
+          <a:effectRef idx="0">
+            <a:schemeClr val="accent1"/>
+          </a:effectRef>
+          <a:fontRef idx="minor">
+            <a:schemeClr val="tx1"/>
+          </a:fontRef>
+        </p:style>
+      </p:cxnSp>
+      <p:sp>
+        <p:nvSpPr>
+          <p:cNvPr id="57" name="Rectangle 56"/>
+          <p:cNvSpPr/>
+          <p:nvPr/>
+        </p:nvSpPr>
+        <p:spPr>
+          <a:xfrm>
+            <a:off x="9102607" y="3945194"/>
+            <a:ext cx="1460358" cy="482120"/>
+          </a:xfrm>
+          <a:prstGeom prst="rect">
+            <a:avLst/>
+          </a:prstGeom>
+          <a:solidFill>
+            <a:srgbClr val="CFE7F1"/>
+          </a:solidFill>
+          <a:ln w="57150">
+            <a:solidFill>
+              <a:srgbClr val="00B0F0"/>
+            </a:solidFill>
+          </a:ln>
+        </p:spPr>
+        <p:style>
+          <a:lnRef idx="2">
+            <a:schemeClr val="accent1">
+              <a:shade val="50000"/>
+            </a:schemeClr>
+          </a:lnRef>
+          <a:fillRef idx="1">
+            <a:schemeClr val="accent1"/>
+          </a:fillRef>
+          <a:effectRef idx="0">
+            <a:schemeClr val="accent1"/>
+          </a:effectRef>
+          <a:fontRef idx="minor">
+            <a:schemeClr val="lt1"/>
+          </a:fontRef>
+        </p:style>
+        <p:txBody>
+          <a:bodyPr rtlCol="0" anchor="ctr"/>
+          <a:lstStyle/>
+          <a:p>
+            <a:pPr algn="ctr"/>
+            <a:r>
+              <a:rPr lang="en-US" sz="2800" dirty="0" smtClean="0">
+                <a:solidFill>
+                  <a:schemeClr val="tx1"/>
+                </a:solidFill>
+              </a:rPr>
+              <a:t>IP</a:t>
+            </a:r>
+            <a:endParaRPr lang="en-US" sz="2800" dirty="0">
+              <a:solidFill>
+                <a:schemeClr val="tx1"/>
+              </a:solidFill>
+            </a:endParaRPr>
+          </a:p>
+        </p:txBody>
+      </p:sp>
+      <p:sp>
+        <p:nvSpPr>
+          <p:cNvPr id="58" name="Rectangle 57"/>
+          <p:cNvSpPr/>
+          <p:nvPr/>
+        </p:nvSpPr>
+        <p:spPr>
+          <a:xfrm>
+            <a:off x="9102606" y="3462727"/>
+            <a:ext cx="1460357" cy="482120"/>
+          </a:xfrm>
+          <a:prstGeom prst="rect">
+            <a:avLst/>
+          </a:prstGeom>
+          <a:solidFill>
+            <a:srgbClr val="CFE7F1"/>
+          </a:solidFill>
+          <a:ln w="57150">
+            <a:solidFill>
+              <a:srgbClr val="00B0F0"/>
+            </a:solidFill>
+          </a:ln>
+        </p:spPr>
+        <p:style>
+          <a:lnRef idx="2">
+            <a:schemeClr val="accent1">
+              <a:shade val="50000"/>
+            </a:schemeClr>
+          </a:lnRef>
+          <a:fillRef idx="1">
+            <a:schemeClr val="accent1"/>
+          </a:fillRef>
+          <a:effectRef idx="0">
+            <a:schemeClr val="accent1"/>
+          </a:effectRef>
+          <a:fontRef idx="minor">
+            <a:schemeClr val="lt1"/>
+          </a:fontRef>
+        </p:style>
+        <p:txBody>
+          <a:bodyPr rtlCol="0" anchor="ctr"/>
+          <a:lstStyle/>
+          <a:p>
+            <a:pPr algn="ctr"/>
+            <a:r>
+              <a:rPr lang="en-US" sz="2800" dirty="0" smtClean="0">
+                <a:solidFill>
+                  <a:schemeClr val="tx1"/>
+                </a:solidFill>
+              </a:rPr>
+              <a:t>TCP</a:t>
+            </a:r>
+            <a:endParaRPr lang="en-US" sz="2800" dirty="0">
+              <a:solidFill>
+                <a:schemeClr val="tx1"/>
+              </a:solidFill>
+            </a:endParaRPr>
+          </a:p>
+        </p:txBody>
+      </p:sp>
+      <p:sp>
+        <p:nvSpPr>
+          <p:cNvPr id="59" name="Rectangle 58"/>
+          <p:cNvSpPr/>
+          <p:nvPr/>
+        </p:nvSpPr>
+        <p:spPr>
+          <a:xfrm>
+            <a:off x="9102606" y="2980607"/>
+            <a:ext cx="1454647" cy="482120"/>
+          </a:xfrm>
+          <a:prstGeom prst="rect">
+            <a:avLst/>
+          </a:prstGeom>
+          <a:solidFill>
+            <a:srgbClr val="CFE7F1"/>
+          </a:solidFill>
+          <a:ln w="57150">
+            <a:solidFill>
+              <a:srgbClr val="00B0F0"/>
+            </a:solidFill>
+          </a:ln>
+        </p:spPr>
+        <p:style>
+          <a:lnRef idx="2">
+            <a:schemeClr val="accent1">
+              <a:shade val="50000"/>
+            </a:schemeClr>
+          </a:lnRef>
+          <a:fillRef idx="1">
+            <a:schemeClr val="accent1"/>
+          </a:fillRef>
+          <a:effectRef idx="0">
+            <a:schemeClr val="accent1"/>
+          </a:effectRef>
+          <a:fontRef idx="minor">
+            <a:schemeClr val="lt1"/>
+          </a:fontRef>
+        </p:style>
+        <p:txBody>
+          <a:bodyPr rtlCol="0" anchor="ctr"/>
+          <a:lstStyle/>
+          <a:p>
+            <a:pPr algn="ctr"/>
+            <a:r>
+              <a:rPr lang="en-US" sz="2800" dirty="0" smtClean="0">
+                <a:solidFill>
+                  <a:schemeClr val="tx1"/>
+                </a:solidFill>
+              </a:rPr>
+              <a:t>TLS</a:t>
+            </a:r>
+            <a:endParaRPr lang="en-US" sz="2800" dirty="0">
+              <a:solidFill>
+                <a:schemeClr val="tx1"/>
+              </a:solidFill>
+            </a:endParaRPr>
+          </a:p>
+        </p:txBody>
+      </p:sp>
+      <p:sp>
+        <p:nvSpPr>
+          <p:cNvPr id="60" name="Rectangle 59"/>
+          <p:cNvSpPr/>
+          <p:nvPr/>
+        </p:nvSpPr>
+        <p:spPr>
+          <a:xfrm>
+            <a:off x="9102606" y="2498140"/>
+            <a:ext cx="1454647" cy="482120"/>
+          </a:xfrm>
+          <a:prstGeom prst="rect">
+            <a:avLst/>
+          </a:prstGeom>
+          <a:solidFill>
+            <a:srgbClr val="CFE7F1"/>
+          </a:solidFill>
+          <a:ln w="57150">
+            <a:solidFill>
+              <a:srgbClr val="00B0F0"/>
+            </a:solidFill>
+          </a:ln>
+        </p:spPr>
+        <p:style>
+          <a:lnRef idx="2">
+            <a:schemeClr val="accent1">
+              <a:shade val="50000"/>
+            </a:schemeClr>
+          </a:lnRef>
+          <a:fillRef idx="1">
+            <a:schemeClr val="accent1"/>
+          </a:fillRef>
+          <a:effectRef idx="0">
+            <a:schemeClr val="accent1"/>
+          </a:effectRef>
+          <a:fontRef idx="minor">
+            <a:schemeClr val="lt1"/>
+          </a:fontRef>
+        </p:style>
+        <p:txBody>
+          <a:bodyPr rtlCol="0" anchor="ctr"/>
+          <a:lstStyle/>
+          <a:p>
+            <a:pPr algn="ctr"/>
+            <a:r>
+              <a:rPr lang="en-US" sz="2800" dirty="0" smtClean="0">
+                <a:solidFill>
+                  <a:schemeClr val="tx1"/>
+                </a:solidFill>
+              </a:rPr>
+              <a:t>HTTP</a:t>
+            </a:r>
+            <a:endParaRPr lang="en-US" sz="2800" dirty="0">
+              <a:solidFill>
+                <a:schemeClr val="tx1"/>
+              </a:solidFill>
+            </a:endParaRPr>
+          </a:p>
+        </p:txBody>
+      </p:sp>
+      <p:cxnSp>
+        <p:nvCxnSpPr>
+          <p:cNvPr id="227" name="Straight Connector 226"/>
+          <p:cNvCxnSpPr/>
+          <p:nvPr/>
+        </p:nvCxnSpPr>
+        <p:spPr>
+          <a:xfrm flipH="1" flipV="1">
+            <a:off x="8255984" y="1981771"/>
+            <a:ext cx="849478" cy="516372"/>
+          </a:xfrm>
+          <a:prstGeom prst="line">
+            <a:avLst/>
+          </a:prstGeom>
+          <a:ln w="28575">
+            <a:solidFill>
+              <a:srgbClr val="00B0F0"/>
+            </a:solidFill>
+          </a:ln>
+        </p:spPr>
+        <p:style>
+          <a:lnRef idx="1">
+            <a:schemeClr val="accent1"/>
+          </a:lnRef>
+          <a:fillRef idx="0">
+            <a:schemeClr val="accent1"/>
+          </a:fillRef>
+          <a:effectRef idx="0">
+            <a:schemeClr val="accent1"/>
+          </a:effectRef>
+          <a:fontRef idx="minor">
+            <a:schemeClr val="tx1"/>
+          </a:fontRef>
+        </p:style>
+      </p:cxnSp>
+      <p:cxnSp>
+        <p:nvCxnSpPr>
+          <p:cNvPr id="232" name="Straight Connector 231"/>
+          <p:cNvCxnSpPr/>
+          <p:nvPr/>
+        </p:nvCxnSpPr>
+        <p:spPr>
+          <a:xfrm flipV="1">
+            <a:off x="10557253" y="1999499"/>
+            <a:ext cx="754760" cy="498641"/>
+          </a:xfrm>
+          <a:prstGeom prst="line">
+            <a:avLst/>
+          </a:prstGeom>
+          <a:ln w="28575">
+            <a:solidFill>
+              <a:srgbClr val="00B0F0"/>
+            </a:solidFill>
+          </a:ln>
+        </p:spPr>
+        <p:style>
+          <a:lnRef idx="1">
+            <a:schemeClr val="accent1"/>
+          </a:lnRef>
+          <a:fillRef idx="0">
+            <a:schemeClr val="accent1"/>
+          </a:fillRef>
+          <a:effectRef idx="0">
+            <a:schemeClr val="accent1"/>
+          </a:effectRef>
+          <a:fontRef idx="minor">
+            <a:schemeClr val="tx1"/>
+          </a:fontRef>
+        </p:style>
+      </p:cxnSp>
+      <p:cxnSp>
+        <p:nvCxnSpPr>
+          <p:cNvPr id="234" name="Straight Connector 233"/>
+          <p:cNvCxnSpPr/>
+          <p:nvPr/>
+        </p:nvCxnSpPr>
+        <p:spPr>
+          <a:xfrm flipH="1">
+            <a:off x="8081851" y="4442062"/>
+            <a:ext cx="1020757" cy="681349"/>
+          </a:xfrm>
+          <a:prstGeom prst="line">
+            <a:avLst/>
+          </a:prstGeom>
+          <a:ln w="28575">
+            <a:solidFill>
+              <a:srgbClr val="00B0F0"/>
+            </a:solidFill>
+          </a:ln>
+        </p:spPr>
+        <p:style>
+          <a:lnRef idx="1">
+            <a:schemeClr val="accent1"/>
+          </a:lnRef>
+          <a:fillRef idx="0">
+            <a:schemeClr val="accent1"/>
+          </a:fillRef>
+          <a:effectRef idx="0">
+            <a:schemeClr val="accent1"/>
+          </a:effectRef>
+          <a:fontRef idx="minor">
+            <a:schemeClr val="tx1"/>
+          </a:fontRef>
+        </p:style>
+      </p:cxnSp>
+      <p:cxnSp>
+        <p:nvCxnSpPr>
+          <p:cNvPr id="237" name="Straight Connector 236"/>
+          <p:cNvCxnSpPr/>
+          <p:nvPr/>
+        </p:nvCxnSpPr>
+        <p:spPr>
+          <a:xfrm>
+            <a:off x="10557253" y="4442062"/>
+            <a:ext cx="754760" cy="497215"/>
+          </a:xfrm>
+          <a:prstGeom prst="line">
+            <a:avLst/>
+          </a:prstGeom>
+          <a:ln w="28575">
+            <a:solidFill>
+              <a:srgbClr val="00B0F0"/>
+            </a:solidFill>
+          </a:ln>
+        </p:spPr>
+        <p:style>
+          <a:lnRef idx="1">
+            <a:schemeClr val="accent1"/>
+          </a:lnRef>
+          <a:fillRef idx="0">
+            <a:schemeClr val="accent1"/>
+          </a:fillRef>
+          <a:effectRef idx="0">
+            <a:schemeClr val="accent1"/>
+          </a:effectRef>
+          <a:fontRef idx="minor">
+            <a:schemeClr val="tx1"/>
+          </a:fontRef>
+        </p:style>
+      </p:cxnSp>
+      <p:sp>
+        <p:nvSpPr>
+          <p:cNvPr id="68" name="Rounded Rectangle 67"/>
+          <p:cNvSpPr/>
+          <p:nvPr/>
+        </p:nvSpPr>
+        <p:spPr>
+          <a:xfrm>
+            <a:off x="8038000" y="4943683"/>
+            <a:ext cx="3583858" cy="677739"/>
+          </a:xfrm>
+          <a:prstGeom prst="roundRect">
+            <a:avLst>
+              <a:gd name="adj" fmla="val 50000"/>
+            </a:avLst>
+          </a:prstGeom>
+          <a:ln w="28575"/>
+        </p:spPr>
+        <p:style>
+          <a:lnRef idx="2">
+            <a:schemeClr val="dk1"/>
+          </a:lnRef>
+          <a:fillRef idx="1">
+            <a:schemeClr val="lt1"/>
+          </a:fillRef>
+          <a:effectRef idx="0">
+            <a:schemeClr val="dk1"/>
+          </a:effectRef>
+          <a:fontRef idx="minor">
+            <a:schemeClr val="dk1"/>
+          </a:fontRef>
+        </p:style>
+        <p:txBody>
+          <a:bodyPr rtlCol="0" anchor="ctr"/>
+          <a:lstStyle/>
+          <a:p>
+            <a:pPr algn="ctr"/>
+            <a:r>
+              <a:rPr lang="en-US" sz="2800" dirty="0" smtClean="0"/>
+              <a:t>Networks</a:t>
+            </a:r>
+            <a:endParaRPr lang="en-US" sz="2800" dirty="0"/>
+          </a:p>
+        </p:txBody>
+      </p:sp>
+      <p:sp>
+        <p:nvSpPr>
+          <p:cNvPr id="224" name="Rounded Rectangle 223"/>
+          <p:cNvSpPr/>
+          <p:nvPr/>
+        </p:nvSpPr>
+        <p:spPr>
+          <a:xfrm>
+            <a:off x="8040856" y="1321760"/>
+            <a:ext cx="3583858" cy="677739"/>
+          </a:xfrm>
+          <a:prstGeom prst="roundRect">
+            <a:avLst>
+              <a:gd name="adj" fmla="val 50000"/>
+            </a:avLst>
+          </a:prstGeom>
+          <a:ln w="28575"/>
+        </p:spPr>
+        <p:style>
+          <a:lnRef idx="2">
+            <a:schemeClr val="dk1"/>
+          </a:lnRef>
+          <a:fillRef idx="1">
+            <a:schemeClr val="lt1"/>
+          </a:fillRef>
+          <a:effectRef idx="0">
+            <a:schemeClr val="dk1"/>
+          </a:effectRef>
+          <a:fontRef idx="minor">
+            <a:schemeClr val="dk1"/>
+          </a:fontRef>
+        </p:style>
+        <p:txBody>
+          <a:bodyPr rtlCol="0" anchor="ctr"/>
+          <a:lstStyle/>
+          <a:p>
+            <a:pPr algn="ctr"/>
+            <a:r>
+              <a:rPr lang="en-US" sz="2800" dirty="0" smtClean="0"/>
+              <a:t>Applications</a:t>
+            </a:r>
+            <a:endParaRPr lang="en-US" sz="2800" dirty="0"/>
+          </a:p>
+        </p:txBody>
+      </p:sp>
+      <p:sp>
+        <p:nvSpPr>
+          <p:cNvPr id="239" name="Right Arrow 238"/>
+          <p:cNvSpPr/>
+          <p:nvPr/>
+        </p:nvSpPr>
+        <p:spPr>
+          <a:xfrm>
+            <a:off x="6719233" y="3230531"/>
+            <a:ext cx="1174692" cy="482120"/>
+          </a:xfrm>
+          <a:prstGeom prst="rightArrow">
+            <a:avLst/>
+          </a:prstGeom>
+        </p:spPr>
+        <p:style>
+          <a:lnRef idx="2">
+            <a:schemeClr val="accent1">
+              <a:shade val="50000"/>
+            </a:schemeClr>
+          </a:lnRef>
+          <a:fillRef idx="1">
+            <a:schemeClr val="accent1"/>
+          </a:fillRef>
+          <a:effectRef idx="0">
+            <a:schemeClr val="accent1"/>
+          </a:effectRef>
+          <a:fontRef idx="minor">
+            <a:schemeClr val="lt1"/>
+          </a:fontRef>
+        </p:style>
+        <p:txBody>
+          <a:bodyPr rtlCol="0" anchor="ctr"/>
+          <a:lstStyle/>
+          <a:p>
+            <a:pPr algn="ctr"/>
+            <a:endParaRPr lang="en-US"/>
+          </a:p>
+        </p:txBody>
+      </p:sp>
+      <p:sp>
+        <p:nvSpPr>
+          <p:cNvPr id="244" name="TextBox 243"/>
+          <p:cNvSpPr txBox="1"/>
+          <p:nvPr/>
+        </p:nvSpPr>
+        <p:spPr>
+          <a:xfrm>
+            <a:off x="6715710" y="2753499"/>
+            <a:ext cx="1063753" cy="646331"/>
+          </a:xfrm>
+          <a:prstGeom prst="rect">
+            <a:avLst/>
+          </a:prstGeom>
+          <a:noFill/>
+        </p:spPr>
+        <p:txBody>
+          <a:bodyPr wrap="none" rtlCol="0">
+            <a:spAutoFit/>
+          </a:bodyPr>
+          <a:lstStyle/>
+          <a:p>
+            <a:pPr algn="ctr"/>
+            <a:r>
+              <a:rPr lang="en-US" dirty="0" smtClean="0"/>
+              <a:t>Evolution</a:t>
+            </a:r>
+          </a:p>
+          <a:p>
+            <a:pPr algn="ctr"/>
+            <a:r>
+              <a:rPr lang="en-US" dirty="0"/>
+              <a:t>o</a:t>
+            </a:r>
+            <a:r>
+              <a:rPr lang="en-US" dirty="0" smtClean="0"/>
+              <a:t>f the </a:t>
+            </a:r>
+            <a:endParaRPr lang="en-US" dirty="0"/>
+          </a:p>
+        </p:txBody>
+      </p:sp>
+      <p:sp>
+        <p:nvSpPr>
+          <p:cNvPr id="81" name="TextBox 80"/>
+          <p:cNvSpPr txBox="1"/>
+          <p:nvPr/>
+        </p:nvSpPr>
+        <p:spPr>
+          <a:xfrm>
+            <a:off x="6804004" y="3570367"/>
+            <a:ext cx="887166" cy="646331"/>
+          </a:xfrm>
+          <a:prstGeom prst="rect">
+            <a:avLst/>
+          </a:prstGeom>
+          <a:noFill/>
+        </p:spPr>
+        <p:txBody>
+          <a:bodyPr wrap="none" rtlCol="0">
+            <a:spAutoFit/>
+          </a:bodyPr>
+          <a:lstStyle/>
+          <a:p>
+            <a:pPr algn="ctr"/>
+            <a:r>
+              <a:rPr lang="en-US" dirty="0" smtClean="0"/>
+              <a:t>Narrow</a:t>
+            </a:r>
+          </a:p>
+          <a:p>
+            <a:pPr algn="ctr"/>
+            <a:r>
+              <a:rPr lang="en-US" dirty="0" smtClean="0"/>
+              <a:t>Waist </a:t>
+            </a:r>
+            <a:endParaRPr lang="en-US" dirty="0"/>
+          </a:p>
+        </p:txBody>
+      </p:sp>
+      <p:cxnSp>
+        <p:nvCxnSpPr>
+          <p:cNvPr id="44" name="Straight Connector 43"/>
+          <p:cNvCxnSpPr/>
+          <p:nvPr/>
+        </p:nvCxnSpPr>
+        <p:spPr>
+          <a:xfrm flipV="1">
+            <a:off x="4091011" y="2138978"/>
+            <a:ext cx="2536194" cy="1132081"/>
+          </a:xfrm>
+          <a:prstGeom prst="line">
+            <a:avLst/>
+          </a:prstGeom>
+          <a:ln w="28575">
+            <a:solidFill>
+              <a:srgbClr val="00B0F0"/>
+            </a:solidFill>
+          </a:ln>
+        </p:spPr>
+        <p:style>
+          <a:lnRef idx="1">
+            <a:schemeClr val="accent1"/>
+          </a:lnRef>
+          <a:fillRef idx="0">
+            <a:schemeClr val="accent1"/>
+          </a:fillRef>
+          <a:effectRef idx="0">
+            <a:schemeClr val="accent1"/>
+          </a:effectRef>
+          <a:fontRef idx="minor">
+            <a:schemeClr val="tx1"/>
+          </a:fontRef>
+        </p:style>
+      </p:cxnSp>
+      <p:cxnSp>
+        <p:nvCxnSpPr>
+          <p:cNvPr id="253" name="Elbow Connector 252"/>
+          <p:cNvCxnSpPr/>
+          <p:nvPr/>
+        </p:nvCxnSpPr>
+        <p:spPr>
+          <a:xfrm flipV="1">
+            <a:off x="152396" y="1358005"/>
+            <a:ext cx="6474809" cy="746559"/>
+          </a:xfrm>
+          <a:prstGeom prst="bentConnector3">
+            <a:avLst>
+              <a:gd name="adj1" fmla="val 116"/>
+            </a:avLst>
+          </a:prstGeom>
+          <a:ln w="28575">
+            <a:solidFill>
+              <a:srgbClr val="00B0F0"/>
+            </a:solidFill>
+          </a:ln>
+        </p:spPr>
+        <p:style>
+          <a:lnRef idx="1">
+            <a:schemeClr val="accent1"/>
+          </a:lnRef>
+          <a:fillRef idx="0">
+            <a:schemeClr val="accent1"/>
+          </a:fillRef>
+          <a:effectRef idx="0">
+            <a:schemeClr val="accent1"/>
+          </a:effectRef>
+          <a:fontRef idx="minor">
+            <a:schemeClr val="tx1"/>
+          </a:fontRef>
+        </p:style>
+      </p:cxnSp>
+      <p:cxnSp>
+        <p:nvCxnSpPr>
+          <p:cNvPr id="56" name="Straight Connector 55"/>
+          <p:cNvCxnSpPr/>
+          <p:nvPr/>
+        </p:nvCxnSpPr>
+        <p:spPr>
+          <a:xfrm flipV="1">
+            <a:off x="6627205" y="1336508"/>
+            <a:ext cx="0" cy="817218"/>
+          </a:xfrm>
+          <a:prstGeom prst="line">
+            <a:avLst/>
+          </a:prstGeom>
+          <a:ln w="28575">
+            <a:solidFill>
+              <a:srgbClr val="00B0F0"/>
+            </a:solidFill>
+          </a:ln>
+        </p:spPr>
+        <p:style>
+          <a:lnRef idx="1">
+            <a:schemeClr val="accent1"/>
+          </a:lnRef>
+          <a:fillRef idx="0">
+            <a:schemeClr val="accent1"/>
+          </a:fillRef>
+          <a:effectRef idx="0">
+            <a:schemeClr val="accent1"/>
+          </a:effectRef>
+          <a:fontRef idx="minor">
+            <a:schemeClr val="tx1"/>
+          </a:fontRef>
+        </p:style>
+      </p:cxnSp>
+      <p:cxnSp>
+        <p:nvCxnSpPr>
+          <p:cNvPr id="105" name="Elbow Connector 104"/>
+          <p:cNvCxnSpPr/>
+          <p:nvPr/>
+        </p:nvCxnSpPr>
+        <p:spPr>
+          <a:xfrm>
+            <a:off x="152395" y="4805352"/>
+            <a:ext cx="6474809" cy="746559"/>
+          </a:xfrm>
+          <a:prstGeom prst="bentConnector3">
+            <a:avLst>
+              <a:gd name="adj1" fmla="val 116"/>
+            </a:avLst>
+          </a:prstGeom>
+          <a:ln w="28575">
+            <a:solidFill>
+              <a:srgbClr val="00B0F0"/>
+            </a:solidFill>
+          </a:ln>
+        </p:spPr>
+        <p:style>
+          <a:lnRef idx="1">
+            <a:schemeClr val="accent1"/>
+          </a:lnRef>
+          <a:fillRef idx="0">
+            <a:schemeClr val="accent1"/>
+          </a:fillRef>
+          <a:effectRef idx="0">
+            <a:schemeClr val="accent1"/>
+          </a:effectRef>
+          <a:fontRef idx="minor">
+            <a:schemeClr val="tx1"/>
+          </a:fontRef>
+        </p:style>
+      </p:cxnSp>
+      <p:cxnSp>
+        <p:nvCxnSpPr>
+          <p:cNvPr id="106" name="Straight Connector 105"/>
+          <p:cNvCxnSpPr/>
+          <p:nvPr/>
+        </p:nvCxnSpPr>
+        <p:spPr>
+          <a:xfrm flipV="1">
+            <a:off x="6627204" y="4749441"/>
+            <a:ext cx="0" cy="817218"/>
+          </a:xfrm>
+          <a:prstGeom prst="line">
+            <a:avLst/>
+          </a:prstGeom>
+          <a:ln w="28575">
+            <a:solidFill>
+              <a:srgbClr val="00B0F0"/>
+            </a:solidFill>
+          </a:ln>
+        </p:spPr>
+        <p:style>
+          <a:lnRef idx="1">
+            <a:schemeClr val="accent1"/>
+          </a:lnRef>
+          <a:fillRef idx="0">
+            <a:schemeClr val="accent1"/>
+          </a:fillRef>
+          <a:effectRef idx="0">
+            <a:schemeClr val="accent1"/>
+          </a:effectRef>
+          <a:fontRef idx="minor">
+            <a:schemeClr val="tx1"/>
+          </a:fontRef>
+        </p:style>
+      </p:cxnSp>
+      <p:sp>
+        <p:nvSpPr>
+          <p:cNvPr id="108" name="Rectangle 107"/>
+          <p:cNvSpPr/>
+          <p:nvPr/>
+        </p:nvSpPr>
+        <p:spPr>
+          <a:xfrm>
+            <a:off x="3419077" y="2261825"/>
+            <a:ext cx="1253786" cy="677739"/>
+          </a:xfrm>
+          <a:prstGeom prst="rect">
+            <a:avLst/>
+          </a:prstGeom>
+          <a:ln/>
+        </p:spPr>
+        <p:style>
+          <a:lnRef idx="2">
+            <a:schemeClr val="dk1"/>
+          </a:lnRef>
+          <a:fillRef idx="1">
+            <a:schemeClr val="lt1"/>
+          </a:fillRef>
+          <a:effectRef idx="0">
+            <a:schemeClr val="dk1"/>
+          </a:effectRef>
+          <a:fontRef idx="minor">
+            <a:schemeClr val="dk1"/>
+          </a:fontRef>
+        </p:style>
+        <p:txBody>
+          <a:bodyPr rtlCol="0" anchor="ctr"/>
+          <a:lstStyle/>
+          <a:p>
+            <a:pPr algn="ctr"/>
+            <a:r>
+              <a:rPr lang="en-US" sz="2800" dirty="0" smtClean="0">
+                <a:solidFill>
+                  <a:schemeClr val="tx1"/>
+                </a:solidFill>
+              </a:rPr>
+              <a:t>UDP</a:t>
+            </a:r>
+            <a:endParaRPr lang="en-US" sz="2800" dirty="0">
+              <a:solidFill>
+                <a:schemeClr val="tx1"/>
+              </a:solidFill>
+            </a:endParaRPr>
+          </a:p>
+        </p:txBody>
+      </p:sp>
+      <p:sp>
+        <p:nvSpPr>
+          <p:cNvPr id="109" name="Rectangle 108"/>
+          <p:cNvSpPr/>
+          <p:nvPr/>
+        </p:nvSpPr>
+        <p:spPr>
+          <a:xfrm>
+            <a:off x="5126691" y="1439346"/>
+            <a:ext cx="1253786" cy="677739"/>
+          </a:xfrm>
+          <a:prstGeom prst="rect">
+            <a:avLst/>
+          </a:prstGeom>
+          <a:ln/>
+        </p:spPr>
+        <p:style>
+          <a:lnRef idx="2">
+            <a:schemeClr val="dk1"/>
+          </a:lnRef>
+          <a:fillRef idx="1">
+            <a:schemeClr val="lt1"/>
+          </a:fillRef>
+          <a:effectRef idx="0">
+            <a:schemeClr val="dk1"/>
+          </a:effectRef>
+          <a:fontRef idx="minor">
+            <a:schemeClr val="dk1"/>
+          </a:fontRef>
+        </p:style>
+        <p:txBody>
+          <a:bodyPr rtlCol="0" anchor="ctr"/>
+          <a:lstStyle/>
+          <a:p>
+            <a:pPr algn="ctr"/>
+            <a:r>
+              <a:rPr lang="en-US" sz="2800" dirty="0" smtClean="0">
+                <a:solidFill>
+                  <a:schemeClr val="tx1"/>
+                </a:solidFill>
+              </a:rPr>
+              <a:t>IMAP</a:t>
+            </a:r>
+            <a:endParaRPr lang="en-US" sz="2800" dirty="0">
+              <a:solidFill>
+                <a:schemeClr val="tx1"/>
+              </a:solidFill>
+            </a:endParaRPr>
+          </a:p>
+        </p:txBody>
+      </p:sp>
+      <p:sp>
+        <p:nvSpPr>
+          <p:cNvPr id="110" name="Rectangle 109"/>
+          <p:cNvSpPr/>
+          <p:nvPr/>
+        </p:nvSpPr>
+        <p:spPr>
+          <a:xfrm>
+            <a:off x="3560204" y="1439346"/>
+            <a:ext cx="1253786" cy="677739"/>
+          </a:xfrm>
+          <a:prstGeom prst="rect">
+            <a:avLst/>
+          </a:prstGeom>
+          <a:ln/>
+        </p:spPr>
+        <p:style>
+          <a:lnRef idx="2">
+            <a:schemeClr val="dk1"/>
+          </a:lnRef>
+          <a:fillRef idx="1">
+            <a:schemeClr val="lt1"/>
+          </a:fillRef>
+          <a:effectRef idx="0">
+            <a:schemeClr val="dk1"/>
+          </a:effectRef>
+          <a:fontRef idx="minor">
+            <a:schemeClr val="dk1"/>
+          </a:fontRef>
+        </p:style>
+        <p:txBody>
+          <a:bodyPr rtlCol="0" anchor="ctr"/>
+          <a:lstStyle/>
+          <a:p>
+            <a:pPr algn="ctr"/>
+            <a:r>
+              <a:rPr lang="en-US" sz="2800" dirty="0" smtClean="0">
+                <a:solidFill>
+                  <a:schemeClr val="tx1"/>
+                </a:solidFill>
+              </a:rPr>
+              <a:t>DNS</a:t>
+            </a:r>
+            <a:endParaRPr lang="en-US" sz="2800" dirty="0">
+              <a:solidFill>
+                <a:schemeClr val="tx1"/>
+              </a:solidFill>
+            </a:endParaRPr>
+          </a:p>
+        </p:txBody>
+      </p:sp>
+      <p:sp>
+        <p:nvSpPr>
+          <p:cNvPr id="111" name="Rectangle 110"/>
+          <p:cNvSpPr/>
+          <p:nvPr/>
+        </p:nvSpPr>
+        <p:spPr>
+          <a:xfrm>
+            <a:off x="445918" y="1439346"/>
+            <a:ext cx="1253786" cy="677739"/>
+          </a:xfrm>
+          <a:prstGeom prst="rect">
+            <a:avLst/>
+          </a:prstGeom>
+          <a:ln/>
+        </p:spPr>
+        <p:style>
+          <a:lnRef idx="2">
+            <a:schemeClr val="dk1"/>
+          </a:lnRef>
+          <a:fillRef idx="1">
+            <a:schemeClr val="lt1"/>
+          </a:fillRef>
+          <a:effectRef idx="0">
+            <a:schemeClr val="dk1"/>
+          </a:effectRef>
+          <a:fontRef idx="minor">
+            <a:schemeClr val="dk1"/>
+          </a:fontRef>
+        </p:style>
+        <p:txBody>
+          <a:bodyPr rtlCol="0" anchor="ctr"/>
+          <a:lstStyle/>
+          <a:p>
+            <a:pPr algn="ctr"/>
+            <a:r>
+              <a:rPr lang="en-US" sz="2800" dirty="0" smtClean="0">
+                <a:solidFill>
+                  <a:schemeClr val="tx1"/>
+                </a:solidFill>
+              </a:rPr>
+              <a:t>HTTP</a:t>
+            </a:r>
+            <a:endParaRPr lang="en-US" sz="2800" dirty="0">
+              <a:solidFill>
+                <a:schemeClr val="tx1"/>
+              </a:solidFill>
+            </a:endParaRPr>
+          </a:p>
+        </p:txBody>
+      </p:sp>
+      <p:sp>
+        <p:nvSpPr>
+          <p:cNvPr id="112" name="Rectangle 111"/>
+          <p:cNvSpPr/>
+          <p:nvPr/>
+        </p:nvSpPr>
+        <p:spPr>
+          <a:xfrm>
+            <a:off x="1993100" y="1439346"/>
+            <a:ext cx="1253786" cy="677739"/>
+          </a:xfrm>
+          <a:prstGeom prst="rect">
+            <a:avLst/>
+          </a:prstGeom>
+          <a:ln/>
+        </p:spPr>
+        <p:style>
+          <a:lnRef idx="2">
+            <a:schemeClr val="dk1"/>
+          </a:lnRef>
+          <a:fillRef idx="1">
+            <a:schemeClr val="lt1"/>
+          </a:fillRef>
+          <a:effectRef idx="0">
+            <a:schemeClr val="dk1"/>
+          </a:effectRef>
+          <a:fontRef idx="minor">
+            <a:schemeClr val="dk1"/>
+          </a:fontRef>
+        </p:style>
+        <p:txBody>
+          <a:bodyPr rtlCol="0" anchor="ctr"/>
+          <a:lstStyle/>
+          <a:p>
+            <a:pPr algn="ctr"/>
+            <a:r>
+              <a:rPr lang="en-US" sz="2800" dirty="0" smtClean="0">
+                <a:solidFill>
+                  <a:schemeClr val="tx1"/>
+                </a:solidFill>
+              </a:rPr>
+              <a:t>SMTP</a:t>
+            </a:r>
+            <a:endParaRPr lang="en-US" sz="2800" dirty="0">
+              <a:solidFill>
+                <a:schemeClr val="tx1"/>
+              </a:solidFill>
+            </a:endParaRPr>
+          </a:p>
+        </p:txBody>
+      </p:sp>
+      <p:sp>
+        <p:nvSpPr>
+          <p:cNvPr id="119" name="Rectangle 118"/>
+          <p:cNvSpPr/>
+          <p:nvPr/>
+        </p:nvSpPr>
+        <p:spPr>
+          <a:xfrm>
+            <a:off x="5131611" y="4784542"/>
+            <a:ext cx="1253786" cy="677739"/>
+          </a:xfrm>
+          <a:prstGeom prst="rect">
+            <a:avLst/>
+          </a:prstGeom>
+          <a:ln/>
+        </p:spPr>
+        <p:style>
+          <a:lnRef idx="2">
+            <a:schemeClr val="dk1"/>
+          </a:lnRef>
+          <a:fillRef idx="1">
+            <a:schemeClr val="lt1"/>
+          </a:fillRef>
+          <a:effectRef idx="0">
+            <a:schemeClr val="dk1"/>
+          </a:effectRef>
+          <a:fontRef idx="minor">
+            <a:schemeClr val="dk1"/>
+          </a:fontRef>
+        </p:style>
+        <p:txBody>
+          <a:bodyPr rtlCol="0" anchor="ctr"/>
+          <a:lstStyle/>
+          <a:p>
+            <a:pPr algn="ctr"/>
+            <a:r>
+              <a:rPr lang="en-US" sz="2800" dirty="0" smtClean="0">
+                <a:solidFill>
+                  <a:schemeClr val="tx1"/>
+                </a:solidFill>
+              </a:rPr>
+              <a:t>SONET</a:t>
+            </a:r>
+            <a:endParaRPr lang="en-US" sz="2800" dirty="0">
+              <a:solidFill>
+                <a:schemeClr val="tx1"/>
+              </a:solidFill>
+            </a:endParaRPr>
+          </a:p>
+        </p:txBody>
+      </p:sp>
+      <p:sp>
+        <p:nvSpPr>
+          <p:cNvPr id="120" name="Rectangle 119"/>
+          <p:cNvSpPr/>
+          <p:nvPr/>
+        </p:nvSpPr>
+        <p:spPr>
+          <a:xfrm>
+            <a:off x="3567980" y="4784542"/>
+            <a:ext cx="1253786" cy="677739"/>
+          </a:xfrm>
+          <a:prstGeom prst="rect">
+            <a:avLst/>
+          </a:prstGeom>
+          <a:ln/>
+        </p:spPr>
+        <p:style>
+          <a:lnRef idx="2">
+            <a:schemeClr val="dk1"/>
+          </a:lnRef>
+          <a:fillRef idx="1">
+            <a:schemeClr val="lt1"/>
+          </a:fillRef>
+          <a:effectRef idx="0">
+            <a:schemeClr val="dk1"/>
+          </a:effectRef>
+          <a:fontRef idx="minor">
+            <a:schemeClr val="dk1"/>
+          </a:fontRef>
+        </p:style>
+        <p:txBody>
+          <a:bodyPr rtlCol="0" anchor="ctr"/>
+          <a:lstStyle/>
+          <a:p>
+            <a:pPr algn="ctr"/>
+            <a:r>
+              <a:rPr lang="en-US" sz="2800" dirty="0" smtClean="0">
+                <a:solidFill>
+                  <a:schemeClr val="tx1"/>
+                </a:solidFill>
+              </a:rPr>
+              <a:t>ATM</a:t>
+            </a:r>
+            <a:endParaRPr lang="en-US" sz="2800" dirty="0">
+              <a:solidFill>
+                <a:schemeClr val="tx1"/>
+              </a:solidFill>
+            </a:endParaRPr>
+          </a:p>
+        </p:txBody>
+      </p:sp>
+      <p:sp>
+        <p:nvSpPr>
+          <p:cNvPr id="121" name="Rectangle 120"/>
+          <p:cNvSpPr/>
+          <p:nvPr/>
+        </p:nvSpPr>
+        <p:spPr>
+          <a:xfrm>
+            <a:off x="445918" y="4784542"/>
+            <a:ext cx="1253786" cy="677739"/>
+          </a:xfrm>
+          <a:prstGeom prst="rect">
+            <a:avLst/>
+          </a:prstGeom>
+          <a:ln/>
+        </p:spPr>
+        <p:style>
+          <a:lnRef idx="2">
+            <a:schemeClr val="dk1"/>
+          </a:lnRef>
+          <a:fillRef idx="1">
+            <a:schemeClr val="lt1"/>
+          </a:fillRef>
+          <a:effectRef idx="0">
+            <a:schemeClr val="dk1"/>
+          </a:effectRef>
+          <a:fontRef idx="minor">
+            <a:schemeClr val="dk1"/>
+          </a:fontRef>
+        </p:style>
+        <p:txBody>
+          <a:bodyPr rtlCol="0" anchor="ctr"/>
+          <a:lstStyle/>
+          <a:p>
+            <a:pPr algn="ctr"/>
+            <a:r>
+              <a:rPr lang="en-US" sz="2800" dirty="0" smtClean="0">
+                <a:solidFill>
+                  <a:schemeClr val="tx1"/>
+                </a:solidFill>
+              </a:rPr>
+              <a:t>802.11</a:t>
+            </a:r>
+            <a:endParaRPr lang="en-US" sz="2800" dirty="0">
+              <a:solidFill>
+                <a:schemeClr val="tx1"/>
+              </a:solidFill>
+            </a:endParaRPr>
+          </a:p>
+        </p:txBody>
+      </p:sp>
+      <p:sp>
+        <p:nvSpPr>
+          <p:cNvPr id="122" name="Rectangle 121"/>
+          <p:cNvSpPr/>
+          <p:nvPr/>
+        </p:nvSpPr>
+        <p:spPr>
+          <a:xfrm>
+            <a:off x="1998020" y="4784542"/>
+            <a:ext cx="1253786" cy="677739"/>
+          </a:xfrm>
+          <a:prstGeom prst="rect">
+            <a:avLst/>
+          </a:prstGeom>
+          <a:ln/>
+        </p:spPr>
+        <p:style>
+          <a:lnRef idx="2">
+            <a:schemeClr val="dk1"/>
+          </a:lnRef>
+          <a:fillRef idx="1">
+            <a:schemeClr val="lt1"/>
+          </a:fillRef>
+          <a:effectRef idx="0">
+            <a:schemeClr val="dk1"/>
+          </a:effectRef>
+          <a:fontRef idx="minor">
+            <a:schemeClr val="dk1"/>
+          </a:fontRef>
+        </p:style>
+        <p:txBody>
+          <a:bodyPr rtlCol="0" anchor="ctr"/>
+          <a:lstStyle/>
+          <a:p>
+            <a:pPr algn="ctr"/>
+            <a:r>
+              <a:rPr lang="en-US" sz="2800" dirty="0" smtClean="0">
+                <a:solidFill>
+                  <a:schemeClr val="tx1"/>
+                </a:solidFill>
+              </a:rPr>
+              <a:t>PPP</a:t>
+            </a:r>
+            <a:endParaRPr lang="en-US" sz="2800" dirty="0">
+              <a:solidFill>
+                <a:schemeClr val="tx1"/>
+              </a:solidFill>
+            </a:endParaRPr>
+          </a:p>
+        </p:txBody>
+      </p:sp>
+    </p:spTree>
+    <p:extLst>
+      <p:ext uri="{BB962C8B-B14F-4D97-AF65-F5344CB8AC3E}">
+        <p14:creationId xmlns:p14="http://schemas.microsoft.com/office/powerpoint/2010/main" val="1867893802"/>
+      </p:ext>
+    </p:extLst>
+  </p:cSld>
+  <p:clrMapOvr>
+    <a:masterClrMapping/>
+  </p:clrMapOvr>
+  <p:timing>
+    <p:tnLst>
+      <p:par>
+        <p:cTn id="1" dur="indefinite" restart="never" nodeType="tmRoot"/>
+      </p:par>
+    </p:tnLst>
+  </p:timing>
+</p:sld>
+</file>
+
+<file path=ppt/slides/slide4.xml><?xml version="1.0" encoding="utf-8"?>
+<p:sld xmlns:a="http://schemas.openxmlformats.org/drawingml/2006/main" xmlns:r="http://schemas.openxmlformats.org/officeDocument/2006/relationships" xmlns:p="http://schemas.openxmlformats.org/presentationml/2006/main">
+  <p:cSld>
+    <p:spTree>
+      <p:nvGrpSpPr>
+        <p:cNvPr id="1" name=""/>
+        <p:cNvGrpSpPr/>
+        <p:nvPr/>
+      </p:nvGrpSpPr>
+      <p:grpSpPr>
+        <a:xfrm>
+          <a:off x="0" y="0"/>
+          <a:ext cx="0" cy="0"/>
+          <a:chOff x="0" y="0"/>
+          <a:chExt cx="0" cy="0"/>
+        </a:xfrm>
+      </p:grpSpPr>
+      <p:pic>
+        <p:nvPicPr>
+          <p:cNvPr id="45" name="Picture 44"/>
+          <p:cNvPicPr>
+            <a:picLocks noChangeAspect="1"/>
+          </p:cNvPicPr>
+          <p:nvPr/>
+        </p:nvPicPr>
+        <p:blipFill>
+          <a:blip r:embed="rId2">
+            <a:extLst>
+              <a:ext uri="{28A0092B-C50C-407E-A947-70E740481C1C}">
+                <a14:useLocalDpi xmlns:a14="http://schemas.microsoft.com/office/drawing/2010/main" val="0"/>
+              </a:ext>
+            </a:extLst>
+          </a:blip>
+          <a:stretch>
+            <a:fillRect/>
+          </a:stretch>
+        </p:blipFill>
+        <p:spPr>
+          <a:xfrm>
+            <a:off x="1431830" y="1150388"/>
+            <a:ext cx="1199438" cy="846911"/>
+          </a:xfrm>
+          <a:prstGeom prst="rect">
+            <a:avLst/>
+          </a:prstGeom>
+        </p:spPr>
+      </p:pic>
+      <p:sp>
+        <p:nvSpPr>
+          <p:cNvPr id="46" name="Can 45"/>
+          <p:cNvSpPr/>
+          <p:nvPr/>
+        </p:nvSpPr>
+        <p:spPr>
+          <a:xfrm>
+            <a:off x="4992107" y="2896329"/>
+            <a:ext cx="3274142" cy="2143658"/>
+          </a:xfrm>
+          <a:prstGeom prst="can">
+            <a:avLst/>
+          </a:prstGeom>
+          <a:ln w="28575">
+            <a:solidFill>
+              <a:srgbClr val="00B0F0"/>
+            </a:solidFill>
+          </a:ln>
+        </p:spPr>
+        <p:style>
+          <a:lnRef idx="2">
+            <a:schemeClr val="accent1"/>
+          </a:lnRef>
+          <a:fillRef idx="1">
+            <a:schemeClr val="lt1"/>
+          </a:fillRef>
+          <a:effectRef idx="0">
+            <a:schemeClr val="accent1"/>
+          </a:effectRef>
+          <a:fontRef idx="minor">
+            <a:schemeClr val="dk1"/>
+          </a:fontRef>
+        </p:style>
+        <p:txBody>
+          <a:bodyPr rtlCol="0" anchor="ctr"/>
+          <a:lstStyle/>
+          <a:p>
+            <a:pPr algn="ctr"/>
+            <a:endParaRPr lang="en-US"/>
+          </a:p>
+        </p:txBody>
+      </p:sp>
+      <p:sp>
+        <p:nvSpPr>
+          <p:cNvPr id="47" name="TextBox 46"/>
+          <p:cNvSpPr txBox="1"/>
+          <p:nvPr/>
+        </p:nvSpPr>
+        <p:spPr>
+          <a:xfrm>
+            <a:off x="5833315" y="2939065"/>
+            <a:ext cx="1593513" cy="400110"/>
+          </a:xfrm>
+          <a:prstGeom prst="rect">
+            <a:avLst/>
+          </a:prstGeom>
+          <a:noFill/>
+        </p:spPr>
+        <p:txBody>
+          <a:bodyPr wrap="none" rtlCol="0">
+            <a:spAutoFit/>
+          </a:bodyPr>
+          <a:lstStyle/>
+          <a:p>
+            <a:pPr algn="ctr"/>
+            <a:r>
+              <a:rPr lang="en-US" dirty="0" smtClean="0"/>
+              <a:t>Blo</a:t>
+            </a:r>
+            <a:r>
+              <a:rPr lang="en-US" sz="2000" dirty="0" smtClean="0"/>
+              <a:t>ckstack DB</a:t>
+            </a:r>
+          </a:p>
+        </p:txBody>
+      </p:sp>
+      <p:grpSp>
+        <p:nvGrpSpPr>
+          <p:cNvPr id="48" name="Group 47"/>
+          <p:cNvGrpSpPr/>
+          <p:nvPr/>
+        </p:nvGrpSpPr>
+        <p:grpSpPr>
+          <a:xfrm>
+            <a:off x="5211032" y="3471922"/>
+            <a:ext cx="828212" cy="1305857"/>
+            <a:chOff x="4186239" y="3607814"/>
+            <a:chExt cx="828212" cy="1305857"/>
+          </a:xfrm>
+        </p:grpSpPr>
+        <p:sp>
+          <p:nvSpPr>
+            <p:cNvPr id="49" name="Rectangle 48"/>
+            <p:cNvSpPr/>
+            <p:nvPr/>
+          </p:nvSpPr>
+          <p:spPr>
+            <a:xfrm>
+              <a:off x="4186239" y="3975032"/>
+              <a:ext cx="828212" cy="265129"/>
+            </a:xfrm>
+            <a:prstGeom prst="rect">
+              <a:avLst/>
+            </a:prstGeom>
+            <a:solidFill>
+              <a:srgbClr val="CFE7F1"/>
+            </a:solidFill>
+            <a:ln w="19050">
+              <a:solidFill>
+                <a:srgbClr val="00B0F0"/>
+              </a:solidFill>
+            </a:ln>
+          </p:spPr>
+          <p:style>
+            <a:lnRef idx="2">
+              <a:schemeClr val="accent1">
+                <a:shade val="50000"/>
+              </a:schemeClr>
+            </a:lnRef>
+            <a:fillRef idx="1">
+              <a:schemeClr val="accent1"/>
+            </a:fillRef>
+            <a:effectRef idx="0">
+              <a:schemeClr val="accent1"/>
+            </a:effectRef>
+            <a:fontRef idx="minor">
+              <a:schemeClr val="lt1"/>
+            </a:fontRef>
+          </p:style>
+          <p:txBody>
+            <a:bodyPr rtlCol="0" anchor="ctr"/>
+            <a:lstStyle/>
+            <a:p>
+              <a:pPr algn="ctr"/>
+              <a:endParaRPr lang="en-US" sz="2800" dirty="0">
+                <a:solidFill>
+                  <a:schemeClr val="tx1"/>
+                </a:solidFill>
+              </a:endParaRPr>
+            </a:p>
+          </p:txBody>
+        </p:sp>
+        <p:sp>
+          <p:nvSpPr>
+            <p:cNvPr id="50" name="Rectangle 49"/>
+            <p:cNvSpPr/>
+            <p:nvPr/>
+          </p:nvSpPr>
+          <p:spPr>
+            <a:xfrm>
+              <a:off x="4186239" y="4311787"/>
+              <a:ext cx="828212" cy="265129"/>
+            </a:xfrm>
+            <a:prstGeom prst="rect">
+              <a:avLst/>
+            </a:prstGeom>
+            <a:solidFill>
+              <a:srgbClr val="CFE7F1"/>
+            </a:solidFill>
+            <a:ln w="19050">
+              <a:solidFill>
+                <a:srgbClr val="00B0F0"/>
+              </a:solidFill>
+            </a:ln>
+          </p:spPr>
+          <p:style>
+            <a:lnRef idx="2">
+              <a:schemeClr val="accent1">
+                <a:shade val="50000"/>
+              </a:schemeClr>
+            </a:lnRef>
+            <a:fillRef idx="1">
+              <a:schemeClr val="accent1"/>
+            </a:fillRef>
+            <a:effectRef idx="0">
+              <a:schemeClr val="accent1"/>
+            </a:effectRef>
+            <a:fontRef idx="minor">
+              <a:schemeClr val="lt1"/>
+            </a:fontRef>
+          </p:style>
+          <p:txBody>
+            <a:bodyPr rtlCol="0" anchor="ctr"/>
+            <a:lstStyle/>
+            <a:p>
+              <a:pPr algn="ctr"/>
+              <a:endParaRPr lang="en-US" sz="2800" dirty="0">
+                <a:solidFill>
+                  <a:schemeClr val="tx1"/>
+                </a:solidFill>
+              </a:endParaRPr>
+            </a:p>
+          </p:txBody>
+        </p:sp>
+        <p:sp>
+          <p:nvSpPr>
+            <p:cNvPr id="51" name="Rectangle 50"/>
+            <p:cNvSpPr/>
+            <p:nvPr/>
+          </p:nvSpPr>
+          <p:spPr>
+            <a:xfrm>
+              <a:off x="4186239" y="4648542"/>
+              <a:ext cx="828212" cy="265129"/>
+            </a:xfrm>
+            <a:prstGeom prst="rect">
+              <a:avLst/>
+            </a:prstGeom>
+            <a:solidFill>
+              <a:srgbClr val="CFE7F1"/>
+            </a:solidFill>
+            <a:ln w="19050">
+              <a:solidFill>
+                <a:srgbClr val="00B0F0"/>
+              </a:solidFill>
+            </a:ln>
+          </p:spPr>
+          <p:style>
+            <a:lnRef idx="2">
+              <a:schemeClr val="accent1">
+                <a:shade val="50000"/>
+              </a:schemeClr>
+            </a:lnRef>
+            <a:fillRef idx="1">
+              <a:schemeClr val="accent1"/>
+            </a:fillRef>
+            <a:effectRef idx="0">
+              <a:schemeClr val="accent1"/>
+            </a:effectRef>
+            <a:fontRef idx="minor">
+              <a:schemeClr val="lt1"/>
+            </a:fontRef>
+          </p:style>
+          <p:txBody>
+            <a:bodyPr rtlCol="0" anchor="ctr"/>
+            <a:lstStyle/>
+            <a:p>
+              <a:pPr algn="ctr"/>
+              <a:endParaRPr lang="en-US" sz="2800" dirty="0">
+                <a:solidFill>
+                  <a:schemeClr val="tx1"/>
+                </a:solidFill>
+              </a:endParaRPr>
+            </a:p>
+          </p:txBody>
+        </p:sp>
+        <p:sp>
+          <p:nvSpPr>
+            <p:cNvPr id="52" name="TextBox 51"/>
+            <p:cNvSpPr txBox="1"/>
+            <p:nvPr/>
+          </p:nvSpPr>
+          <p:spPr>
+            <a:xfrm>
+              <a:off x="4228288" y="3607814"/>
+              <a:ext cx="744114" cy="369332"/>
+            </a:xfrm>
+            <a:prstGeom prst="rect">
+              <a:avLst/>
+            </a:prstGeom>
+            <a:noFill/>
+          </p:spPr>
+          <p:txBody>
+            <a:bodyPr wrap="none" rtlCol="0">
+              <a:spAutoFit/>
+            </a:bodyPr>
+            <a:lstStyle/>
+            <a:p>
+              <a:pPr algn="ctr"/>
+              <a:r>
+                <a:rPr lang="en-US" dirty="0" smtClean="0"/>
+                <a:t>Name</a:t>
+              </a:r>
+              <a:endParaRPr lang="en-US" dirty="0"/>
+            </a:p>
+          </p:txBody>
+        </p:sp>
+      </p:grpSp>
+      <p:grpSp>
+        <p:nvGrpSpPr>
+          <p:cNvPr id="53" name="Group 52"/>
+          <p:cNvGrpSpPr/>
+          <p:nvPr/>
+        </p:nvGrpSpPr>
+        <p:grpSpPr>
+          <a:xfrm>
+            <a:off x="6215966" y="3471922"/>
+            <a:ext cx="828212" cy="1305857"/>
+            <a:chOff x="4186239" y="3607814"/>
+            <a:chExt cx="828212" cy="1305857"/>
+          </a:xfrm>
+        </p:grpSpPr>
+        <p:sp>
+          <p:nvSpPr>
+            <p:cNvPr id="54" name="Rectangle 53"/>
+            <p:cNvSpPr/>
+            <p:nvPr/>
+          </p:nvSpPr>
+          <p:spPr>
+            <a:xfrm>
+              <a:off x="4186239" y="3975032"/>
+              <a:ext cx="828212" cy="265129"/>
+            </a:xfrm>
+            <a:prstGeom prst="rect">
+              <a:avLst/>
+            </a:prstGeom>
+            <a:solidFill>
+              <a:srgbClr val="CFE7F1"/>
+            </a:solidFill>
+            <a:ln w="19050">
+              <a:solidFill>
+                <a:srgbClr val="00B0F0"/>
+              </a:solidFill>
+            </a:ln>
+          </p:spPr>
+          <p:style>
+            <a:lnRef idx="2">
+              <a:schemeClr val="accent1">
+                <a:shade val="50000"/>
+              </a:schemeClr>
+            </a:lnRef>
+            <a:fillRef idx="1">
+              <a:schemeClr val="accent1"/>
+            </a:fillRef>
+            <a:effectRef idx="0">
+              <a:schemeClr val="accent1"/>
+            </a:effectRef>
+            <a:fontRef idx="minor">
+              <a:schemeClr val="lt1"/>
+            </a:fontRef>
+          </p:style>
+          <p:txBody>
+            <a:bodyPr rtlCol="0" anchor="ctr"/>
+            <a:lstStyle/>
+            <a:p>
+              <a:pPr algn="ctr"/>
+              <a:endParaRPr lang="en-US" sz="2800" dirty="0">
+                <a:solidFill>
+                  <a:schemeClr val="tx1"/>
+                </a:solidFill>
+              </a:endParaRPr>
+            </a:p>
+          </p:txBody>
+        </p:sp>
+        <p:sp>
+          <p:nvSpPr>
+            <p:cNvPr id="55" name="Rectangle 54"/>
+            <p:cNvSpPr/>
+            <p:nvPr/>
+          </p:nvSpPr>
+          <p:spPr>
+            <a:xfrm>
+              <a:off x="4186239" y="4311787"/>
+              <a:ext cx="828212" cy="265129"/>
+            </a:xfrm>
+            <a:prstGeom prst="rect">
+              <a:avLst/>
+            </a:prstGeom>
+            <a:solidFill>
+              <a:srgbClr val="CFE7F1"/>
+            </a:solidFill>
+            <a:ln w="19050">
+              <a:solidFill>
+                <a:srgbClr val="00B0F0"/>
+              </a:solidFill>
+            </a:ln>
+          </p:spPr>
+          <p:style>
+            <a:lnRef idx="2">
+              <a:schemeClr val="accent1">
+                <a:shade val="50000"/>
+              </a:schemeClr>
+            </a:lnRef>
+            <a:fillRef idx="1">
+              <a:schemeClr val="accent1"/>
+            </a:fillRef>
+            <a:effectRef idx="0">
+              <a:schemeClr val="accent1"/>
+            </a:effectRef>
+            <a:fontRef idx="minor">
+              <a:schemeClr val="lt1"/>
+            </a:fontRef>
+          </p:style>
+          <p:txBody>
+            <a:bodyPr rtlCol="0" anchor="ctr"/>
+            <a:lstStyle/>
+            <a:p>
+              <a:pPr algn="ctr"/>
+              <a:endParaRPr lang="en-US" sz="2800" dirty="0">
+                <a:solidFill>
+                  <a:schemeClr val="tx1"/>
+                </a:solidFill>
+              </a:endParaRPr>
+            </a:p>
+          </p:txBody>
+        </p:sp>
+        <p:sp>
+          <p:nvSpPr>
+            <p:cNvPr id="56" name="Rectangle 55"/>
+            <p:cNvSpPr/>
+            <p:nvPr/>
+          </p:nvSpPr>
+          <p:spPr>
+            <a:xfrm>
+              <a:off x="4186239" y="4648542"/>
+              <a:ext cx="828212" cy="265129"/>
+            </a:xfrm>
+            <a:prstGeom prst="rect">
+              <a:avLst/>
+            </a:prstGeom>
+            <a:solidFill>
+              <a:srgbClr val="CFE7F1"/>
+            </a:solidFill>
+            <a:ln w="19050">
+              <a:solidFill>
+                <a:srgbClr val="00B0F0"/>
+              </a:solidFill>
+            </a:ln>
+          </p:spPr>
+          <p:style>
+            <a:lnRef idx="2">
+              <a:schemeClr val="accent1">
+                <a:shade val="50000"/>
+              </a:schemeClr>
+            </a:lnRef>
+            <a:fillRef idx="1">
+              <a:schemeClr val="accent1"/>
+            </a:fillRef>
+            <a:effectRef idx="0">
+              <a:schemeClr val="accent1"/>
+            </a:effectRef>
+            <a:fontRef idx="minor">
+              <a:schemeClr val="lt1"/>
+            </a:fontRef>
+          </p:style>
+          <p:txBody>
+            <a:bodyPr rtlCol="0" anchor="ctr"/>
+            <a:lstStyle/>
+            <a:p>
+              <a:pPr algn="ctr"/>
+              <a:endParaRPr lang="en-US" sz="2800" dirty="0">
+                <a:solidFill>
+                  <a:schemeClr val="tx1"/>
+                </a:solidFill>
+              </a:endParaRPr>
+            </a:p>
+          </p:txBody>
+        </p:sp>
+        <p:sp>
+          <p:nvSpPr>
+            <p:cNvPr id="57" name="TextBox 56"/>
+            <p:cNvSpPr txBox="1"/>
+            <p:nvPr/>
+          </p:nvSpPr>
+          <p:spPr>
+            <a:xfrm>
+              <a:off x="4225082" y="3607814"/>
+              <a:ext cx="750526" cy="369332"/>
+            </a:xfrm>
+            <a:prstGeom prst="rect">
+              <a:avLst/>
+            </a:prstGeom>
+            <a:noFill/>
+          </p:spPr>
+          <p:txBody>
+            <a:bodyPr wrap="none" rtlCol="0">
+              <a:spAutoFit/>
+            </a:bodyPr>
+            <a:lstStyle/>
+            <a:p>
+              <a:pPr algn="ctr"/>
+              <a:r>
+                <a:rPr lang="en-US" dirty="0" smtClean="0"/>
+                <a:t>Public</a:t>
+              </a:r>
+              <a:endParaRPr lang="en-US" dirty="0"/>
+            </a:p>
+          </p:txBody>
+        </p:sp>
+      </p:grpSp>
+      <p:grpSp>
+        <p:nvGrpSpPr>
+          <p:cNvPr id="58" name="Group 57"/>
+          <p:cNvGrpSpPr/>
+          <p:nvPr/>
+        </p:nvGrpSpPr>
+        <p:grpSpPr>
+          <a:xfrm>
+            <a:off x="7233454" y="3451340"/>
+            <a:ext cx="828212" cy="1305857"/>
+            <a:chOff x="4186239" y="3607814"/>
+            <a:chExt cx="828212" cy="1305857"/>
+          </a:xfrm>
+        </p:grpSpPr>
+        <p:sp>
+          <p:nvSpPr>
+            <p:cNvPr id="59" name="Rectangle 58"/>
+            <p:cNvSpPr/>
+            <p:nvPr/>
+          </p:nvSpPr>
+          <p:spPr>
+            <a:xfrm>
+              <a:off x="4186239" y="3975032"/>
+              <a:ext cx="828212" cy="265129"/>
+            </a:xfrm>
+            <a:prstGeom prst="rect">
+              <a:avLst/>
+            </a:prstGeom>
+            <a:solidFill>
+              <a:srgbClr val="CFE7F1"/>
+            </a:solidFill>
+            <a:ln w="19050">
+              <a:solidFill>
+                <a:srgbClr val="00B0F0"/>
+              </a:solidFill>
+            </a:ln>
+          </p:spPr>
+          <p:style>
+            <a:lnRef idx="2">
+              <a:schemeClr val="accent1">
+                <a:shade val="50000"/>
+              </a:schemeClr>
+            </a:lnRef>
+            <a:fillRef idx="1">
+              <a:schemeClr val="accent1"/>
+            </a:fillRef>
+            <a:effectRef idx="0">
+              <a:schemeClr val="accent1"/>
+            </a:effectRef>
+            <a:fontRef idx="minor">
+              <a:schemeClr val="lt1"/>
+            </a:fontRef>
+          </p:style>
+          <p:txBody>
+            <a:bodyPr rtlCol="0" anchor="ctr"/>
+            <a:lstStyle/>
+            <a:p>
+              <a:pPr algn="ctr"/>
+              <a:endParaRPr lang="en-US" sz="2800" dirty="0">
+                <a:solidFill>
+                  <a:schemeClr val="tx1"/>
+                </a:solidFill>
+              </a:endParaRPr>
+            </a:p>
+          </p:txBody>
+        </p:sp>
+        <p:sp>
+          <p:nvSpPr>
+            <p:cNvPr id="60" name="Rectangle 59"/>
+            <p:cNvSpPr/>
+            <p:nvPr/>
+          </p:nvSpPr>
+          <p:spPr>
+            <a:xfrm>
+              <a:off x="4186239" y="4311787"/>
+              <a:ext cx="828212" cy="265129"/>
+            </a:xfrm>
+            <a:prstGeom prst="rect">
+              <a:avLst/>
+            </a:prstGeom>
+            <a:solidFill>
+              <a:srgbClr val="CFE7F1"/>
+            </a:solidFill>
+            <a:ln w="19050">
+              <a:solidFill>
+                <a:srgbClr val="00B0F0"/>
+              </a:solidFill>
+            </a:ln>
+          </p:spPr>
+          <p:style>
+            <a:lnRef idx="2">
+              <a:schemeClr val="accent1">
+                <a:shade val="50000"/>
+              </a:schemeClr>
+            </a:lnRef>
+            <a:fillRef idx="1">
+              <a:schemeClr val="accent1"/>
+            </a:fillRef>
+            <a:effectRef idx="0">
+              <a:schemeClr val="accent1"/>
+            </a:effectRef>
+            <a:fontRef idx="minor">
+              <a:schemeClr val="lt1"/>
+            </a:fontRef>
+          </p:style>
+          <p:txBody>
+            <a:bodyPr rtlCol="0" anchor="ctr"/>
+            <a:lstStyle/>
+            <a:p>
+              <a:pPr algn="ctr"/>
+              <a:endParaRPr lang="en-US" sz="2800" dirty="0">
+                <a:solidFill>
+                  <a:schemeClr val="tx1"/>
+                </a:solidFill>
+              </a:endParaRPr>
+            </a:p>
+          </p:txBody>
+        </p:sp>
+        <p:sp>
+          <p:nvSpPr>
+            <p:cNvPr id="61" name="Rectangle 60"/>
+            <p:cNvSpPr/>
+            <p:nvPr/>
+          </p:nvSpPr>
+          <p:spPr>
+            <a:xfrm>
+              <a:off x="4186239" y="4648542"/>
+              <a:ext cx="828212" cy="265129"/>
+            </a:xfrm>
+            <a:prstGeom prst="rect">
+              <a:avLst/>
+            </a:prstGeom>
+            <a:solidFill>
+              <a:srgbClr val="CFE7F1"/>
+            </a:solidFill>
+            <a:ln w="19050">
+              <a:solidFill>
+                <a:srgbClr val="00B0F0"/>
+              </a:solidFill>
+            </a:ln>
+          </p:spPr>
+          <p:style>
+            <a:lnRef idx="2">
+              <a:schemeClr val="accent1">
+                <a:shade val="50000"/>
+              </a:schemeClr>
+            </a:lnRef>
+            <a:fillRef idx="1">
+              <a:schemeClr val="accent1"/>
+            </a:fillRef>
+            <a:effectRef idx="0">
+              <a:schemeClr val="accent1"/>
+            </a:effectRef>
+            <a:fontRef idx="minor">
+              <a:schemeClr val="lt1"/>
+            </a:fontRef>
+          </p:style>
+          <p:txBody>
+            <a:bodyPr rtlCol="0" anchor="ctr"/>
+            <a:lstStyle/>
+            <a:p>
+              <a:pPr algn="ctr"/>
+              <a:endParaRPr lang="en-US" sz="2800" dirty="0">
+                <a:solidFill>
+                  <a:schemeClr val="tx1"/>
+                </a:solidFill>
+              </a:endParaRPr>
+            </a:p>
+          </p:txBody>
+        </p:sp>
+        <p:sp>
+          <p:nvSpPr>
+            <p:cNvPr id="62" name="TextBox 61"/>
+            <p:cNvSpPr txBox="1"/>
+            <p:nvPr/>
+          </p:nvSpPr>
+          <p:spPr>
+            <a:xfrm>
+              <a:off x="4230949" y="3607814"/>
+              <a:ext cx="738792" cy="369332"/>
+            </a:xfrm>
+            <a:prstGeom prst="rect">
+              <a:avLst/>
+            </a:prstGeom>
+            <a:noFill/>
+          </p:spPr>
+          <p:txBody>
+            <a:bodyPr wrap="none" rtlCol="0">
+              <a:spAutoFit/>
+            </a:bodyPr>
+            <a:lstStyle/>
+            <a:p>
+              <a:pPr algn="ctr"/>
+              <a:r>
+                <a:rPr lang="en-US" dirty="0" smtClean="0"/>
+                <a:t>Route</a:t>
+              </a:r>
+              <a:endParaRPr lang="en-US" dirty="0"/>
+            </a:p>
+          </p:txBody>
+        </p:sp>
+      </p:grpSp>
+      <p:sp>
+        <p:nvSpPr>
+          <p:cNvPr id="63" name="Rectangle 62"/>
+          <p:cNvSpPr/>
+          <p:nvPr/>
+        </p:nvSpPr>
+        <p:spPr>
+          <a:xfrm>
+            <a:off x="1803056" y="5517536"/>
+            <a:ext cx="828212" cy="768227"/>
+          </a:xfrm>
+          <a:prstGeom prst="rect">
+            <a:avLst/>
+          </a:prstGeom>
+          <a:solidFill>
+            <a:srgbClr val="CFE7F1"/>
+          </a:solidFill>
+          <a:ln w="19050">
+            <a:noFill/>
+          </a:ln>
+        </p:spPr>
+        <p:style>
+          <a:lnRef idx="2">
+            <a:schemeClr val="accent1">
+              <a:shade val="50000"/>
+            </a:schemeClr>
+          </a:lnRef>
+          <a:fillRef idx="1">
+            <a:schemeClr val="accent1"/>
+          </a:fillRef>
+          <a:effectRef idx="0">
+            <a:schemeClr val="accent1"/>
+          </a:effectRef>
+          <a:fontRef idx="minor">
+            <a:schemeClr val="lt1"/>
+          </a:fontRef>
+        </p:style>
+        <p:txBody>
+          <a:bodyPr rtlCol="0" anchor="ctr"/>
+          <a:lstStyle/>
+          <a:p>
+            <a:pPr algn="ctr"/>
+            <a:endParaRPr lang="en-US" sz="2800" dirty="0">
+              <a:solidFill>
+                <a:schemeClr val="tx1"/>
+              </a:solidFill>
+            </a:endParaRPr>
+          </a:p>
+        </p:txBody>
+      </p:sp>
+      <p:sp>
+        <p:nvSpPr>
+          <p:cNvPr id="64" name="Rectangle 63"/>
+          <p:cNvSpPr/>
+          <p:nvPr/>
+        </p:nvSpPr>
+        <p:spPr>
+          <a:xfrm>
+            <a:off x="2972513" y="5517537"/>
+            <a:ext cx="828212" cy="768227"/>
+          </a:xfrm>
+          <a:prstGeom prst="rect">
+            <a:avLst/>
+          </a:prstGeom>
+          <a:solidFill>
+            <a:srgbClr val="CFE7F1"/>
+          </a:solidFill>
+          <a:ln w="19050">
+            <a:noFill/>
+          </a:ln>
+        </p:spPr>
+        <p:style>
+          <a:lnRef idx="2">
+            <a:schemeClr val="accent1">
+              <a:shade val="50000"/>
+            </a:schemeClr>
+          </a:lnRef>
+          <a:fillRef idx="1">
+            <a:schemeClr val="accent1"/>
+          </a:fillRef>
+          <a:effectRef idx="0">
+            <a:schemeClr val="accent1"/>
+          </a:effectRef>
+          <a:fontRef idx="minor">
+            <a:schemeClr val="lt1"/>
+          </a:fontRef>
+        </p:style>
+        <p:txBody>
+          <a:bodyPr rtlCol="0" anchor="ctr"/>
+          <a:lstStyle/>
+          <a:p>
+            <a:pPr algn="ctr"/>
+            <a:endParaRPr lang="en-US" sz="2800" dirty="0">
+              <a:solidFill>
+                <a:schemeClr val="tx1"/>
+              </a:solidFill>
+            </a:endParaRPr>
+          </a:p>
+        </p:txBody>
+      </p:sp>
+      <p:sp>
+        <p:nvSpPr>
+          <p:cNvPr id="65" name="Rectangle 64"/>
+          <p:cNvSpPr/>
+          <p:nvPr/>
+        </p:nvSpPr>
+        <p:spPr>
+          <a:xfrm>
+            <a:off x="4141970" y="5545886"/>
+            <a:ext cx="828212" cy="768227"/>
+          </a:xfrm>
+          <a:prstGeom prst="rect">
+            <a:avLst/>
+          </a:prstGeom>
+          <a:solidFill>
+            <a:srgbClr val="CFE7F1"/>
+          </a:solidFill>
+          <a:ln w="19050">
+            <a:noFill/>
+          </a:ln>
+        </p:spPr>
+        <p:style>
+          <a:lnRef idx="2">
+            <a:schemeClr val="accent1">
+              <a:shade val="50000"/>
+            </a:schemeClr>
+          </a:lnRef>
+          <a:fillRef idx="1">
+            <a:schemeClr val="accent1"/>
+          </a:fillRef>
+          <a:effectRef idx="0">
+            <a:schemeClr val="accent1"/>
+          </a:effectRef>
+          <a:fontRef idx="minor">
+            <a:schemeClr val="lt1"/>
+          </a:fontRef>
+        </p:style>
+        <p:txBody>
+          <a:bodyPr rtlCol="0" anchor="ctr"/>
+          <a:lstStyle/>
+          <a:p>
+            <a:pPr algn="ctr"/>
+            <a:endParaRPr lang="en-US" sz="2800" dirty="0">
+              <a:solidFill>
+                <a:schemeClr val="tx1"/>
+              </a:solidFill>
+            </a:endParaRPr>
+          </a:p>
+        </p:txBody>
+      </p:sp>
+      <p:sp>
+        <p:nvSpPr>
+          <p:cNvPr id="66" name="Rectangle 65"/>
+          <p:cNvSpPr/>
+          <p:nvPr/>
+        </p:nvSpPr>
+        <p:spPr>
+          <a:xfrm>
+            <a:off x="5229598" y="5549000"/>
+            <a:ext cx="828212" cy="768227"/>
+          </a:xfrm>
+          <a:prstGeom prst="rect">
+            <a:avLst/>
+          </a:prstGeom>
+          <a:solidFill>
+            <a:srgbClr val="CFE7F1"/>
+          </a:solidFill>
+          <a:ln w="19050">
+            <a:noFill/>
+          </a:ln>
+        </p:spPr>
+        <p:style>
+          <a:lnRef idx="2">
+            <a:schemeClr val="accent1">
+              <a:shade val="50000"/>
+            </a:schemeClr>
+          </a:lnRef>
+          <a:fillRef idx="1">
+            <a:schemeClr val="accent1"/>
+          </a:fillRef>
+          <a:effectRef idx="0">
+            <a:schemeClr val="accent1"/>
+          </a:effectRef>
+          <a:fontRef idx="minor">
+            <a:schemeClr val="lt1"/>
+          </a:fontRef>
+        </p:style>
+        <p:txBody>
+          <a:bodyPr rtlCol="0" anchor="ctr"/>
+          <a:lstStyle/>
+          <a:p>
+            <a:pPr algn="ctr"/>
+            <a:endParaRPr lang="en-US" sz="2800" dirty="0">
+              <a:solidFill>
+                <a:schemeClr val="tx1"/>
+              </a:solidFill>
+            </a:endParaRPr>
+          </a:p>
+        </p:txBody>
+      </p:sp>
+      <p:sp>
+        <p:nvSpPr>
+          <p:cNvPr id="67" name="Rectangle 66"/>
+          <p:cNvSpPr/>
+          <p:nvPr/>
+        </p:nvSpPr>
+        <p:spPr>
+          <a:xfrm>
+            <a:off x="6327058" y="5545887"/>
+            <a:ext cx="828212" cy="768227"/>
+          </a:xfrm>
+          <a:prstGeom prst="rect">
+            <a:avLst/>
+          </a:prstGeom>
+          <a:solidFill>
+            <a:srgbClr val="CFE7F1"/>
+          </a:solidFill>
+          <a:ln w="19050">
+            <a:noFill/>
+          </a:ln>
+        </p:spPr>
+        <p:style>
+          <a:lnRef idx="2">
+            <a:schemeClr val="accent1">
+              <a:shade val="50000"/>
+            </a:schemeClr>
+          </a:lnRef>
+          <a:fillRef idx="1">
+            <a:schemeClr val="accent1"/>
+          </a:fillRef>
+          <a:effectRef idx="0">
+            <a:schemeClr val="accent1"/>
+          </a:effectRef>
+          <a:fontRef idx="minor">
+            <a:schemeClr val="lt1"/>
+          </a:fontRef>
+        </p:style>
+        <p:txBody>
+          <a:bodyPr rtlCol="0" anchor="ctr"/>
+          <a:lstStyle/>
+          <a:p>
+            <a:pPr algn="ctr"/>
+            <a:endParaRPr lang="en-US" sz="2800" dirty="0">
+              <a:solidFill>
+                <a:schemeClr val="tx1"/>
+              </a:solidFill>
+            </a:endParaRPr>
+          </a:p>
+        </p:txBody>
+      </p:sp>
+      <p:sp>
+        <p:nvSpPr>
+          <p:cNvPr id="68" name="Rectangle 67"/>
+          <p:cNvSpPr/>
+          <p:nvPr/>
+        </p:nvSpPr>
+        <p:spPr>
+          <a:xfrm>
+            <a:off x="7424518" y="5545886"/>
+            <a:ext cx="828212" cy="768227"/>
+          </a:xfrm>
+          <a:prstGeom prst="rect">
+            <a:avLst/>
+          </a:prstGeom>
+          <a:solidFill>
+            <a:srgbClr val="CFE7F1"/>
+          </a:solidFill>
+          <a:ln w="19050">
+            <a:noFill/>
+          </a:ln>
+        </p:spPr>
+        <p:style>
+          <a:lnRef idx="2">
+            <a:schemeClr val="accent1">
+              <a:shade val="50000"/>
+            </a:schemeClr>
+          </a:lnRef>
+          <a:fillRef idx="1">
+            <a:schemeClr val="accent1"/>
+          </a:fillRef>
+          <a:effectRef idx="0">
+            <a:schemeClr val="accent1"/>
+          </a:effectRef>
+          <a:fontRef idx="minor">
+            <a:schemeClr val="lt1"/>
+          </a:fontRef>
+        </p:style>
+        <p:txBody>
+          <a:bodyPr rtlCol="0" anchor="ctr"/>
+          <a:lstStyle/>
+          <a:p>
+            <a:pPr algn="ctr"/>
+            <a:endParaRPr lang="en-US" sz="2800" dirty="0">
+              <a:solidFill>
+                <a:schemeClr val="tx1"/>
+              </a:solidFill>
+            </a:endParaRPr>
+          </a:p>
+        </p:txBody>
+      </p:sp>
+      <p:sp>
+        <p:nvSpPr>
+          <p:cNvPr id="69" name="Rectangle 68"/>
+          <p:cNvSpPr/>
+          <p:nvPr/>
+        </p:nvSpPr>
+        <p:spPr>
+          <a:xfrm>
+            <a:off x="3191996" y="5517535"/>
+            <a:ext cx="117709" cy="768227"/>
+          </a:xfrm>
+          <a:prstGeom prst="rect">
+            <a:avLst/>
+          </a:prstGeom>
+          <a:solidFill>
+            <a:srgbClr val="00B0F0"/>
+          </a:solidFill>
+          <a:ln w="19050">
+            <a:noFill/>
+          </a:ln>
+        </p:spPr>
+        <p:style>
+          <a:lnRef idx="2">
+            <a:schemeClr val="accent1">
+              <a:shade val="50000"/>
+            </a:schemeClr>
+          </a:lnRef>
+          <a:fillRef idx="1">
+            <a:schemeClr val="accent1"/>
+          </a:fillRef>
+          <a:effectRef idx="0">
+            <a:schemeClr val="accent1"/>
+          </a:effectRef>
+          <a:fontRef idx="minor">
+            <a:schemeClr val="lt1"/>
+          </a:fontRef>
+        </p:style>
+        <p:txBody>
+          <a:bodyPr rtlCol="0" anchor="ctr"/>
+          <a:lstStyle/>
+          <a:p>
+            <a:pPr algn="ctr"/>
+            <a:endParaRPr lang="en-US" sz="2800" dirty="0">
+              <a:solidFill>
+                <a:schemeClr val="tx1"/>
+              </a:solidFill>
+            </a:endParaRPr>
+          </a:p>
+        </p:txBody>
+      </p:sp>
+      <p:sp>
+        <p:nvSpPr>
+          <p:cNvPr id="70" name="Rectangle 69"/>
+          <p:cNvSpPr/>
+          <p:nvPr/>
+        </p:nvSpPr>
+        <p:spPr>
+          <a:xfrm>
+            <a:off x="3421473" y="5517535"/>
+            <a:ext cx="117709" cy="768227"/>
+          </a:xfrm>
+          <a:prstGeom prst="rect">
+            <a:avLst/>
+          </a:prstGeom>
+          <a:solidFill>
+            <a:srgbClr val="00B0F0"/>
+          </a:solidFill>
+          <a:ln w="19050">
+            <a:noFill/>
+          </a:ln>
+        </p:spPr>
+        <p:style>
+          <a:lnRef idx="2">
+            <a:schemeClr val="accent1">
+              <a:shade val="50000"/>
+            </a:schemeClr>
+          </a:lnRef>
+          <a:fillRef idx="1">
+            <a:schemeClr val="accent1"/>
+          </a:fillRef>
+          <a:effectRef idx="0">
+            <a:schemeClr val="accent1"/>
+          </a:effectRef>
+          <a:fontRef idx="minor">
+            <a:schemeClr val="lt1"/>
+          </a:fontRef>
+        </p:style>
+        <p:txBody>
+          <a:bodyPr rtlCol="0" anchor="ctr"/>
+          <a:lstStyle/>
+          <a:p>
+            <a:pPr algn="ctr"/>
+            <a:endParaRPr lang="en-US" sz="2800" dirty="0">
+              <a:solidFill>
+                <a:schemeClr val="tx1"/>
+              </a:solidFill>
+            </a:endParaRPr>
+          </a:p>
+        </p:txBody>
+      </p:sp>
+      <p:sp>
+        <p:nvSpPr>
+          <p:cNvPr id="71" name="Rectangle 70"/>
+          <p:cNvSpPr/>
+          <p:nvPr/>
+        </p:nvSpPr>
+        <p:spPr>
+          <a:xfrm>
+            <a:off x="4558704" y="5545886"/>
+            <a:ext cx="117709" cy="768227"/>
+          </a:xfrm>
+          <a:prstGeom prst="rect">
+            <a:avLst/>
+          </a:prstGeom>
+          <a:solidFill>
+            <a:srgbClr val="00B0F0"/>
+          </a:solidFill>
+          <a:ln w="19050">
+            <a:noFill/>
+          </a:ln>
+        </p:spPr>
+        <p:style>
+          <a:lnRef idx="2">
+            <a:schemeClr val="accent1">
+              <a:shade val="50000"/>
+            </a:schemeClr>
+          </a:lnRef>
+          <a:fillRef idx="1">
+            <a:schemeClr val="accent1"/>
+          </a:fillRef>
+          <a:effectRef idx="0">
+            <a:schemeClr val="accent1"/>
+          </a:effectRef>
+          <a:fontRef idx="minor">
+            <a:schemeClr val="lt1"/>
+          </a:fontRef>
+        </p:style>
+        <p:txBody>
+          <a:bodyPr rtlCol="0" anchor="ctr"/>
+          <a:lstStyle/>
+          <a:p>
+            <a:pPr algn="ctr"/>
+            <a:endParaRPr lang="en-US" sz="2800" dirty="0">
+              <a:solidFill>
+                <a:schemeClr val="tx1"/>
+              </a:solidFill>
+            </a:endParaRPr>
+          </a:p>
+        </p:txBody>
+      </p:sp>
+      <p:sp>
+        <p:nvSpPr>
+          <p:cNvPr id="72" name="Rectangle 71"/>
+          <p:cNvSpPr/>
+          <p:nvPr/>
+        </p:nvSpPr>
+        <p:spPr>
+          <a:xfrm>
+            <a:off x="6529177" y="5547033"/>
+            <a:ext cx="117709" cy="768227"/>
+          </a:xfrm>
+          <a:prstGeom prst="rect">
+            <a:avLst/>
+          </a:prstGeom>
+          <a:solidFill>
+            <a:srgbClr val="00B0F0"/>
+          </a:solidFill>
+          <a:ln w="19050">
+            <a:noFill/>
+          </a:ln>
+        </p:spPr>
+        <p:style>
+          <a:lnRef idx="2">
+            <a:schemeClr val="accent1">
+              <a:shade val="50000"/>
+            </a:schemeClr>
+          </a:lnRef>
+          <a:fillRef idx="1">
+            <a:schemeClr val="accent1"/>
+          </a:fillRef>
+          <a:effectRef idx="0">
+            <a:schemeClr val="accent1"/>
+          </a:effectRef>
+          <a:fontRef idx="minor">
+            <a:schemeClr val="lt1"/>
+          </a:fontRef>
+        </p:style>
+        <p:txBody>
+          <a:bodyPr rtlCol="0" anchor="ctr"/>
+          <a:lstStyle/>
+          <a:p>
+            <a:pPr algn="ctr"/>
+            <a:endParaRPr lang="en-US" sz="2800" dirty="0">
+              <a:solidFill>
+                <a:schemeClr val="tx1"/>
+              </a:solidFill>
+            </a:endParaRPr>
+          </a:p>
+        </p:txBody>
+      </p:sp>
+      <p:sp>
+        <p:nvSpPr>
+          <p:cNvPr id="73" name="Rectangle 72"/>
+          <p:cNvSpPr/>
+          <p:nvPr/>
+        </p:nvSpPr>
+        <p:spPr>
+          <a:xfrm>
+            <a:off x="6724514" y="5545886"/>
+            <a:ext cx="117709" cy="768227"/>
+          </a:xfrm>
+          <a:prstGeom prst="rect">
+            <a:avLst/>
+          </a:prstGeom>
+          <a:solidFill>
+            <a:srgbClr val="00B0F0"/>
+          </a:solidFill>
+          <a:ln w="19050">
+            <a:noFill/>
+          </a:ln>
+        </p:spPr>
+        <p:style>
+          <a:lnRef idx="2">
+            <a:schemeClr val="accent1">
+              <a:shade val="50000"/>
+            </a:schemeClr>
+          </a:lnRef>
+          <a:fillRef idx="1">
+            <a:schemeClr val="accent1"/>
+          </a:fillRef>
+          <a:effectRef idx="0">
+            <a:schemeClr val="accent1"/>
+          </a:effectRef>
+          <a:fontRef idx="minor">
+            <a:schemeClr val="lt1"/>
+          </a:fontRef>
+        </p:style>
+        <p:txBody>
+          <a:bodyPr rtlCol="0" anchor="ctr"/>
+          <a:lstStyle/>
+          <a:p>
+            <a:pPr algn="ctr"/>
+            <a:endParaRPr lang="en-US" sz="2800" dirty="0">
+              <a:solidFill>
+                <a:schemeClr val="tx1"/>
+              </a:solidFill>
+            </a:endParaRPr>
+          </a:p>
+        </p:txBody>
+      </p:sp>
+      <p:sp>
+        <p:nvSpPr>
+          <p:cNvPr id="74" name="Rectangle 73"/>
+          <p:cNvSpPr/>
+          <p:nvPr/>
+        </p:nvSpPr>
+        <p:spPr>
+          <a:xfrm>
+            <a:off x="6910396" y="5545886"/>
+            <a:ext cx="117709" cy="768227"/>
+          </a:xfrm>
+          <a:prstGeom prst="rect">
+            <a:avLst/>
+          </a:prstGeom>
+          <a:solidFill>
+            <a:srgbClr val="00B0F0"/>
+          </a:solidFill>
+          <a:ln w="19050">
+            <a:noFill/>
+          </a:ln>
+        </p:spPr>
+        <p:style>
+          <a:lnRef idx="2">
+            <a:schemeClr val="accent1">
+              <a:shade val="50000"/>
+            </a:schemeClr>
+          </a:lnRef>
+          <a:fillRef idx="1">
+            <a:schemeClr val="accent1"/>
+          </a:fillRef>
+          <a:effectRef idx="0">
+            <a:schemeClr val="accent1"/>
+          </a:effectRef>
+          <a:fontRef idx="minor">
+            <a:schemeClr val="lt1"/>
+          </a:fontRef>
+        </p:style>
+        <p:txBody>
+          <a:bodyPr rtlCol="0" anchor="ctr"/>
+          <a:lstStyle/>
+          <a:p>
+            <a:pPr algn="ctr"/>
+            <a:endParaRPr lang="en-US" sz="2800" dirty="0">
+              <a:solidFill>
+                <a:schemeClr val="tx1"/>
+              </a:solidFill>
+            </a:endParaRPr>
+          </a:p>
+        </p:txBody>
+      </p:sp>
+      <p:sp>
+        <p:nvSpPr>
+          <p:cNvPr id="75" name="Rectangle 74"/>
+          <p:cNvSpPr/>
+          <p:nvPr/>
+        </p:nvSpPr>
+        <p:spPr>
+          <a:xfrm>
+            <a:off x="7704265" y="5548179"/>
+            <a:ext cx="117709" cy="768227"/>
+          </a:xfrm>
+          <a:prstGeom prst="rect">
+            <a:avLst/>
+          </a:prstGeom>
+          <a:solidFill>
+            <a:srgbClr val="00B0F0"/>
+          </a:solidFill>
+          <a:ln w="19050">
+            <a:noFill/>
+          </a:ln>
+        </p:spPr>
+        <p:style>
+          <a:lnRef idx="2">
+            <a:schemeClr val="accent1">
+              <a:shade val="50000"/>
+            </a:schemeClr>
+          </a:lnRef>
+          <a:fillRef idx="1">
+            <a:schemeClr val="accent1"/>
+          </a:fillRef>
+          <a:effectRef idx="0">
+            <a:schemeClr val="accent1"/>
+          </a:effectRef>
+          <a:fontRef idx="minor">
+            <a:schemeClr val="lt1"/>
+          </a:fontRef>
+        </p:style>
+        <p:txBody>
+          <a:bodyPr rtlCol="0" anchor="ctr"/>
+          <a:lstStyle/>
+          <a:p>
+            <a:pPr algn="ctr"/>
+            <a:endParaRPr lang="en-US" sz="2800" dirty="0">
+              <a:solidFill>
+                <a:schemeClr val="tx1"/>
+              </a:solidFill>
+            </a:endParaRPr>
+          </a:p>
+        </p:txBody>
+      </p:sp>
+      <p:sp>
+        <p:nvSpPr>
+          <p:cNvPr id="76" name="TextBox 75"/>
+          <p:cNvSpPr txBox="1"/>
+          <p:nvPr/>
+        </p:nvSpPr>
+        <p:spPr>
+          <a:xfrm>
+            <a:off x="4245865" y="6354654"/>
+            <a:ext cx="2255874" cy="400110"/>
+          </a:xfrm>
+          <a:prstGeom prst="rect">
+            <a:avLst/>
+          </a:prstGeom>
+          <a:noFill/>
+        </p:spPr>
+        <p:txBody>
+          <a:bodyPr wrap="none" rtlCol="0">
+            <a:spAutoFit/>
+          </a:bodyPr>
+          <a:lstStyle/>
+          <a:p>
+            <a:r>
+              <a:rPr lang="en-US" dirty="0" smtClean="0"/>
+              <a:t>Bloc</a:t>
+            </a:r>
+            <a:r>
+              <a:rPr lang="en-US" sz="2000" dirty="0" smtClean="0"/>
+              <a:t>kstack Log Entry</a:t>
+            </a:r>
+            <a:endParaRPr lang="en-US" sz="2000" dirty="0"/>
+          </a:p>
+        </p:txBody>
+      </p:sp>
+      <p:cxnSp>
+        <p:nvCxnSpPr>
+          <p:cNvPr id="77" name="Straight Arrow Connector 76"/>
+          <p:cNvCxnSpPr>
+            <a:stCxn id="51" idx="3"/>
+          </p:cNvCxnSpPr>
+          <p:nvPr/>
+        </p:nvCxnSpPr>
+        <p:spPr>
+          <a:xfrm flipV="1">
+            <a:off x="6501739" y="6314114"/>
+            <a:ext cx="239425" cy="240595"/>
+          </a:xfrm>
+          <a:prstGeom prst="straightConnector1">
+            <a:avLst/>
+          </a:prstGeom>
+          <a:ln>
+            <a:solidFill>
+              <a:schemeClr val="tx1"/>
+            </a:solidFill>
+            <a:tailEnd type="triangle"/>
+          </a:ln>
+        </p:spPr>
+        <p:style>
+          <a:lnRef idx="1">
+            <a:schemeClr val="accent1"/>
+          </a:lnRef>
+          <a:fillRef idx="0">
+            <a:schemeClr val="accent1"/>
+          </a:fillRef>
+          <a:effectRef idx="0">
+            <a:schemeClr val="accent1"/>
+          </a:effectRef>
+          <a:fontRef idx="minor">
+            <a:schemeClr val="tx1"/>
+          </a:fontRef>
+        </p:style>
+      </p:cxnSp>
+      <p:sp>
+        <p:nvSpPr>
+          <p:cNvPr id="78" name="TextBox 77"/>
+          <p:cNvSpPr txBox="1"/>
+          <p:nvPr/>
+        </p:nvSpPr>
+        <p:spPr>
+          <a:xfrm>
+            <a:off x="1673247" y="5039987"/>
+            <a:ext cx="1299266" cy="400110"/>
+          </a:xfrm>
+          <a:prstGeom prst="rect">
+            <a:avLst/>
+          </a:prstGeom>
+          <a:noFill/>
+        </p:spPr>
+        <p:txBody>
+          <a:bodyPr wrap="none" rtlCol="0">
+            <a:spAutoFit/>
+          </a:bodyPr>
+          <a:lstStyle/>
+          <a:p>
+            <a:r>
+              <a:rPr lang="en-US" sz="2000" dirty="0" err="1" smtClean="0"/>
+              <a:t>Blockchain</a:t>
+            </a:r>
+            <a:endParaRPr lang="en-US" sz="2000" dirty="0"/>
+          </a:p>
+        </p:txBody>
+      </p:sp>
+      <p:sp>
+        <p:nvSpPr>
+          <p:cNvPr id="79" name="Cloud 78"/>
+          <p:cNvSpPr/>
+          <p:nvPr/>
+        </p:nvSpPr>
+        <p:spPr>
+          <a:xfrm>
+            <a:off x="4417142" y="545690"/>
+            <a:ext cx="3819832" cy="2050026"/>
+          </a:xfrm>
+          <a:prstGeom prst="cloud">
+            <a:avLst/>
+          </a:prstGeom>
+          <a:ln w="28575"/>
+        </p:spPr>
+        <p:style>
+          <a:lnRef idx="2">
+            <a:schemeClr val="accent1"/>
+          </a:lnRef>
+          <a:fillRef idx="1">
+            <a:schemeClr val="lt1"/>
+          </a:fillRef>
+          <a:effectRef idx="0">
+            <a:schemeClr val="accent1"/>
+          </a:effectRef>
+          <a:fontRef idx="minor">
+            <a:schemeClr val="dk1"/>
+          </a:fontRef>
+        </p:style>
+        <p:txBody>
+          <a:bodyPr rtlCol="0" anchor="ctr"/>
+          <a:lstStyle/>
+          <a:p>
+            <a:pPr algn="ctr"/>
+            <a:endParaRPr lang="en-US"/>
+          </a:p>
+        </p:txBody>
+      </p:sp>
+      <p:sp>
+        <p:nvSpPr>
+          <p:cNvPr id="80" name="Rectangular Callout 79"/>
+          <p:cNvSpPr/>
+          <p:nvPr/>
+        </p:nvSpPr>
+        <p:spPr>
+          <a:xfrm>
+            <a:off x="5771183" y="1147247"/>
+            <a:ext cx="961455" cy="574287"/>
+          </a:xfrm>
+          <a:prstGeom prst="wedgeRectCallout">
+            <a:avLst>
+              <a:gd name="adj1" fmla="val 41161"/>
+              <a:gd name="adj2" fmla="val 80449"/>
+            </a:avLst>
+          </a:prstGeom>
+          <a:solidFill>
+            <a:schemeClr val="accent1">
+              <a:lumMod val="40000"/>
+              <a:lumOff val="60000"/>
+            </a:schemeClr>
+          </a:solidFill>
+        </p:spPr>
+        <p:style>
+          <a:lnRef idx="2">
+            <a:schemeClr val="accent1">
+              <a:shade val="50000"/>
+            </a:schemeClr>
+          </a:lnRef>
+          <a:fillRef idx="1">
+            <a:schemeClr val="accent1"/>
+          </a:fillRef>
+          <a:effectRef idx="0">
+            <a:schemeClr val="accent1"/>
+          </a:effectRef>
+          <a:fontRef idx="minor">
+            <a:schemeClr val="lt1"/>
+          </a:fontRef>
+        </p:style>
+        <p:txBody>
+          <a:bodyPr rtlCol="0" anchor="ctr"/>
+          <a:lstStyle/>
+          <a:p>
+            <a:pPr algn="ctr"/>
+            <a:r>
+              <a:rPr lang="en-US" dirty="0" smtClean="0">
+                <a:solidFill>
+                  <a:schemeClr val="tx1"/>
+                </a:solidFill>
+              </a:rPr>
+              <a:t>Identity</a:t>
+            </a:r>
+          </a:p>
+          <a:p>
+            <a:pPr algn="ctr"/>
+            <a:r>
+              <a:rPr lang="en-US" dirty="0" smtClean="0">
+                <a:solidFill>
+                  <a:schemeClr val="tx1"/>
+                </a:solidFill>
+              </a:rPr>
+              <a:t>Data</a:t>
+            </a:r>
+            <a:endParaRPr lang="en-US" dirty="0">
+              <a:solidFill>
+                <a:schemeClr val="tx1"/>
+              </a:solidFill>
+            </a:endParaRPr>
+          </a:p>
+        </p:txBody>
+      </p:sp>
+      <p:sp>
+        <p:nvSpPr>
+          <p:cNvPr id="81" name="TextBox 80"/>
+          <p:cNvSpPr txBox="1"/>
+          <p:nvPr/>
+        </p:nvSpPr>
+        <p:spPr>
+          <a:xfrm>
+            <a:off x="6586112" y="1720484"/>
+            <a:ext cx="835934" cy="369332"/>
+          </a:xfrm>
+          <a:prstGeom prst="rect">
+            <a:avLst/>
+          </a:prstGeom>
+          <a:noFill/>
+        </p:spPr>
+        <p:txBody>
+          <a:bodyPr wrap="none" rtlCol="0">
+            <a:spAutoFit/>
+          </a:bodyPr>
+          <a:lstStyle/>
+          <a:p>
+            <a:r>
+              <a:rPr lang="en-US" dirty="0" smtClean="0"/>
+              <a:t>Private</a:t>
+            </a:r>
+            <a:endParaRPr lang="en-US" dirty="0"/>
+          </a:p>
+        </p:txBody>
+      </p:sp>
+      <p:cxnSp>
+        <p:nvCxnSpPr>
+          <p:cNvPr id="82" name="Straight Arrow Connector 81"/>
+          <p:cNvCxnSpPr>
+            <a:endCxn id="45" idx="2"/>
+          </p:cNvCxnSpPr>
+          <p:nvPr/>
+        </p:nvCxnSpPr>
+        <p:spPr>
+          <a:xfrm>
+            <a:off x="2031549" y="1997299"/>
+            <a:ext cx="2960558" cy="1970859"/>
+          </a:xfrm>
+          <a:prstGeom prst="straightConnector1">
+            <a:avLst/>
+          </a:prstGeom>
+          <a:ln>
+            <a:tailEnd type="triangle"/>
+          </a:ln>
+        </p:spPr>
+        <p:style>
+          <a:lnRef idx="2">
+            <a:schemeClr val="dk1"/>
+          </a:lnRef>
+          <a:fillRef idx="0">
+            <a:schemeClr val="dk1"/>
+          </a:fillRef>
+          <a:effectRef idx="1">
+            <a:schemeClr val="dk1"/>
+          </a:effectRef>
+          <a:fontRef idx="minor">
+            <a:schemeClr val="tx1"/>
+          </a:fontRef>
+        </p:style>
+      </p:cxnSp>
+      <p:sp>
+        <p:nvSpPr>
+          <p:cNvPr id="83" name="TextBox 82"/>
+          <p:cNvSpPr txBox="1"/>
+          <p:nvPr/>
+        </p:nvSpPr>
+        <p:spPr>
+          <a:xfrm>
+            <a:off x="1671399" y="3252565"/>
+            <a:ext cx="2726452" cy="923330"/>
+          </a:xfrm>
+          <a:prstGeom prst="rect">
+            <a:avLst/>
+          </a:prstGeom>
+          <a:noFill/>
+        </p:spPr>
+        <p:txBody>
+          <a:bodyPr wrap="none" rtlCol="0">
+            <a:spAutoFit/>
+          </a:bodyPr>
+          <a:lstStyle/>
+          <a:p>
+            <a:pPr marL="342900" indent="-342900">
+              <a:buAutoNum type="arabicParenBoth"/>
+            </a:pPr>
+            <a:r>
+              <a:rPr lang="en-US" dirty="0" smtClean="0"/>
+              <a:t>Query DB with Name</a:t>
+            </a:r>
+          </a:p>
+          <a:p>
+            <a:r>
+              <a:rPr lang="en-US" dirty="0"/>
+              <a:t> </a:t>
+            </a:r>
+            <a:r>
+              <a:rPr lang="en-US" dirty="0" smtClean="0"/>
+              <a:t>      and get Public Key and</a:t>
+            </a:r>
+          </a:p>
+          <a:p>
+            <a:r>
+              <a:rPr lang="en-US" dirty="0"/>
+              <a:t> </a:t>
+            </a:r>
+            <a:r>
+              <a:rPr lang="en-US" dirty="0" smtClean="0"/>
+              <a:t>      Route in return.</a:t>
+            </a:r>
+            <a:endParaRPr lang="en-US" dirty="0"/>
+          </a:p>
+        </p:txBody>
+      </p:sp>
+      <p:cxnSp>
+        <p:nvCxnSpPr>
+          <p:cNvPr id="84" name="Straight Arrow Connector 83"/>
+          <p:cNvCxnSpPr>
+            <a:endCxn id="59" idx="2"/>
+          </p:cNvCxnSpPr>
+          <p:nvPr/>
+        </p:nvCxnSpPr>
+        <p:spPr>
+          <a:xfrm flipV="1">
+            <a:off x="2631268" y="1570703"/>
+            <a:ext cx="1797723" cy="3141"/>
+          </a:xfrm>
+          <a:prstGeom prst="straightConnector1">
+            <a:avLst/>
+          </a:prstGeom>
+          <a:ln>
+            <a:tailEnd type="triangle"/>
+          </a:ln>
+        </p:spPr>
+        <p:style>
+          <a:lnRef idx="2">
+            <a:schemeClr val="dk1"/>
+          </a:lnRef>
+          <a:fillRef idx="0">
+            <a:schemeClr val="dk1"/>
+          </a:fillRef>
+          <a:effectRef idx="1">
+            <a:schemeClr val="dk1"/>
+          </a:effectRef>
+          <a:fontRef idx="minor">
+            <a:schemeClr val="tx1"/>
+          </a:fontRef>
+        </p:style>
+      </p:cxnSp>
+      <p:sp>
+        <p:nvSpPr>
+          <p:cNvPr id="85" name="TextBox 84"/>
+          <p:cNvSpPr txBox="1"/>
+          <p:nvPr/>
+        </p:nvSpPr>
+        <p:spPr>
+          <a:xfrm>
+            <a:off x="1748644" y="558844"/>
+            <a:ext cx="3145989" cy="646331"/>
+          </a:xfrm>
+          <a:prstGeom prst="rect">
+            <a:avLst/>
+          </a:prstGeom>
+          <a:noFill/>
+        </p:spPr>
+        <p:txBody>
+          <a:bodyPr wrap="none" rtlCol="0">
+            <a:spAutoFit/>
+          </a:bodyPr>
+          <a:lstStyle/>
+          <a:p>
+            <a:r>
+              <a:rPr lang="en-US" dirty="0" smtClean="0"/>
+              <a:t>(2) Query Route URL for Id Data</a:t>
+            </a:r>
+          </a:p>
+          <a:p>
+            <a:r>
+              <a:rPr lang="en-US" dirty="0"/>
+              <a:t> </a:t>
+            </a:r>
+            <a:r>
+              <a:rPr lang="en-US" dirty="0" smtClean="0"/>
+              <a:t>     and verify with Public Key.</a:t>
+            </a:r>
+            <a:endParaRPr lang="en-US" dirty="0"/>
+          </a:p>
+        </p:txBody>
+      </p:sp>
+    </p:spTree>
+    <p:extLst>
+      <p:ext uri="{BB962C8B-B14F-4D97-AF65-F5344CB8AC3E}">
+        <p14:creationId xmlns:p14="http://schemas.microsoft.com/office/powerpoint/2010/main" val="1324667156"/>
+      </p:ext>
+    </p:extLst>
+  </p:cSld>
+  <p:clrMapOvr>
+    <a:masterClrMapping/>
+  </p:clrMapOvr>
+  <p:timing>
+    <p:tnLst>
+      <p:par>
+        <p:cTn id="1" dur="indefinite" restart="never" nodeType="tmRoot"/>
+      </p:par>
+    </p:tnLst>
+  </p:timing>
+</p:sld>
+</file>
+
 <file path=ppt/theme/theme1.xml><?xml version="1.0" encoding="utf-8"?>
 <a:theme xmlns:a="http://schemas.openxmlformats.org/drawingml/2006/main" name="Office Theme">
   <a:themeElements>
@@ -5885,4 +9611,265 @@
     </a:ext>
   </a:extLst>
 </a:theme>
+</file>
+
+<file path=ppt/theme/theme2.xml><?xml version="1.0" encoding="utf-8"?>
+<a:theme xmlns:a="http://schemas.openxmlformats.org/drawingml/2006/main" name="Office Theme">
+  <a:themeElements>
+    <a:clrScheme name="Office">
+      <a:dk1>
+        <a:sysClr val="windowText" lastClr="000000"/>
+      </a:dk1>
+      <a:lt1>
+        <a:sysClr val="window" lastClr="FFFFFF"/>
+      </a:lt1>
+      <a:dk2>
+        <a:srgbClr val="44546A"/>
+      </a:dk2>
+      <a:lt2>
+        <a:srgbClr val="E7E6E6"/>
+      </a:lt2>
+      <a:accent1>
+        <a:srgbClr val="5B9BD5"/>
+      </a:accent1>
+      <a:accent2>
+        <a:srgbClr val="ED7D31"/>
+      </a:accent2>
+      <a:accent3>
+        <a:srgbClr val="A5A5A5"/>
+      </a:accent3>
+      <a:accent4>
+        <a:srgbClr val="FFC000"/>
+      </a:accent4>
+      <a:accent5>
+        <a:srgbClr val="4472C4"/>
+      </a:accent5>
+      <a:accent6>
+        <a:srgbClr val="70AD47"/>
+      </a:accent6>
+      <a:hlink>
+        <a:srgbClr val="0563C1"/>
+      </a:hlink>
+      <a:folHlink>
+        <a:srgbClr val="954F72"/>
+      </a:folHlink>
+    </a:clrScheme>
+    <a:fontScheme name="Office">
+      <a:majorFont>
+        <a:latin typeface="Calibri Light" panose="020F0302020204030204"/>
+        <a:ea typeface=""/>
+        <a:cs typeface=""/>
+        <a:font script="Jpan" typeface="ＭＳ Ｐゴシック"/>
+        <a:font script="Hang" typeface="맑은 고딕"/>
+        <a:font script="Hans" typeface="宋体"/>
+        <a:font script="Hant" typeface="新細明體"/>
+        <a:font script="Arab" typeface="Times New Roman"/>
+        <a:font script="Hebr" typeface="Times New Roman"/>
+        <a:font script="Thai" typeface="Angsana New"/>
+        <a:font script="Ethi" typeface="Nyala"/>
+        <a:font script="Beng" typeface="Vrinda"/>
+        <a:font script="Gujr" typeface="Shruti"/>
+        <a:font script="Khmr" typeface="MoolBoran"/>
+        <a:font script="Knda" typeface="Tunga"/>
+        <a:font script="Guru" typeface="Raavi"/>
+        <a:font script="Cans" typeface="Euphemia"/>
+        <a:font script="Cher" typeface="Plantagenet Cherokee"/>
+        <a:font script="Yiii" typeface="Microsoft Yi Baiti"/>
+        <a:font script="Tibt" typeface="Microsoft Himalaya"/>
+        <a:font script="Thaa" typeface="MV Boli"/>
+        <a:font script="Deva" typeface="Mangal"/>
+        <a:font script="Telu" typeface="Gautami"/>
+        <a:font script="Taml" typeface="Latha"/>
+        <a:font script="Syrc" typeface="Estrangelo Edessa"/>
+        <a:font script="Orya" typeface="Kalinga"/>
+        <a:font script="Mlym" typeface="Kartika"/>
+        <a:font script="Laoo" typeface="DokChampa"/>
+        <a:font script="Sinh" typeface="Iskoola Pota"/>
+        <a:font script="Mong" typeface="Mongolian Baiti"/>
+        <a:font script="Viet" typeface="Times New Roman"/>
+        <a:font script="Uigh" typeface="Microsoft Uighur"/>
+        <a:font script="Geor" typeface="Sylfaen"/>
+      </a:majorFont>
+      <a:minorFont>
+        <a:latin typeface="Calibri" panose="020F0502020204030204"/>
+        <a:ea typeface=""/>
+        <a:cs typeface=""/>
+        <a:font script="Jpan" typeface="ＭＳ Ｐゴシック"/>
+        <a:font script="Hang" typeface="맑은 고딕"/>
+        <a:font script="Hans" typeface="宋体"/>
+        <a:font script="Hant" typeface="新細明體"/>
+        <a:font script="Arab" typeface="Arial"/>
+        <a:font script="Hebr" typeface="Arial"/>
+        <a:font script="Thai" typeface="Cordia New"/>
+        <a:font script="Ethi" typeface="Nyala"/>
+        <a:font script="Beng" typeface="Vrinda"/>
+        <a:font script="Gujr" typeface="Shruti"/>
+        <a:font script="Khmr" typeface="DaunPenh"/>
+        <a:font script="Knda" typeface="Tunga"/>
+        <a:font script="Guru" typeface="Raavi"/>
+        <a:font script="Cans" typeface="Euphemia"/>
+        <a:font script="Cher" typeface="Plantagenet Cherokee"/>
+        <a:font script="Yiii" typeface="Microsoft Yi Baiti"/>
+        <a:font script="Tibt" typeface="Microsoft Himalaya"/>
+        <a:font script="Thaa" typeface="MV Boli"/>
+        <a:font script="Deva" typeface="Mangal"/>
+        <a:font script="Telu" typeface="Gautami"/>
+        <a:font script="Taml" typeface="Latha"/>
+        <a:font script="Syrc" typeface="Estrangelo Edessa"/>
+        <a:font script="Orya" typeface="Kalinga"/>
+        <a:font script="Mlym" typeface="Kartika"/>
+        <a:font script="Laoo" typeface="DokChampa"/>
+        <a:font script="Sinh" typeface="Iskoola Pota"/>
+        <a:font script="Mong" typeface="Mongolian Baiti"/>
+        <a:font script="Viet" typeface="Arial"/>
+        <a:font script="Uigh" typeface="Microsoft Uighur"/>
+        <a:font script="Geor" typeface="Sylfaen"/>
+      </a:minorFont>
+    </a:fontScheme>
+    <a:fmtScheme name="Office">
+      <a:fillStyleLst>
+        <a:solidFill>
+          <a:schemeClr val="phClr"/>
+        </a:solidFill>
+        <a:gradFill rotWithShape="1">
+          <a:gsLst>
+            <a:gs pos="0">
+              <a:schemeClr val="phClr">
+                <a:lumMod val="110000"/>
+                <a:satMod val="105000"/>
+                <a:tint val="67000"/>
+              </a:schemeClr>
+            </a:gs>
+            <a:gs pos="50000">
+              <a:schemeClr val="phClr">
+                <a:lumMod val="105000"/>
+                <a:satMod val="103000"/>
+                <a:tint val="73000"/>
+              </a:schemeClr>
+            </a:gs>
+            <a:gs pos="100000">
+              <a:schemeClr val="phClr">
+                <a:lumMod val="105000"/>
+                <a:satMod val="109000"/>
+                <a:tint val="81000"/>
+              </a:schemeClr>
+            </a:gs>
+          </a:gsLst>
+          <a:lin ang="5400000" scaled="0"/>
+        </a:gradFill>
+        <a:gradFill rotWithShape="1">
+          <a:gsLst>
+            <a:gs pos="0">
+              <a:schemeClr val="phClr">
+                <a:satMod val="103000"/>
+                <a:lumMod val="102000"/>
+                <a:tint val="94000"/>
+              </a:schemeClr>
+            </a:gs>
+            <a:gs pos="50000">
+              <a:schemeClr val="phClr">
+                <a:satMod val="110000"/>
+                <a:lumMod val="100000"/>
+                <a:shade val="100000"/>
+              </a:schemeClr>
+            </a:gs>
+            <a:gs pos="100000">
+              <a:schemeClr val="phClr">
+                <a:lumMod val="99000"/>
+                <a:satMod val="120000"/>
+                <a:shade val="78000"/>
+              </a:schemeClr>
+            </a:gs>
+          </a:gsLst>
+          <a:lin ang="5400000" scaled="0"/>
+        </a:gradFill>
+      </a:fillStyleLst>
+      <a:lnStyleLst>
+        <a:ln w="6350" cap="flat" cmpd="sng" algn="ctr">
+          <a:solidFill>
+            <a:schemeClr val="phClr"/>
+          </a:solidFill>
+          <a:prstDash val="solid"/>
+          <a:miter lim="800000"/>
+        </a:ln>
+        <a:ln w="12700" cap="flat" cmpd="sng" algn="ctr">
+          <a:solidFill>
+            <a:schemeClr val="phClr"/>
+          </a:solidFill>
+          <a:prstDash val="solid"/>
+          <a:miter lim="800000"/>
+        </a:ln>
+        <a:ln w="19050" cap="flat" cmpd="sng" algn="ctr">
+          <a:solidFill>
+            <a:schemeClr val="phClr"/>
+          </a:solidFill>
+          <a:prstDash val="solid"/>
+          <a:miter lim="800000"/>
+        </a:ln>
+      </a:lnStyleLst>
+      <a:effectStyleLst>
+        <a:effectStyle>
+          <a:effectLst/>
+        </a:effectStyle>
+        <a:effectStyle>
+          <a:effectLst/>
+        </a:effectStyle>
+        <a:effectStyle>
+          <a:effectLst>
+            <a:outerShdw blurRad="57150" dist="19050" dir="5400000" algn="ctr" rotWithShape="0">
+              <a:srgbClr val="000000">
+                <a:alpha val="63000"/>
+              </a:srgbClr>
+            </a:outerShdw>
+          </a:effectLst>
+        </a:effectStyle>
+      </a:effectStyleLst>
+      <a:bgFillStyleLst>
+        <a:solidFill>
+          <a:schemeClr val="phClr"/>
+        </a:solidFill>
+        <a:solidFill>
+          <a:schemeClr val="phClr">
+            <a:tint val="95000"/>
+            <a:satMod val="170000"/>
+          </a:schemeClr>
+        </a:solidFill>
+        <a:gradFill rotWithShape="1">
+          <a:gsLst>
+            <a:gs pos="0">
+              <a:schemeClr val="phClr">
+                <a:tint val="93000"/>
+                <a:satMod val="150000"/>
+                <a:shade val="98000"/>
+                <a:lumMod val="102000"/>
+              </a:schemeClr>
+            </a:gs>
+            <a:gs pos="50000">
+              <a:schemeClr val="phClr">
+                <a:tint val="98000"/>
+                <a:satMod val="130000"/>
+                <a:shade val="90000"/>
+                <a:lumMod val="103000"/>
+              </a:schemeClr>
+            </a:gs>
+            <a:gs pos="100000">
+              <a:schemeClr val="phClr">
+                <a:shade val="63000"/>
+                <a:satMod val="120000"/>
+              </a:schemeClr>
+            </a:gs>
+          </a:gsLst>
+          <a:lin ang="5400000" scaled="0"/>
+        </a:gradFill>
+      </a:bgFillStyleLst>
+    </a:fmtScheme>
+  </a:themeElements>
+  <a:objectDefaults/>
+  <a:extraClrSchemeLst/>
+  <a:extLst>
+    <a:ext uri="{05A4C25C-085E-4340-85A3-A5531E510DB2}">
+      <thm15:themeFamily xmlns:thm15="http://schemas.microsoft.com/office/thememl/2012/main" name="Office Theme" id="{62F939B6-93AF-4DB8-9C6B-D6C7DFDC589F}" vid="{4A3C46E8-61CC-4603-A589-7422A47A8E4A}"/>
+    </a:ext>
+  </a:extLst>
+</a:theme>
 </file>
--- a/sdn/figures.pptx
+++ b/sdn/figures.pptx
@@ -5,13 +5,14 @@
     <p:sldMasterId id="2147483648" r:id="rId1"/>
   </p:sldMasterIdLst>
   <p:notesMasterIdLst>
-    <p:notesMasterId r:id="rId6"/>
+    <p:notesMasterId r:id="rId7"/>
   </p:notesMasterIdLst>
   <p:sldIdLst>
     <p:sldId id="259" r:id="rId2"/>
     <p:sldId id="260" r:id="rId3"/>
     <p:sldId id="261" r:id="rId4"/>
     <p:sldId id="262" r:id="rId5"/>
+    <p:sldId id="263" r:id="rId6"/>
   </p:sldIdLst>
   <p:sldSz cx="12192000" cy="6858000"/>
   <p:notesSz cx="6858000" cy="9144000"/>
@@ -200,7 +201,7 @@
           <a:p>
             <a:fld id="{2863C8FA-B8BC-9144-A506-E432740B92D8}" type="datetimeFigureOut">
               <a:rPr lang="en-US" smtClean="0"/>
-              <a:t>3/4/19</a:t>
+              <a:t>3/25/19</a:t>
             </a:fld>
             <a:endParaRPr lang="en-US"/>
           </a:p>
@@ -683,7 +684,7 @@
           <a:p>
             <a:fld id="{5D97E163-DB95-D24D-8C95-263DECB1FC34}" type="datetimeFigureOut">
               <a:rPr lang="en-US" smtClean="0"/>
-              <a:t>3/4/19</a:t>
+              <a:t>3/25/19</a:t>
             </a:fld>
             <a:endParaRPr lang="en-US"/>
           </a:p>
@@ -853,7 +854,7 @@
           <a:p>
             <a:fld id="{5D97E163-DB95-D24D-8C95-263DECB1FC34}" type="datetimeFigureOut">
               <a:rPr lang="en-US" smtClean="0"/>
-              <a:t>3/4/19</a:t>
+              <a:t>3/25/19</a:t>
             </a:fld>
             <a:endParaRPr lang="en-US"/>
           </a:p>
@@ -1033,7 +1034,7 @@
           <a:p>
             <a:fld id="{5D97E163-DB95-D24D-8C95-263DECB1FC34}" type="datetimeFigureOut">
               <a:rPr lang="en-US" smtClean="0"/>
-              <a:t>3/4/19</a:t>
+              <a:t>3/25/19</a:t>
             </a:fld>
             <a:endParaRPr lang="en-US"/>
           </a:p>
@@ -1203,7 +1204,7 @@
           <a:p>
             <a:fld id="{5D97E163-DB95-D24D-8C95-263DECB1FC34}" type="datetimeFigureOut">
               <a:rPr lang="en-US" smtClean="0"/>
-              <a:t>3/4/19</a:t>
+              <a:t>3/25/19</a:t>
             </a:fld>
             <a:endParaRPr lang="en-US"/>
           </a:p>
@@ -1449,7 +1450,7 @@
           <a:p>
             <a:fld id="{5D97E163-DB95-D24D-8C95-263DECB1FC34}" type="datetimeFigureOut">
               <a:rPr lang="en-US" smtClean="0"/>
-              <a:t>3/4/19</a:t>
+              <a:t>3/25/19</a:t>
             </a:fld>
             <a:endParaRPr lang="en-US"/>
           </a:p>
@@ -1681,7 +1682,7 @@
           <a:p>
             <a:fld id="{5D97E163-DB95-D24D-8C95-263DECB1FC34}" type="datetimeFigureOut">
               <a:rPr lang="en-US" smtClean="0"/>
-              <a:t>3/4/19</a:t>
+              <a:t>3/25/19</a:t>
             </a:fld>
             <a:endParaRPr lang="en-US"/>
           </a:p>
@@ -2048,7 +2049,7 @@
           <a:p>
             <a:fld id="{5D97E163-DB95-D24D-8C95-263DECB1FC34}" type="datetimeFigureOut">
               <a:rPr lang="en-US" smtClean="0"/>
-              <a:t>3/4/19</a:t>
+              <a:t>3/25/19</a:t>
             </a:fld>
             <a:endParaRPr lang="en-US"/>
           </a:p>
@@ -2166,7 +2167,7 @@
           <a:p>
             <a:fld id="{5D97E163-DB95-D24D-8C95-263DECB1FC34}" type="datetimeFigureOut">
               <a:rPr lang="en-US" smtClean="0"/>
-              <a:t>3/4/19</a:t>
+              <a:t>3/25/19</a:t>
             </a:fld>
             <a:endParaRPr lang="en-US"/>
           </a:p>
@@ -2261,7 +2262,7 @@
           <a:p>
             <a:fld id="{5D97E163-DB95-D24D-8C95-263DECB1FC34}" type="datetimeFigureOut">
               <a:rPr lang="en-US" smtClean="0"/>
-              <a:t>3/4/19</a:t>
+              <a:t>3/25/19</a:t>
             </a:fld>
             <a:endParaRPr lang="en-US"/>
           </a:p>
@@ -2538,7 +2539,7 @@
           <a:p>
             <a:fld id="{5D97E163-DB95-D24D-8C95-263DECB1FC34}" type="datetimeFigureOut">
               <a:rPr lang="en-US" smtClean="0"/>
-              <a:t>3/4/19</a:t>
+              <a:t>3/25/19</a:t>
             </a:fld>
             <a:endParaRPr lang="en-US"/>
           </a:p>
@@ -2791,7 +2792,7 @@
           <a:p>
             <a:fld id="{5D97E163-DB95-D24D-8C95-263DECB1FC34}" type="datetimeFigureOut">
               <a:rPr lang="en-US" smtClean="0"/>
-              <a:t>3/4/19</a:t>
+              <a:t>3/25/19</a:t>
             </a:fld>
             <a:endParaRPr lang="en-US"/>
           </a:p>
@@ -3004,7 +3005,7 @@
           <a:p>
             <a:fld id="{5D97E163-DB95-D24D-8C95-263DECB1FC34}" type="datetimeFigureOut">
               <a:rPr lang="en-US" smtClean="0"/>
-              <a:t>3/4/19</a:t>
+              <a:t>3/25/19</a:t>
             </a:fld>
             <a:endParaRPr lang="en-US"/>
           </a:p>
@@ -9336,6 +9337,1365 @@
     <p:extLst>
       <p:ext uri="{BB962C8B-B14F-4D97-AF65-F5344CB8AC3E}">
         <p14:creationId xmlns:p14="http://schemas.microsoft.com/office/powerpoint/2010/main" val="1324667156"/>
+      </p:ext>
+    </p:extLst>
+  </p:cSld>
+  <p:clrMapOvr>
+    <a:masterClrMapping/>
+  </p:clrMapOvr>
+  <p:timing>
+    <p:tnLst>
+      <p:par>
+        <p:cTn id="1" dur="indefinite" restart="never" nodeType="tmRoot"/>
+      </p:par>
+    </p:tnLst>
+  </p:timing>
+</p:sld>
+</file>
+
+<file path=ppt/slides/slide5.xml><?xml version="1.0" encoding="utf-8"?>
+<p:sld xmlns:a="http://schemas.openxmlformats.org/drawingml/2006/main" xmlns:r="http://schemas.openxmlformats.org/officeDocument/2006/relationships" xmlns:p="http://schemas.openxmlformats.org/presentationml/2006/main">
+  <p:cSld>
+    <p:spTree>
+      <p:nvGrpSpPr>
+        <p:cNvPr id="1" name=""/>
+        <p:cNvGrpSpPr/>
+        <p:nvPr/>
+      </p:nvGrpSpPr>
+      <p:grpSpPr>
+        <a:xfrm>
+          <a:off x="0" y="0"/>
+          <a:ext cx="0" cy="0"/>
+          <a:chOff x="0" y="0"/>
+          <a:chExt cx="0" cy="0"/>
+        </a:xfrm>
+      </p:grpSpPr>
+      <p:sp>
+        <p:nvSpPr>
+          <p:cNvPr id="5" name="Rectangle 4"/>
+          <p:cNvSpPr/>
+          <p:nvPr/>
+        </p:nvSpPr>
+        <p:spPr>
+          <a:xfrm>
+            <a:off x="958645" y="1312607"/>
+            <a:ext cx="8572500" cy="752168"/>
+          </a:xfrm>
+          <a:prstGeom prst="rect">
+            <a:avLst/>
+          </a:prstGeom>
+          <a:noFill/>
+          <a:ln w="28575">
+            <a:solidFill>
+              <a:srgbClr val="00B0F0"/>
+            </a:solidFill>
+          </a:ln>
+        </p:spPr>
+        <p:style>
+          <a:lnRef idx="2">
+            <a:schemeClr val="accent1">
+              <a:shade val="50000"/>
+            </a:schemeClr>
+          </a:lnRef>
+          <a:fillRef idx="1">
+            <a:schemeClr val="accent1"/>
+          </a:fillRef>
+          <a:effectRef idx="0">
+            <a:schemeClr val="accent1"/>
+          </a:effectRef>
+          <a:fontRef idx="minor">
+            <a:schemeClr val="lt1"/>
+          </a:fontRef>
+        </p:style>
+        <p:txBody>
+          <a:bodyPr rtlCol="0" anchor="ctr"/>
+          <a:lstStyle/>
+          <a:p>
+            <a:pPr algn="ctr"/>
+            <a:endParaRPr lang="en-US"/>
+          </a:p>
+        </p:txBody>
+      </p:sp>
+      <p:cxnSp>
+        <p:nvCxnSpPr>
+          <p:cNvPr id="7" name="Straight Connector 6"/>
+          <p:cNvCxnSpPr/>
+          <p:nvPr/>
+        </p:nvCxnSpPr>
+        <p:spPr>
+          <a:xfrm>
+            <a:off x="2625213" y="1312607"/>
+            <a:ext cx="0" cy="752168"/>
+          </a:xfrm>
+          <a:prstGeom prst="line">
+            <a:avLst/>
+          </a:prstGeom>
+          <a:ln w="28575">
+            <a:solidFill>
+              <a:srgbClr val="00B0F0"/>
+            </a:solidFill>
+          </a:ln>
+        </p:spPr>
+        <p:style>
+          <a:lnRef idx="1">
+            <a:schemeClr val="accent1"/>
+          </a:lnRef>
+          <a:fillRef idx="0">
+            <a:schemeClr val="accent1"/>
+          </a:fillRef>
+          <a:effectRef idx="0">
+            <a:schemeClr val="accent1"/>
+          </a:effectRef>
+          <a:fontRef idx="minor">
+            <a:schemeClr val="tx1"/>
+          </a:fontRef>
+        </p:style>
+      </p:cxnSp>
+      <p:cxnSp>
+        <p:nvCxnSpPr>
+          <p:cNvPr id="10" name="Straight Connector 9"/>
+          <p:cNvCxnSpPr/>
+          <p:nvPr/>
+        </p:nvCxnSpPr>
+        <p:spPr>
+          <a:xfrm>
+            <a:off x="4208207" y="1312607"/>
+            <a:ext cx="0" cy="752168"/>
+          </a:xfrm>
+          <a:prstGeom prst="line">
+            <a:avLst/>
+          </a:prstGeom>
+          <a:ln w="28575">
+            <a:solidFill>
+              <a:srgbClr val="00B0F0"/>
+            </a:solidFill>
+          </a:ln>
+        </p:spPr>
+        <p:style>
+          <a:lnRef idx="1">
+            <a:schemeClr val="accent1"/>
+          </a:lnRef>
+          <a:fillRef idx="0">
+            <a:schemeClr val="accent1"/>
+          </a:fillRef>
+          <a:effectRef idx="0">
+            <a:schemeClr val="accent1"/>
+          </a:effectRef>
+          <a:fontRef idx="minor">
+            <a:schemeClr val="tx1"/>
+          </a:fontRef>
+        </p:style>
+      </p:cxnSp>
+      <p:cxnSp>
+        <p:nvCxnSpPr>
+          <p:cNvPr id="11" name="Straight Connector 10"/>
+          <p:cNvCxnSpPr/>
+          <p:nvPr/>
+        </p:nvCxnSpPr>
+        <p:spPr>
+          <a:xfrm>
+            <a:off x="5805949" y="1312607"/>
+            <a:ext cx="0" cy="752168"/>
+          </a:xfrm>
+          <a:prstGeom prst="line">
+            <a:avLst/>
+          </a:prstGeom>
+          <a:ln w="28575">
+            <a:solidFill>
+              <a:srgbClr val="00B0F0"/>
+            </a:solidFill>
+          </a:ln>
+        </p:spPr>
+        <p:style>
+          <a:lnRef idx="1">
+            <a:schemeClr val="accent1"/>
+          </a:lnRef>
+          <a:fillRef idx="0">
+            <a:schemeClr val="accent1"/>
+          </a:fillRef>
+          <a:effectRef idx="0">
+            <a:schemeClr val="accent1"/>
+          </a:effectRef>
+          <a:fontRef idx="minor">
+            <a:schemeClr val="tx1"/>
+          </a:fontRef>
+        </p:style>
+      </p:cxnSp>
+      <p:sp>
+        <p:nvSpPr>
+          <p:cNvPr id="8" name="Rectangle 7"/>
+          <p:cNvSpPr/>
+          <p:nvPr/>
+        </p:nvSpPr>
+        <p:spPr>
+          <a:xfrm>
+            <a:off x="6724651" y="1312607"/>
+            <a:ext cx="1887793" cy="752168"/>
+          </a:xfrm>
+          <a:prstGeom prst="rect">
+            <a:avLst/>
+          </a:prstGeom>
+          <a:solidFill>
+            <a:srgbClr val="CFE7F1"/>
+          </a:solidFill>
+          <a:ln w="28575">
+            <a:solidFill>
+              <a:srgbClr val="00B0F0"/>
+            </a:solidFill>
+          </a:ln>
+        </p:spPr>
+        <p:style>
+          <a:lnRef idx="2">
+            <a:schemeClr val="accent1">
+              <a:shade val="50000"/>
+            </a:schemeClr>
+          </a:lnRef>
+          <a:fillRef idx="1">
+            <a:schemeClr val="accent1"/>
+          </a:fillRef>
+          <a:effectRef idx="0">
+            <a:schemeClr val="accent1"/>
+          </a:effectRef>
+          <a:fontRef idx="minor">
+            <a:schemeClr val="lt1"/>
+          </a:fontRef>
+        </p:style>
+        <p:txBody>
+          <a:bodyPr rtlCol="0" anchor="ctr"/>
+          <a:lstStyle/>
+          <a:p>
+            <a:pPr algn="ctr"/>
+            <a:endParaRPr lang="en-US"/>
+          </a:p>
+        </p:txBody>
+      </p:sp>
+      <p:sp>
+        <p:nvSpPr>
+          <p:cNvPr id="13" name="TextBox 12"/>
+          <p:cNvSpPr txBox="1"/>
+          <p:nvPr/>
+        </p:nvSpPr>
+        <p:spPr>
+          <a:xfrm>
+            <a:off x="1600617" y="899653"/>
+            <a:ext cx="470001" cy="430887"/>
+          </a:xfrm>
+          <a:prstGeom prst="rect">
+            <a:avLst/>
+          </a:prstGeom>
+          <a:noFill/>
+        </p:spPr>
+        <p:txBody>
+          <a:bodyPr wrap="none" rtlCol="0">
+            <a:spAutoFit/>
+          </a:bodyPr>
+          <a:lstStyle/>
+          <a:p>
+            <a:pPr algn="ctr"/>
+            <a:r>
+              <a:rPr lang="en-US" sz="2200" dirty="0" smtClean="0"/>
+              <a:t>64</a:t>
+            </a:r>
+            <a:endParaRPr lang="en-US" sz="2200" dirty="0"/>
+          </a:p>
+        </p:txBody>
+      </p:sp>
+      <p:sp>
+        <p:nvSpPr>
+          <p:cNvPr id="14" name="TextBox 13"/>
+          <p:cNvSpPr txBox="1"/>
+          <p:nvPr/>
+        </p:nvSpPr>
+        <p:spPr>
+          <a:xfrm>
+            <a:off x="1154734" y="1468951"/>
+            <a:ext cx="1361767" cy="430887"/>
+          </a:xfrm>
+          <a:prstGeom prst="rect">
+            <a:avLst/>
+          </a:prstGeom>
+          <a:noFill/>
+        </p:spPr>
+        <p:txBody>
+          <a:bodyPr wrap="square" rtlCol="0">
+            <a:spAutoFit/>
+          </a:bodyPr>
+          <a:lstStyle/>
+          <a:p>
+            <a:pPr algn="ctr"/>
+            <a:r>
+              <a:rPr lang="en-US" sz="2200" dirty="0" smtClean="0"/>
+              <a:t>Preamble</a:t>
+            </a:r>
+            <a:endParaRPr lang="en-US" sz="2200" dirty="0"/>
+          </a:p>
+        </p:txBody>
+      </p:sp>
+      <p:sp>
+        <p:nvSpPr>
+          <p:cNvPr id="16" name="TextBox 15"/>
+          <p:cNvSpPr txBox="1"/>
+          <p:nvPr/>
+        </p:nvSpPr>
+        <p:spPr>
+          <a:xfrm>
+            <a:off x="3265853" y="899653"/>
+            <a:ext cx="470000" cy="430887"/>
+          </a:xfrm>
+          <a:prstGeom prst="rect">
+            <a:avLst/>
+          </a:prstGeom>
+          <a:noFill/>
+        </p:spPr>
+        <p:txBody>
+          <a:bodyPr wrap="none" rtlCol="0">
+            <a:spAutoFit/>
+          </a:bodyPr>
+          <a:lstStyle/>
+          <a:p>
+            <a:pPr algn="ctr"/>
+            <a:r>
+              <a:rPr lang="en-US" sz="2200" dirty="0" smtClean="0"/>
+              <a:t>48</a:t>
+            </a:r>
+            <a:endParaRPr lang="en-US" sz="2200" dirty="0"/>
+          </a:p>
+        </p:txBody>
+      </p:sp>
+      <p:sp>
+        <p:nvSpPr>
+          <p:cNvPr id="18" name="TextBox 17"/>
+          <p:cNvSpPr txBox="1"/>
+          <p:nvPr/>
+        </p:nvSpPr>
+        <p:spPr>
+          <a:xfrm>
+            <a:off x="4774895" y="899653"/>
+            <a:ext cx="470000" cy="430887"/>
+          </a:xfrm>
+          <a:prstGeom prst="rect">
+            <a:avLst/>
+          </a:prstGeom>
+          <a:noFill/>
+        </p:spPr>
+        <p:txBody>
+          <a:bodyPr wrap="none" rtlCol="0">
+            <a:spAutoFit/>
+          </a:bodyPr>
+          <a:lstStyle/>
+          <a:p>
+            <a:pPr algn="ctr"/>
+            <a:r>
+              <a:rPr lang="en-US" sz="2200" dirty="0" smtClean="0"/>
+              <a:t>48</a:t>
+            </a:r>
+            <a:endParaRPr lang="en-US" sz="2200" dirty="0"/>
+          </a:p>
+        </p:txBody>
+      </p:sp>
+      <p:sp>
+        <p:nvSpPr>
+          <p:cNvPr id="19" name="TextBox 18"/>
+          <p:cNvSpPr txBox="1"/>
+          <p:nvPr/>
+        </p:nvSpPr>
+        <p:spPr>
+          <a:xfrm>
+            <a:off x="6048936" y="899653"/>
+            <a:ext cx="470000" cy="430887"/>
+          </a:xfrm>
+          <a:prstGeom prst="rect">
+            <a:avLst/>
+          </a:prstGeom>
+          <a:noFill/>
+        </p:spPr>
+        <p:txBody>
+          <a:bodyPr wrap="none" rtlCol="0">
+            <a:spAutoFit/>
+          </a:bodyPr>
+          <a:lstStyle/>
+          <a:p>
+            <a:pPr algn="ctr"/>
+            <a:r>
+              <a:rPr lang="en-US" sz="2200" dirty="0" smtClean="0"/>
+              <a:t>16</a:t>
+            </a:r>
+            <a:endParaRPr lang="en-US" sz="2200" dirty="0"/>
+          </a:p>
+        </p:txBody>
+      </p:sp>
+      <p:sp>
+        <p:nvSpPr>
+          <p:cNvPr id="21" name="TextBox 20"/>
+          <p:cNvSpPr txBox="1"/>
+          <p:nvPr/>
+        </p:nvSpPr>
+        <p:spPr>
+          <a:xfrm>
+            <a:off x="2743203" y="1468948"/>
+            <a:ext cx="1361767" cy="430887"/>
+          </a:xfrm>
+          <a:prstGeom prst="rect">
+            <a:avLst/>
+          </a:prstGeom>
+          <a:noFill/>
+        </p:spPr>
+        <p:txBody>
+          <a:bodyPr wrap="square" rtlCol="0">
+            <a:spAutoFit/>
+          </a:bodyPr>
+          <a:lstStyle/>
+          <a:p>
+            <a:pPr algn="ctr"/>
+            <a:r>
+              <a:rPr lang="en-US" sz="2200" dirty="0" err="1" smtClean="0"/>
+              <a:t>DestAddr</a:t>
+            </a:r>
+            <a:endParaRPr lang="en-US" sz="2200" dirty="0"/>
+          </a:p>
+        </p:txBody>
+      </p:sp>
+      <p:sp>
+        <p:nvSpPr>
+          <p:cNvPr id="22" name="TextBox 21"/>
+          <p:cNvSpPr txBox="1"/>
+          <p:nvPr/>
+        </p:nvSpPr>
+        <p:spPr>
+          <a:xfrm>
+            <a:off x="4341325" y="1478541"/>
+            <a:ext cx="1361767" cy="430887"/>
+          </a:xfrm>
+          <a:prstGeom prst="rect">
+            <a:avLst/>
+          </a:prstGeom>
+          <a:noFill/>
+        </p:spPr>
+        <p:txBody>
+          <a:bodyPr wrap="square" rtlCol="0">
+            <a:spAutoFit/>
+          </a:bodyPr>
+          <a:lstStyle/>
+          <a:p>
+            <a:pPr algn="ctr"/>
+            <a:r>
+              <a:rPr lang="en-US" sz="2200" dirty="0" err="1" smtClean="0"/>
+              <a:t>SrcAddr</a:t>
+            </a:r>
+            <a:endParaRPr lang="en-US" sz="2200" dirty="0"/>
+          </a:p>
+        </p:txBody>
+      </p:sp>
+      <p:sp>
+        <p:nvSpPr>
+          <p:cNvPr id="23" name="TextBox 22"/>
+          <p:cNvSpPr txBox="1"/>
+          <p:nvPr/>
+        </p:nvSpPr>
+        <p:spPr>
+          <a:xfrm>
+            <a:off x="5820697" y="1478542"/>
+            <a:ext cx="868009" cy="430887"/>
+          </a:xfrm>
+          <a:prstGeom prst="rect">
+            <a:avLst/>
+          </a:prstGeom>
+          <a:noFill/>
+        </p:spPr>
+        <p:txBody>
+          <a:bodyPr wrap="square" rtlCol="0">
+            <a:spAutoFit/>
+          </a:bodyPr>
+          <a:lstStyle/>
+          <a:p>
+            <a:pPr algn="ctr"/>
+            <a:r>
+              <a:rPr lang="en-US" sz="2200" smtClean="0"/>
+              <a:t>Type</a:t>
+            </a:r>
+            <a:endParaRPr lang="en-US" sz="2200" dirty="0"/>
+          </a:p>
+        </p:txBody>
+      </p:sp>
+      <p:sp>
+        <p:nvSpPr>
+          <p:cNvPr id="24" name="TextBox 23"/>
+          <p:cNvSpPr txBox="1"/>
+          <p:nvPr/>
+        </p:nvSpPr>
+        <p:spPr>
+          <a:xfrm>
+            <a:off x="8623042" y="1468949"/>
+            <a:ext cx="868009" cy="430887"/>
+          </a:xfrm>
+          <a:prstGeom prst="rect">
+            <a:avLst/>
+          </a:prstGeom>
+          <a:noFill/>
+        </p:spPr>
+        <p:txBody>
+          <a:bodyPr wrap="square" rtlCol="0">
+            <a:spAutoFit/>
+          </a:bodyPr>
+          <a:lstStyle/>
+          <a:p>
+            <a:pPr algn="ctr"/>
+            <a:r>
+              <a:rPr lang="en-US" sz="2200" dirty="0" smtClean="0"/>
+              <a:t>CRC</a:t>
+            </a:r>
+            <a:endParaRPr lang="en-US" sz="2200" dirty="0"/>
+          </a:p>
+        </p:txBody>
+      </p:sp>
+      <p:sp>
+        <p:nvSpPr>
+          <p:cNvPr id="25" name="TextBox 24"/>
+          <p:cNvSpPr txBox="1"/>
+          <p:nvPr/>
+        </p:nvSpPr>
+        <p:spPr>
+          <a:xfrm>
+            <a:off x="6987664" y="1468950"/>
+            <a:ext cx="1361767" cy="430887"/>
+          </a:xfrm>
+          <a:prstGeom prst="rect">
+            <a:avLst/>
+          </a:prstGeom>
+          <a:noFill/>
+        </p:spPr>
+        <p:txBody>
+          <a:bodyPr wrap="square" rtlCol="0">
+            <a:spAutoFit/>
+          </a:bodyPr>
+          <a:lstStyle/>
+          <a:p>
+            <a:pPr algn="ctr"/>
+            <a:r>
+              <a:rPr lang="mr-IN" sz="2200" dirty="0" smtClean="0"/>
+              <a:t>…</a:t>
+            </a:r>
+            <a:r>
+              <a:rPr lang="en-US" sz="2200" dirty="0" smtClean="0"/>
+              <a:t> Body </a:t>
+            </a:r>
+            <a:r>
+              <a:rPr lang="mr-IN" sz="2200" dirty="0" smtClean="0"/>
+              <a:t>…</a:t>
+            </a:r>
+            <a:endParaRPr lang="en-US" sz="2200" dirty="0"/>
+          </a:p>
+        </p:txBody>
+      </p:sp>
+      <p:sp>
+        <p:nvSpPr>
+          <p:cNvPr id="27" name="TextBox 26"/>
+          <p:cNvSpPr txBox="1"/>
+          <p:nvPr/>
+        </p:nvSpPr>
+        <p:spPr>
+          <a:xfrm>
+            <a:off x="8856038" y="899653"/>
+            <a:ext cx="470000" cy="430887"/>
+          </a:xfrm>
+          <a:prstGeom prst="rect">
+            <a:avLst/>
+          </a:prstGeom>
+          <a:noFill/>
+        </p:spPr>
+        <p:txBody>
+          <a:bodyPr wrap="none" rtlCol="0">
+            <a:spAutoFit/>
+          </a:bodyPr>
+          <a:lstStyle/>
+          <a:p>
+            <a:pPr algn="ctr"/>
+            <a:r>
+              <a:rPr lang="en-US" sz="2200" dirty="0" smtClean="0"/>
+              <a:t>16</a:t>
+            </a:r>
+            <a:endParaRPr lang="en-US" sz="2200" dirty="0"/>
+          </a:p>
+        </p:txBody>
+      </p:sp>
+      <p:sp>
+        <p:nvSpPr>
+          <p:cNvPr id="28" name="Rectangle 27"/>
+          <p:cNvSpPr/>
+          <p:nvPr/>
+        </p:nvSpPr>
+        <p:spPr>
+          <a:xfrm>
+            <a:off x="958644" y="2734786"/>
+            <a:ext cx="9946712" cy="752168"/>
+          </a:xfrm>
+          <a:prstGeom prst="rect">
+            <a:avLst/>
+          </a:prstGeom>
+          <a:noFill/>
+          <a:ln w="28575">
+            <a:solidFill>
+              <a:srgbClr val="00B0F0"/>
+            </a:solidFill>
+          </a:ln>
+        </p:spPr>
+        <p:style>
+          <a:lnRef idx="2">
+            <a:schemeClr val="accent1">
+              <a:shade val="50000"/>
+            </a:schemeClr>
+          </a:lnRef>
+          <a:fillRef idx="1">
+            <a:schemeClr val="accent1"/>
+          </a:fillRef>
+          <a:effectRef idx="0">
+            <a:schemeClr val="accent1"/>
+          </a:effectRef>
+          <a:fontRef idx="minor">
+            <a:schemeClr val="lt1"/>
+          </a:fontRef>
+        </p:style>
+        <p:txBody>
+          <a:bodyPr rtlCol="0" anchor="ctr"/>
+          <a:lstStyle/>
+          <a:p>
+            <a:pPr algn="ctr"/>
+            <a:endParaRPr lang="en-US"/>
+          </a:p>
+        </p:txBody>
+      </p:sp>
+      <p:cxnSp>
+        <p:nvCxnSpPr>
+          <p:cNvPr id="29" name="Straight Connector 28"/>
+          <p:cNvCxnSpPr/>
+          <p:nvPr/>
+        </p:nvCxnSpPr>
+        <p:spPr>
+          <a:xfrm>
+            <a:off x="2625213" y="2734786"/>
+            <a:ext cx="0" cy="752168"/>
+          </a:xfrm>
+          <a:prstGeom prst="line">
+            <a:avLst/>
+          </a:prstGeom>
+          <a:ln w="28575">
+            <a:solidFill>
+              <a:srgbClr val="00B0F0"/>
+            </a:solidFill>
+          </a:ln>
+        </p:spPr>
+        <p:style>
+          <a:lnRef idx="1">
+            <a:schemeClr val="accent1"/>
+          </a:lnRef>
+          <a:fillRef idx="0">
+            <a:schemeClr val="accent1"/>
+          </a:fillRef>
+          <a:effectRef idx="0">
+            <a:schemeClr val="accent1"/>
+          </a:effectRef>
+          <a:fontRef idx="minor">
+            <a:schemeClr val="tx1"/>
+          </a:fontRef>
+        </p:style>
+      </p:cxnSp>
+      <p:cxnSp>
+        <p:nvCxnSpPr>
+          <p:cNvPr id="30" name="Straight Connector 29"/>
+          <p:cNvCxnSpPr/>
+          <p:nvPr/>
+        </p:nvCxnSpPr>
+        <p:spPr>
+          <a:xfrm>
+            <a:off x="4208207" y="2734786"/>
+            <a:ext cx="0" cy="752168"/>
+          </a:xfrm>
+          <a:prstGeom prst="line">
+            <a:avLst/>
+          </a:prstGeom>
+          <a:ln w="28575">
+            <a:solidFill>
+              <a:srgbClr val="00B0F0"/>
+            </a:solidFill>
+          </a:ln>
+        </p:spPr>
+        <p:style>
+          <a:lnRef idx="1">
+            <a:schemeClr val="accent1"/>
+          </a:lnRef>
+          <a:fillRef idx="0">
+            <a:schemeClr val="accent1"/>
+          </a:fillRef>
+          <a:effectRef idx="0">
+            <a:schemeClr val="accent1"/>
+          </a:effectRef>
+          <a:fontRef idx="minor">
+            <a:schemeClr val="tx1"/>
+          </a:fontRef>
+        </p:style>
+      </p:cxnSp>
+      <p:cxnSp>
+        <p:nvCxnSpPr>
+          <p:cNvPr id="31" name="Straight Connector 30"/>
+          <p:cNvCxnSpPr/>
+          <p:nvPr/>
+        </p:nvCxnSpPr>
+        <p:spPr>
+          <a:xfrm>
+            <a:off x="5805949" y="2734786"/>
+            <a:ext cx="0" cy="752168"/>
+          </a:xfrm>
+          <a:prstGeom prst="line">
+            <a:avLst/>
+          </a:prstGeom>
+          <a:ln w="28575">
+            <a:solidFill>
+              <a:srgbClr val="00B0F0"/>
+            </a:solidFill>
+          </a:ln>
+        </p:spPr>
+        <p:style>
+          <a:lnRef idx="1">
+            <a:schemeClr val="accent1"/>
+          </a:lnRef>
+          <a:fillRef idx="0">
+            <a:schemeClr val="accent1"/>
+          </a:fillRef>
+          <a:effectRef idx="0">
+            <a:schemeClr val="accent1"/>
+          </a:effectRef>
+          <a:fontRef idx="minor">
+            <a:schemeClr val="tx1"/>
+          </a:fontRef>
+        </p:style>
+      </p:cxnSp>
+      <p:sp>
+        <p:nvSpPr>
+          <p:cNvPr id="32" name="Rectangle 31"/>
+          <p:cNvSpPr/>
+          <p:nvPr/>
+        </p:nvSpPr>
+        <p:spPr>
+          <a:xfrm>
+            <a:off x="8153241" y="2734786"/>
+            <a:ext cx="1887793" cy="752168"/>
+          </a:xfrm>
+          <a:prstGeom prst="rect">
+            <a:avLst/>
+          </a:prstGeom>
+          <a:solidFill>
+            <a:srgbClr val="CFE7F1"/>
+          </a:solidFill>
+          <a:ln w="28575">
+            <a:solidFill>
+              <a:srgbClr val="00B0F0"/>
+            </a:solidFill>
+          </a:ln>
+        </p:spPr>
+        <p:style>
+          <a:lnRef idx="2">
+            <a:schemeClr val="accent1">
+              <a:shade val="50000"/>
+            </a:schemeClr>
+          </a:lnRef>
+          <a:fillRef idx="1">
+            <a:schemeClr val="accent1"/>
+          </a:fillRef>
+          <a:effectRef idx="0">
+            <a:schemeClr val="accent1"/>
+          </a:effectRef>
+          <a:fontRef idx="minor">
+            <a:schemeClr val="lt1"/>
+          </a:fontRef>
+        </p:style>
+        <p:txBody>
+          <a:bodyPr rtlCol="0" anchor="ctr"/>
+          <a:lstStyle/>
+          <a:p>
+            <a:pPr algn="ctr"/>
+            <a:endParaRPr lang="en-US"/>
+          </a:p>
+        </p:txBody>
+      </p:sp>
+      <p:sp>
+        <p:nvSpPr>
+          <p:cNvPr id="33" name="TextBox 32"/>
+          <p:cNvSpPr txBox="1"/>
+          <p:nvPr/>
+        </p:nvSpPr>
+        <p:spPr>
+          <a:xfrm>
+            <a:off x="1154734" y="2895427"/>
+            <a:ext cx="1361767" cy="430887"/>
+          </a:xfrm>
+          <a:prstGeom prst="rect">
+            <a:avLst/>
+          </a:prstGeom>
+          <a:noFill/>
+        </p:spPr>
+        <p:txBody>
+          <a:bodyPr wrap="square" rtlCol="0">
+            <a:spAutoFit/>
+          </a:bodyPr>
+          <a:lstStyle/>
+          <a:p>
+            <a:pPr algn="ctr"/>
+            <a:r>
+              <a:rPr lang="en-US" sz="2200" dirty="0" smtClean="0"/>
+              <a:t>Preamble</a:t>
+            </a:r>
+            <a:endParaRPr lang="en-US" sz="2200" dirty="0"/>
+          </a:p>
+        </p:txBody>
+      </p:sp>
+      <p:sp>
+        <p:nvSpPr>
+          <p:cNvPr id="34" name="TextBox 33"/>
+          <p:cNvSpPr txBox="1"/>
+          <p:nvPr/>
+        </p:nvSpPr>
+        <p:spPr>
+          <a:xfrm>
+            <a:off x="2743203" y="2895427"/>
+            <a:ext cx="1361767" cy="430887"/>
+          </a:xfrm>
+          <a:prstGeom prst="rect">
+            <a:avLst/>
+          </a:prstGeom>
+          <a:noFill/>
+        </p:spPr>
+        <p:txBody>
+          <a:bodyPr wrap="square" rtlCol="0">
+            <a:spAutoFit/>
+          </a:bodyPr>
+          <a:lstStyle/>
+          <a:p>
+            <a:pPr algn="ctr"/>
+            <a:r>
+              <a:rPr lang="en-US" sz="2200" dirty="0" err="1" smtClean="0"/>
+              <a:t>DestAddr</a:t>
+            </a:r>
+            <a:endParaRPr lang="en-US" sz="2200" dirty="0"/>
+          </a:p>
+        </p:txBody>
+      </p:sp>
+      <p:sp>
+        <p:nvSpPr>
+          <p:cNvPr id="35" name="TextBox 34"/>
+          <p:cNvSpPr txBox="1"/>
+          <p:nvPr/>
+        </p:nvSpPr>
+        <p:spPr>
+          <a:xfrm>
+            <a:off x="4341325" y="2895427"/>
+            <a:ext cx="1361767" cy="430887"/>
+          </a:xfrm>
+          <a:prstGeom prst="rect">
+            <a:avLst/>
+          </a:prstGeom>
+          <a:noFill/>
+        </p:spPr>
+        <p:txBody>
+          <a:bodyPr wrap="square" rtlCol="0">
+            <a:spAutoFit/>
+          </a:bodyPr>
+          <a:lstStyle/>
+          <a:p>
+            <a:pPr algn="ctr"/>
+            <a:r>
+              <a:rPr lang="en-US" sz="2200" dirty="0" err="1" smtClean="0"/>
+              <a:t>SrcAddr</a:t>
+            </a:r>
+            <a:endParaRPr lang="en-US" sz="2200" dirty="0"/>
+          </a:p>
+        </p:txBody>
+      </p:sp>
+      <p:sp>
+        <p:nvSpPr>
+          <p:cNvPr id="36" name="TextBox 35"/>
+          <p:cNvSpPr txBox="1"/>
+          <p:nvPr/>
+        </p:nvSpPr>
+        <p:spPr>
+          <a:xfrm>
+            <a:off x="7278171" y="2895427"/>
+            <a:ext cx="868009" cy="430887"/>
+          </a:xfrm>
+          <a:prstGeom prst="rect">
+            <a:avLst/>
+          </a:prstGeom>
+          <a:noFill/>
+        </p:spPr>
+        <p:txBody>
+          <a:bodyPr wrap="square" rtlCol="0">
+            <a:spAutoFit/>
+          </a:bodyPr>
+          <a:lstStyle/>
+          <a:p>
+            <a:pPr algn="ctr"/>
+            <a:r>
+              <a:rPr lang="en-US" sz="2200" dirty="0" smtClean="0"/>
+              <a:t>Type</a:t>
+            </a:r>
+            <a:endParaRPr lang="en-US" sz="2200" dirty="0"/>
+          </a:p>
+        </p:txBody>
+      </p:sp>
+      <p:sp>
+        <p:nvSpPr>
+          <p:cNvPr id="37" name="TextBox 36"/>
+          <p:cNvSpPr txBox="1"/>
+          <p:nvPr/>
+        </p:nvSpPr>
+        <p:spPr>
+          <a:xfrm>
+            <a:off x="10037347" y="2895427"/>
+            <a:ext cx="868009" cy="430887"/>
+          </a:xfrm>
+          <a:prstGeom prst="rect">
+            <a:avLst/>
+          </a:prstGeom>
+          <a:noFill/>
+        </p:spPr>
+        <p:txBody>
+          <a:bodyPr wrap="square" rtlCol="0">
+            <a:spAutoFit/>
+          </a:bodyPr>
+          <a:lstStyle/>
+          <a:p>
+            <a:pPr algn="ctr"/>
+            <a:r>
+              <a:rPr lang="en-US" sz="2200" dirty="0" smtClean="0"/>
+              <a:t>CRC</a:t>
+            </a:r>
+            <a:endParaRPr lang="en-US" sz="2200" dirty="0"/>
+          </a:p>
+        </p:txBody>
+      </p:sp>
+      <p:sp>
+        <p:nvSpPr>
+          <p:cNvPr id="38" name="TextBox 37"/>
+          <p:cNvSpPr txBox="1"/>
+          <p:nvPr/>
+        </p:nvSpPr>
+        <p:spPr>
+          <a:xfrm>
+            <a:off x="8418254" y="2895427"/>
+            <a:ext cx="1361767" cy="430887"/>
+          </a:xfrm>
+          <a:prstGeom prst="rect">
+            <a:avLst/>
+          </a:prstGeom>
+          <a:noFill/>
+        </p:spPr>
+        <p:txBody>
+          <a:bodyPr wrap="square" rtlCol="0">
+            <a:spAutoFit/>
+          </a:bodyPr>
+          <a:lstStyle/>
+          <a:p>
+            <a:pPr algn="ctr"/>
+            <a:r>
+              <a:rPr lang="mr-IN" sz="2200" dirty="0" smtClean="0"/>
+              <a:t>…</a:t>
+            </a:r>
+            <a:r>
+              <a:rPr lang="en-US" sz="2200" dirty="0" smtClean="0"/>
+              <a:t> Body </a:t>
+            </a:r>
+            <a:r>
+              <a:rPr lang="mr-IN" sz="2200" dirty="0" smtClean="0"/>
+              <a:t>…</a:t>
+            </a:r>
+            <a:endParaRPr lang="en-US" sz="2200" dirty="0"/>
+          </a:p>
+        </p:txBody>
+      </p:sp>
+      <p:cxnSp>
+        <p:nvCxnSpPr>
+          <p:cNvPr id="39" name="Straight Connector 38"/>
+          <p:cNvCxnSpPr/>
+          <p:nvPr/>
+        </p:nvCxnSpPr>
+        <p:spPr>
+          <a:xfrm>
+            <a:off x="7278171" y="2734786"/>
+            <a:ext cx="0" cy="752168"/>
+          </a:xfrm>
+          <a:prstGeom prst="line">
+            <a:avLst/>
+          </a:prstGeom>
+          <a:ln w="28575">
+            <a:solidFill>
+              <a:srgbClr val="00B0F0"/>
+            </a:solidFill>
+          </a:ln>
+        </p:spPr>
+        <p:style>
+          <a:lnRef idx="1">
+            <a:schemeClr val="accent1"/>
+          </a:lnRef>
+          <a:fillRef idx="0">
+            <a:schemeClr val="accent1"/>
+          </a:fillRef>
+          <a:effectRef idx="0">
+            <a:schemeClr val="accent1"/>
+          </a:effectRef>
+          <a:fontRef idx="minor">
+            <a:schemeClr val="tx1"/>
+          </a:fontRef>
+        </p:style>
+      </p:cxnSp>
+      <p:cxnSp>
+        <p:nvCxnSpPr>
+          <p:cNvPr id="40" name="Straight Connector 39"/>
+          <p:cNvCxnSpPr/>
+          <p:nvPr/>
+        </p:nvCxnSpPr>
+        <p:spPr>
+          <a:xfrm>
+            <a:off x="5805949" y="2064775"/>
+            <a:ext cx="0" cy="670011"/>
+          </a:xfrm>
+          <a:prstGeom prst="line">
+            <a:avLst/>
+          </a:prstGeom>
+          <a:ln w="12700">
+            <a:solidFill>
+              <a:schemeClr val="tx1"/>
+            </a:solidFill>
+            <a:prstDash val="sysDash"/>
+          </a:ln>
+        </p:spPr>
+        <p:style>
+          <a:lnRef idx="1">
+            <a:schemeClr val="accent1"/>
+          </a:lnRef>
+          <a:fillRef idx="0">
+            <a:schemeClr val="accent1"/>
+          </a:fillRef>
+          <a:effectRef idx="0">
+            <a:schemeClr val="accent1"/>
+          </a:effectRef>
+          <a:fontRef idx="minor">
+            <a:schemeClr val="tx1"/>
+          </a:fontRef>
+        </p:style>
+      </p:cxnSp>
+      <p:cxnSp>
+        <p:nvCxnSpPr>
+          <p:cNvPr id="42" name="Straight Connector 41"/>
+          <p:cNvCxnSpPr/>
+          <p:nvPr/>
+        </p:nvCxnSpPr>
+        <p:spPr>
+          <a:xfrm>
+            <a:off x="5805949" y="2064775"/>
+            <a:ext cx="1472222" cy="670011"/>
+          </a:xfrm>
+          <a:prstGeom prst="line">
+            <a:avLst/>
+          </a:prstGeom>
+          <a:ln w="9525">
+            <a:solidFill>
+              <a:schemeClr val="tx1"/>
+            </a:solidFill>
+            <a:prstDash val="sysDash"/>
+          </a:ln>
+        </p:spPr>
+        <p:style>
+          <a:lnRef idx="1">
+            <a:schemeClr val="accent1"/>
+          </a:lnRef>
+          <a:fillRef idx="0">
+            <a:schemeClr val="accent1"/>
+          </a:fillRef>
+          <a:effectRef idx="0">
+            <a:schemeClr val="accent1"/>
+          </a:effectRef>
+          <a:fontRef idx="minor">
+            <a:schemeClr val="tx1"/>
+          </a:fontRef>
+        </p:style>
+      </p:cxnSp>
+      <p:sp>
+        <p:nvSpPr>
+          <p:cNvPr id="44" name="TextBox 43"/>
+          <p:cNvSpPr txBox="1"/>
+          <p:nvPr/>
+        </p:nvSpPr>
+        <p:spPr>
+          <a:xfrm>
+            <a:off x="5867849" y="2713156"/>
+            <a:ext cx="1361767" cy="769441"/>
+          </a:xfrm>
+          <a:prstGeom prst="rect">
+            <a:avLst/>
+          </a:prstGeom>
+          <a:noFill/>
+        </p:spPr>
+        <p:txBody>
+          <a:bodyPr wrap="square" rtlCol="0">
+            <a:spAutoFit/>
+          </a:bodyPr>
+          <a:lstStyle/>
+          <a:p>
+            <a:pPr algn="ctr"/>
+            <a:r>
+              <a:rPr lang="en-US" sz="2200" dirty="0" smtClean="0"/>
+              <a:t>802.1Q</a:t>
+            </a:r>
+          </a:p>
+          <a:p>
+            <a:pPr algn="ctr"/>
+            <a:r>
+              <a:rPr lang="en-US" sz="2200" dirty="0" err="1" smtClean="0"/>
+              <a:t>Hdr</a:t>
+            </a:r>
+            <a:endParaRPr lang="en-US" sz="2200" dirty="0"/>
+          </a:p>
+        </p:txBody>
+      </p:sp>
+      <p:grpSp>
+        <p:nvGrpSpPr>
+          <p:cNvPr id="51" name="Group 50"/>
+          <p:cNvGrpSpPr/>
+          <p:nvPr/>
+        </p:nvGrpSpPr>
+        <p:grpSpPr>
+          <a:xfrm>
+            <a:off x="5033956" y="3643238"/>
+            <a:ext cx="2232559" cy="1107996"/>
+            <a:chOff x="5351341" y="3819515"/>
+            <a:chExt cx="2232559" cy="1107996"/>
+          </a:xfrm>
+        </p:grpSpPr>
+        <p:sp>
+          <p:nvSpPr>
+            <p:cNvPr id="45" name="TextBox 44"/>
+            <p:cNvSpPr txBox="1"/>
+            <p:nvPr/>
+          </p:nvSpPr>
+          <p:spPr>
+            <a:xfrm>
+              <a:off x="5351341" y="4158070"/>
+              <a:ext cx="675185" cy="430887"/>
+            </a:xfrm>
+            <a:prstGeom prst="rect">
+              <a:avLst/>
+            </a:prstGeom>
+            <a:noFill/>
+          </p:spPr>
+          <p:txBody>
+            <a:bodyPr wrap="none" rtlCol="0">
+              <a:spAutoFit/>
+            </a:bodyPr>
+            <a:lstStyle/>
+            <a:p>
+              <a:pPr algn="ctr"/>
+              <a:r>
+                <a:rPr lang="en-US" sz="2200" smtClean="0"/>
+                <a:t>32 =</a:t>
+              </a:r>
+              <a:endParaRPr lang="en-US" sz="2200" dirty="0"/>
+            </a:p>
+          </p:txBody>
+        </p:sp>
+        <p:sp>
+          <p:nvSpPr>
+            <p:cNvPr id="48" name="TextBox 47"/>
+            <p:cNvSpPr txBox="1"/>
+            <p:nvPr/>
+          </p:nvSpPr>
+          <p:spPr>
+            <a:xfrm>
+              <a:off x="6099214" y="3819515"/>
+              <a:ext cx="545342" cy="1107996"/>
+            </a:xfrm>
+            <a:prstGeom prst="rect">
+              <a:avLst/>
+            </a:prstGeom>
+            <a:noFill/>
+          </p:spPr>
+          <p:txBody>
+            <a:bodyPr wrap="none" rtlCol="0" anchor="ctr">
+              <a:spAutoFit/>
+            </a:bodyPr>
+            <a:lstStyle/>
+            <a:p>
+              <a:pPr algn="r"/>
+              <a:r>
+                <a:rPr lang="en-US" sz="2200" dirty="0" smtClean="0"/>
+                <a:t>16:</a:t>
+              </a:r>
+            </a:p>
+            <a:p>
+              <a:pPr algn="r"/>
+              <a:r>
+                <a:rPr lang="en-US" sz="2200" dirty="0" smtClean="0"/>
+                <a:t>4:</a:t>
+              </a:r>
+            </a:p>
+            <a:p>
+              <a:pPr algn="r"/>
+              <a:r>
+                <a:rPr lang="en-US" sz="2200" dirty="0" smtClean="0"/>
+                <a:t>12:</a:t>
+              </a:r>
+              <a:endParaRPr lang="en-US" sz="2200" dirty="0"/>
+            </a:p>
+          </p:txBody>
+        </p:sp>
+        <p:sp>
+          <p:nvSpPr>
+            <p:cNvPr id="46" name="Left Brace 45"/>
+            <p:cNvSpPr/>
+            <p:nvPr/>
+          </p:nvSpPr>
+          <p:spPr>
+            <a:xfrm>
+              <a:off x="5995977" y="3819515"/>
+              <a:ext cx="155487" cy="1107996"/>
+            </a:xfrm>
+            <a:prstGeom prst="leftBrace">
+              <a:avLst/>
+            </a:prstGeom>
+            <a:ln>
+              <a:solidFill>
+                <a:schemeClr val="tx1"/>
+              </a:solidFill>
+            </a:ln>
+          </p:spPr>
+          <p:style>
+            <a:lnRef idx="1">
+              <a:schemeClr val="accent1"/>
+            </a:lnRef>
+            <a:fillRef idx="0">
+              <a:schemeClr val="accent1"/>
+            </a:fillRef>
+            <a:effectRef idx="0">
+              <a:schemeClr val="accent1"/>
+            </a:effectRef>
+            <a:fontRef idx="minor">
+              <a:schemeClr val="tx1"/>
+            </a:fontRef>
+          </p:style>
+          <p:txBody>
+            <a:bodyPr rtlCol="0" anchor="ctr"/>
+            <a:lstStyle/>
+            <a:p>
+              <a:pPr algn="ctr"/>
+              <a:endParaRPr lang="en-US"/>
+            </a:p>
+          </p:txBody>
+        </p:sp>
+        <p:sp>
+          <p:nvSpPr>
+            <p:cNvPr id="50" name="TextBox 49"/>
+            <p:cNvSpPr txBox="1"/>
+            <p:nvPr/>
+          </p:nvSpPr>
+          <p:spPr>
+            <a:xfrm>
+              <a:off x="6553490" y="3819515"/>
+              <a:ext cx="1030410" cy="1107996"/>
+            </a:xfrm>
+            <a:prstGeom prst="rect">
+              <a:avLst/>
+            </a:prstGeom>
+            <a:noFill/>
+          </p:spPr>
+          <p:txBody>
+            <a:bodyPr wrap="none" rtlCol="0" anchor="ctr">
+              <a:spAutoFit/>
+            </a:bodyPr>
+            <a:lstStyle/>
+            <a:p>
+              <a:r>
+                <a:rPr lang="en-US" sz="2200" dirty="0" smtClean="0"/>
+                <a:t>Type</a:t>
+              </a:r>
+            </a:p>
+            <a:p>
+              <a:r>
+                <a:rPr lang="en-US" sz="2200" dirty="0" smtClean="0"/>
+                <a:t>Control</a:t>
+              </a:r>
+            </a:p>
+            <a:p>
+              <a:r>
+                <a:rPr lang="en-US" sz="2200" dirty="0" smtClean="0"/>
+                <a:t>Tag</a:t>
+              </a:r>
+              <a:endParaRPr lang="en-US" sz="2200" dirty="0"/>
+            </a:p>
+          </p:txBody>
+        </p:sp>
+      </p:grpSp>
+      <p:sp>
+        <p:nvSpPr>
+          <p:cNvPr id="52" name="TextBox 51"/>
+          <p:cNvSpPr txBox="1"/>
+          <p:nvPr/>
+        </p:nvSpPr>
+        <p:spPr>
+          <a:xfrm>
+            <a:off x="956820" y="2066077"/>
+            <a:ext cx="825867" cy="430887"/>
+          </a:xfrm>
+          <a:prstGeom prst="rect">
+            <a:avLst/>
+          </a:prstGeom>
+          <a:noFill/>
+        </p:spPr>
+        <p:txBody>
+          <a:bodyPr wrap="none" rtlCol="0">
+            <a:spAutoFit/>
+          </a:bodyPr>
+          <a:lstStyle/>
+          <a:p>
+            <a:r>
+              <a:rPr lang="en-US" sz="2200" dirty="0" smtClean="0"/>
+              <a:t>802.1</a:t>
+            </a:r>
+            <a:endParaRPr lang="en-US" sz="2200" dirty="0"/>
+          </a:p>
+        </p:txBody>
+      </p:sp>
+      <p:sp>
+        <p:nvSpPr>
+          <p:cNvPr id="54" name="TextBox 53"/>
+          <p:cNvSpPr txBox="1"/>
+          <p:nvPr/>
+        </p:nvSpPr>
+        <p:spPr>
+          <a:xfrm>
+            <a:off x="958644" y="3481010"/>
+            <a:ext cx="1015021" cy="430887"/>
+          </a:xfrm>
+          <a:prstGeom prst="rect">
+            <a:avLst/>
+          </a:prstGeom>
+          <a:noFill/>
+        </p:spPr>
+        <p:txBody>
+          <a:bodyPr wrap="none" rtlCol="0">
+            <a:spAutoFit/>
+          </a:bodyPr>
+          <a:lstStyle/>
+          <a:p>
+            <a:r>
+              <a:rPr lang="en-US" sz="2200" smtClean="0"/>
+              <a:t>802.1Q</a:t>
+            </a:r>
+            <a:endParaRPr lang="en-US" sz="2200"/>
+          </a:p>
+        </p:txBody>
+      </p:sp>
+    </p:spTree>
+    <p:extLst>
+      <p:ext uri="{BB962C8B-B14F-4D97-AF65-F5344CB8AC3E}">
+        <p14:creationId xmlns:p14="http://schemas.microsoft.com/office/powerpoint/2010/main" val="244693245"/>
       </p:ext>
     </p:extLst>
   </p:cSld>

--- a/sdn/figures.pptx
+++ b/sdn/figures.pptx
@@ -5,7 +5,7 @@
     <p:sldMasterId id="2147483648" r:id="rId1"/>
   </p:sldMasterIdLst>
   <p:notesMasterIdLst>
-    <p:notesMasterId r:id="rId7"/>
+    <p:notesMasterId r:id="rId8"/>
   </p:notesMasterIdLst>
   <p:sldIdLst>
     <p:sldId id="259" r:id="rId2"/>
@@ -13,6 +13,7 @@
     <p:sldId id="261" r:id="rId4"/>
     <p:sldId id="262" r:id="rId5"/>
     <p:sldId id="263" r:id="rId6"/>
+    <p:sldId id="264" r:id="rId7"/>
   </p:sldIdLst>
   <p:sldSz cx="12192000" cy="6858000"/>
   <p:notesSz cx="6858000" cy="9144000"/>
@@ -201,7 +202,7 @@
           <a:p>
             <a:fld id="{2863C8FA-B8BC-9144-A506-E432740B92D8}" type="datetimeFigureOut">
               <a:rPr lang="en-US" smtClean="0"/>
-              <a:t>3/25/19</a:t>
+              <a:t>4/2/19</a:t>
             </a:fld>
             <a:endParaRPr lang="en-US"/>
           </a:p>
@@ -684,7 +685,7 @@
           <a:p>
             <a:fld id="{5D97E163-DB95-D24D-8C95-263DECB1FC34}" type="datetimeFigureOut">
               <a:rPr lang="en-US" smtClean="0"/>
-              <a:t>3/25/19</a:t>
+              <a:t>4/2/19</a:t>
             </a:fld>
             <a:endParaRPr lang="en-US"/>
           </a:p>
@@ -854,7 +855,7 @@
           <a:p>
             <a:fld id="{5D97E163-DB95-D24D-8C95-263DECB1FC34}" type="datetimeFigureOut">
               <a:rPr lang="en-US" smtClean="0"/>
-              <a:t>3/25/19</a:t>
+              <a:t>4/2/19</a:t>
             </a:fld>
             <a:endParaRPr lang="en-US"/>
           </a:p>
@@ -1034,7 +1035,7 @@
           <a:p>
             <a:fld id="{5D97E163-DB95-D24D-8C95-263DECB1FC34}" type="datetimeFigureOut">
               <a:rPr lang="en-US" smtClean="0"/>
-              <a:t>3/25/19</a:t>
+              <a:t>4/2/19</a:t>
             </a:fld>
             <a:endParaRPr lang="en-US"/>
           </a:p>
@@ -1204,7 +1205,7 @@
           <a:p>
             <a:fld id="{5D97E163-DB95-D24D-8C95-263DECB1FC34}" type="datetimeFigureOut">
               <a:rPr lang="en-US" smtClean="0"/>
-              <a:t>3/25/19</a:t>
+              <a:t>4/2/19</a:t>
             </a:fld>
             <a:endParaRPr lang="en-US"/>
           </a:p>
@@ -1450,7 +1451,7 @@
           <a:p>
             <a:fld id="{5D97E163-DB95-D24D-8C95-263DECB1FC34}" type="datetimeFigureOut">
               <a:rPr lang="en-US" smtClean="0"/>
-              <a:t>3/25/19</a:t>
+              <a:t>4/2/19</a:t>
             </a:fld>
             <a:endParaRPr lang="en-US"/>
           </a:p>
@@ -1682,7 +1683,7 @@
           <a:p>
             <a:fld id="{5D97E163-DB95-D24D-8C95-263DECB1FC34}" type="datetimeFigureOut">
               <a:rPr lang="en-US" smtClean="0"/>
-              <a:t>3/25/19</a:t>
+              <a:t>4/2/19</a:t>
             </a:fld>
             <a:endParaRPr lang="en-US"/>
           </a:p>
@@ -2049,7 +2050,7 @@
           <a:p>
             <a:fld id="{5D97E163-DB95-D24D-8C95-263DECB1FC34}" type="datetimeFigureOut">
               <a:rPr lang="en-US" smtClean="0"/>
-              <a:t>3/25/19</a:t>
+              <a:t>4/2/19</a:t>
             </a:fld>
             <a:endParaRPr lang="en-US"/>
           </a:p>
@@ -2167,7 +2168,7 @@
           <a:p>
             <a:fld id="{5D97E163-DB95-D24D-8C95-263DECB1FC34}" type="datetimeFigureOut">
               <a:rPr lang="en-US" smtClean="0"/>
-              <a:t>3/25/19</a:t>
+              <a:t>4/2/19</a:t>
             </a:fld>
             <a:endParaRPr lang="en-US"/>
           </a:p>
@@ -2262,7 +2263,7 @@
           <a:p>
             <a:fld id="{5D97E163-DB95-D24D-8C95-263DECB1FC34}" type="datetimeFigureOut">
               <a:rPr lang="en-US" smtClean="0"/>
-              <a:t>3/25/19</a:t>
+              <a:t>4/2/19</a:t>
             </a:fld>
             <a:endParaRPr lang="en-US"/>
           </a:p>
@@ -2539,7 +2540,7 @@
           <a:p>
             <a:fld id="{5D97E163-DB95-D24D-8C95-263DECB1FC34}" type="datetimeFigureOut">
               <a:rPr lang="en-US" smtClean="0"/>
-              <a:t>3/25/19</a:t>
+              <a:t>4/2/19</a:t>
             </a:fld>
             <a:endParaRPr lang="en-US"/>
           </a:p>
@@ -2792,7 +2793,7 @@
           <a:p>
             <a:fld id="{5D97E163-DB95-D24D-8C95-263DECB1FC34}" type="datetimeFigureOut">
               <a:rPr lang="en-US" smtClean="0"/>
-              <a:t>3/25/19</a:t>
+              <a:t>4/2/19</a:t>
             </a:fld>
             <a:endParaRPr lang="en-US"/>
           </a:p>
@@ -3005,7 +3006,7 @@
           <a:p>
             <a:fld id="{5D97E163-DB95-D24D-8C95-263DECB1FC34}" type="datetimeFigureOut">
               <a:rPr lang="en-US" smtClean="0"/>
-              <a:t>3/25/19</a:t>
+              <a:t>4/2/19</a:t>
             </a:fld>
             <a:endParaRPr lang="en-US"/>
           </a:p>
@@ -10685,10 +10686,10 @@
           <a:lstStyle/>
           <a:p>
             <a:r>
-              <a:rPr lang="en-US" sz="2200" smtClean="0"/>
+              <a:rPr lang="en-US" sz="2200" dirty="0" smtClean="0"/>
               <a:t>802.1Q</a:t>
             </a:r>
-            <a:endParaRPr lang="en-US" sz="2200"/>
+            <a:endParaRPr lang="en-US" sz="2200" dirty="0"/>
           </a:p>
         </p:txBody>
       </p:sp>
@@ -10696,6 +10697,936 @@
     <p:extLst>
       <p:ext uri="{BB962C8B-B14F-4D97-AF65-F5344CB8AC3E}">
         <p14:creationId xmlns:p14="http://schemas.microsoft.com/office/powerpoint/2010/main" val="244693245"/>
+      </p:ext>
+    </p:extLst>
+  </p:cSld>
+  <p:clrMapOvr>
+    <a:masterClrMapping/>
+  </p:clrMapOvr>
+  <p:timing>
+    <p:tnLst>
+      <p:par>
+        <p:cTn id="1" dur="indefinite" restart="never" nodeType="tmRoot"/>
+      </p:par>
+    </p:tnLst>
+  </p:timing>
+</p:sld>
+</file>
+
+<file path=ppt/slides/slide6.xml><?xml version="1.0" encoding="utf-8"?>
+<p:sld xmlns:a="http://schemas.openxmlformats.org/drawingml/2006/main" xmlns:r="http://schemas.openxmlformats.org/officeDocument/2006/relationships" xmlns:p="http://schemas.openxmlformats.org/presentationml/2006/main">
+  <p:cSld>
+    <p:spTree>
+      <p:nvGrpSpPr>
+        <p:cNvPr id="1" name=""/>
+        <p:cNvGrpSpPr/>
+        <p:nvPr/>
+      </p:nvGrpSpPr>
+      <p:grpSpPr>
+        <a:xfrm>
+          <a:off x="0" y="0"/>
+          <a:ext cx="0" cy="0"/>
+          <a:chOff x="0" y="0"/>
+          <a:chExt cx="0" cy="0"/>
+        </a:xfrm>
+      </p:grpSpPr>
+      <p:sp>
+        <p:nvSpPr>
+          <p:cNvPr id="4" name="TextBox 3"/>
+          <p:cNvSpPr txBox="1"/>
+          <p:nvPr/>
+        </p:nvSpPr>
+        <p:spPr>
+          <a:xfrm flipH="1">
+            <a:off x="8413146" y="1421996"/>
+            <a:ext cx="1572867" cy="400110"/>
+          </a:xfrm>
+          <a:prstGeom prst="rect">
+            <a:avLst/>
+          </a:prstGeom>
+          <a:noFill/>
+        </p:spPr>
+        <p:txBody>
+          <a:bodyPr wrap="none" rtlCol="0" anchor="ctr">
+            <a:spAutoFit/>
+          </a:bodyPr>
+          <a:lstStyle/>
+          <a:p>
+            <a:pPr algn="ctr"/>
+            <a:r>
+              <a:rPr lang="en-US" sz="2000" dirty="0"/>
+              <a:t>Public Clouds</a:t>
+            </a:r>
+          </a:p>
+        </p:txBody>
+      </p:sp>
+      <p:sp>
+        <p:nvSpPr>
+          <p:cNvPr id="5" name="Trapezoid 4"/>
+          <p:cNvSpPr/>
+          <p:nvPr/>
+        </p:nvSpPr>
+        <p:spPr>
+          <a:xfrm rot="5400000" flipH="1">
+            <a:off x="2852820" y="2082723"/>
+            <a:ext cx="798068" cy="404615"/>
+          </a:xfrm>
+          <a:prstGeom prst="trapezoid">
+            <a:avLst>
+              <a:gd name="adj" fmla="val 81339"/>
+            </a:avLst>
+          </a:prstGeom>
+          <a:ln>
+            <a:noFill/>
+          </a:ln>
+        </p:spPr>
+        <p:style>
+          <a:lnRef idx="1">
+            <a:schemeClr val="accent1"/>
+          </a:lnRef>
+          <a:fillRef idx="2">
+            <a:schemeClr val="accent1"/>
+          </a:fillRef>
+          <a:effectRef idx="1">
+            <a:schemeClr val="accent1"/>
+          </a:effectRef>
+          <a:fontRef idx="minor">
+            <a:schemeClr val="dk1"/>
+          </a:fontRef>
+        </p:style>
+        <p:txBody>
+          <a:bodyPr rtlCol="0" anchor="ctr"/>
+          <a:lstStyle/>
+          <a:p>
+            <a:pPr algn="ctr"/>
+            <a:endParaRPr lang="en-US">
+              <a:solidFill>
+                <a:srgbClr val="000000"/>
+              </a:solidFill>
+              <a:latin typeface="Arial"/>
+            </a:endParaRPr>
+          </a:p>
+        </p:txBody>
+      </p:sp>
+      <p:sp>
+        <p:nvSpPr>
+          <p:cNvPr id="6" name="Trapezoid 5"/>
+          <p:cNvSpPr/>
+          <p:nvPr/>
+        </p:nvSpPr>
+        <p:spPr>
+          <a:xfrm rot="5400000" flipH="1">
+            <a:off x="2852820" y="3002988"/>
+            <a:ext cx="798068" cy="404615"/>
+          </a:xfrm>
+          <a:prstGeom prst="trapezoid">
+            <a:avLst>
+              <a:gd name="adj" fmla="val 81339"/>
+            </a:avLst>
+          </a:prstGeom>
+          <a:ln>
+            <a:noFill/>
+          </a:ln>
+        </p:spPr>
+        <p:style>
+          <a:lnRef idx="1">
+            <a:schemeClr val="accent1"/>
+          </a:lnRef>
+          <a:fillRef idx="2">
+            <a:schemeClr val="accent1"/>
+          </a:fillRef>
+          <a:effectRef idx="1">
+            <a:schemeClr val="accent1"/>
+          </a:effectRef>
+          <a:fontRef idx="minor">
+            <a:schemeClr val="dk1"/>
+          </a:fontRef>
+        </p:style>
+        <p:txBody>
+          <a:bodyPr rtlCol="0" anchor="ctr"/>
+          <a:lstStyle/>
+          <a:p>
+            <a:pPr algn="ctr"/>
+            <a:endParaRPr lang="en-US">
+              <a:solidFill>
+                <a:srgbClr val="000000"/>
+              </a:solidFill>
+              <a:latin typeface="Arial"/>
+            </a:endParaRPr>
+          </a:p>
+        </p:txBody>
+      </p:sp>
+      <p:sp>
+        <p:nvSpPr>
+          <p:cNvPr id="7" name="Trapezoid 6"/>
+          <p:cNvSpPr/>
+          <p:nvPr/>
+        </p:nvSpPr>
+        <p:spPr>
+          <a:xfrm rot="5400000" flipH="1">
+            <a:off x="2852820" y="3898222"/>
+            <a:ext cx="798068" cy="404615"/>
+          </a:xfrm>
+          <a:prstGeom prst="trapezoid">
+            <a:avLst>
+              <a:gd name="adj" fmla="val 81339"/>
+            </a:avLst>
+          </a:prstGeom>
+          <a:ln>
+            <a:noFill/>
+          </a:ln>
+        </p:spPr>
+        <p:style>
+          <a:lnRef idx="1">
+            <a:schemeClr val="accent1"/>
+          </a:lnRef>
+          <a:fillRef idx="2">
+            <a:schemeClr val="accent1"/>
+          </a:fillRef>
+          <a:effectRef idx="1">
+            <a:schemeClr val="accent1"/>
+          </a:effectRef>
+          <a:fontRef idx="minor">
+            <a:schemeClr val="dk1"/>
+          </a:fontRef>
+        </p:style>
+        <p:txBody>
+          <a:bodyPr rtlCol="0" anchor="ctr"/>
+          <a:lstStyle/>
+          <a:p>
+            <a:pPr algn="ctr"/>
+            <a:endParaRPr lang="en-US">
+              <a:solidFill>
+                <a:srgbClr val="000000"/>
+              </a:solidFill>
+              <a:latin typeface="Arial"/>
+            </a:endParaRPr>
+          </a:p>
+        </p:txBody>
+      </p:sp>
+      <p:sp>
+        <p:nvSpPr>
+          <p:cNvPr id="8" name="Trapezoid 7"/>
+          <p:cNvSpPr/>
+          <p:nvPr/>
+        </p:nvSpPr>
+        <p:spPr>
+          <a:xfrm rot="5400000" flipH="1">
+            <a:off x="2852820" y="4794334"/>
+            <a:ext cx="798068" cy="404615"/>
+          </a:xfrm>
+          <a:prstGeom prst="trapezoid">
+            <a:avLst>
+              <a:gd name="adj" fmla="val 81339"/>
+            </a:avLst>
+          </a:prstGeom>
+          <a:ln>
+            <a:noFill/>
+          </a:ln>
+        </p:spPr>
+        <p:style>
+          <a:lnRef idx="1">
+            <a:schemeClr val="accent1"/>
+          </a:lnRef>
+          <a:fillRef idx="2">
+            <a:schemeClr val="accent1"/>
+          </a:fillRef>
+          <a:effectRef idx="1">
+            <a:schemeClr val="accent1"/>
+          </a:effectRef>
+          <a:fontRef idx="minor">
+            <a:schemeClr val="dk1"/>
+          </a:fontRef>
+        </p:style>
+        <p:txBody>
+          <a:bodyPr rtlCol="0" anchor="ctr"/>
+          <a:lstStyle/>
+          <a:p>
+            <a:pPr algn="ctr"/>
+            <a:endParaRPr lang="en-US">
+              <a:solidFill>
+                <a:srgbClr val="000000"/>
+              </a:solidFill>
+              <a:latin typeface="Arial"/>
+            </a:endParaRPr>
+          </a:p>
+        </p:txBody>
+      </p:sp>
+      <p:sp>
+        <p:nvSpPr>
+          <p:cNvPr id="9" name="Oval 8"/>
+          <p:cNvSpPr/>
+          <p:nvPr/>
+        </p:nvSpPr>
+        <p:spPr>
+          <a:xfrm flipH="1">
+            <a:off x="1487968" y="1436208"/>
+            <a:ext cx="1470272" cy="4404149"/>
+          </a:xfrm>
+          <a:prstGeom prst="ellipse">
+            <a:avLst/>
+          </a:prstGeom>
+          <a:solidFill>
+            <a:srgbClr val="CFE7F1"/>
+          </a:solidFill>
+          <a:ln>
+            <a:solidFill>
+              <a:srgbClr val="CFE7F1"/>
+            </a:solidFill>
+          </a:ln>
+        </p:spPr>
+        <p:style>
+          <a:lnRef idx="1">
+            <a:schemeClr val="accent1"/>
+          </a:lnRef>
+          <a:fillRef idx="2">
+            <a:schemeClr val="accent1"/>
+          </a:fillRef>
+          <a:effectRef idx="1">
+            <a:schemeClr val="accent1"/>
+          </a:effectRef>
+          <a:fontRef idx="minor">
+            <a:schemeClr val="dk1"/>
+          </a:fontRef>
+        </p:style>
+        <p:txBody>
+          <a:bodyPr rtlCol="0" anchor="ctr"/>
+          <a:lstStyle/>
+          <a:p>
+            <a:pPr algn="ctr"/>
+            <a:r>
+              <a:rPr lang="en-US" sz="2000" dirty="0" smtClean="0">
+                <a:solidFill>
+                  <a:srgbClr val="000000"/>
+                </a:solidFill>
+              </a:rPr>
+              <a:t>Users</a:t>
+            </a:r>
+          </a:p>
+          <a:p>
+            <a:pPr algn="ctr"/>
+            <a:r>
+              <a:rPr lang="en-US" sz="2000" dirty="0" smtClean="0">
+                <a:solidFill>
+                  <a:srgbClr val="000000"/>
+                </a:solidFill>
+              </a:rPr>
+              <a:t>&amp;</a:t>
+            </a:r>
+          </a:p>
+          <a:p>
+            <a:pPr algn="ctr"/>
+            <a:r>
+              <a:rPr lang="en-US" sz="2000" dirty="0" smtClean="0">
+                <a:solidFill>
+                  <a:srgbClr val="000000"/>
+                </a:solidFill>
+              </a:rPr>
+              <a:t>Devices</a:t>
+            </a:r>
+            <a:endParaRPr lang="en-US" sz="2000" dirty="0">
+              <a:solidFill>
+                <a:srgbClr val="000000"/>
+              </a:solidFill>
+            </a:endParaRPr>
+          </a:p>
+        </p:txBody>
+      </p:sp>
+      <p:sp>
+        <p:nvSpPr>
+          <p:cNvPr id="10" name="TextBox 9"/>
+          <p:cNvSpPr txBox="1"/>
+          <p:nvPr/>
+        </p:nvSpPr>
+        <p:spPr>
+          <a:xfrm flipH="1">
+            <a:off x="3625753" y="1421996"/>
+            <a:ext cx="1445396" cy="400110"/>
+          </a:xfrm>
+          <a:prstGeom prst="rect">
+            <a:avLst/>
+          </a:prstGeom>
+          <a:noFill/>
+        </p:spPr>
+        <p:txBody>
+          <a:bodyPr wrap="none" rtlCol="0" anchor="ctr">
+            <a:spAutoFit/>
+          </a:bodyPr>
+          <a:lstStyle/>
+          <a:p>
+            <a:pPr algn="ctr"/>
+            <a:r>
+              <a:rPr lang="en-US" sz="2000" dirty="0"/>
+              <a:t>Edge </a:t>
+            </a:r>
+            <a:r>
+              <a:rPr lang="en-US" sz="2000" dirty="0" smtClean="0"/>
+              <a:t>Clouds</a:t>
+            </a:r>
+            <a:endParaRPr lang="en-US" sz="2000" dirty="0"/>
+          </a:p>
+        </p:txBody>
+      </p:sp>
+      <p:pic>
+        <p:nvPicPr>
+          <p:cNvPr id="11" name="Picture 10" descr="wireless.jpg"/>
+          <p:cNvPicPr>
+            <a:picLocks noChangeAspect="1"/>
+          </p:cNvPicPr>
+          <p:nvPr/>
+        </p:nvPicPr>
+        <p:blipFill>
+          <a:blip r:embed="rId2" cstate="screen">
+            <a:extLst>
+              <a:ext uri="{28A0092B-C50C-407E-A947-70E740481C1C}">
+                <a14:useLocalDpi xmlns:a14="http://schemas.microsoft.com/office/drawing/2010/main"/>
+              </a:ext>
+            </a:extLst>
+          </a:blip>
+          <a:stretch>
+            <a:fillRect/>
+          </a:stretch>
+        </p:blipFill>
+        <p:spPr>
+          <a:xfrm flipH="1">
+            <a:off x="3411251" y="3760589"/>
+            <a:ext cx="613690" cy="626632"/>
+          </a:xfrm>
+          <a:prstGeom prst="rect">
+            <a:avLst/>
+          </a:prstGeom>
+        </p:spPr>
+      </p:pic>
+      <p:pic>
+        <p:nvPicPr>
+          <p:cNvPr id="12" name="Picture 11" descr="wireless.jpg"/>
+          <p:cNvPicPr>
+            <a:picLocks noChangeAspect="1"/>
+          </p:cNvPicPr>
+          <p:nvPr/>
+        </p:nvPicPr>
+        <p:blipFill>
+          <a:blip r:embed="rId2" cstate="screen">
+            <a:extLst>
+              <a:ext uri="{28A0092B-C50C-407E-A947-70E740481C1C}">
+                <a14:useLocalDpi xmlns:a14="http://schemas.microsoft.com/office/drawing/2010/main"/>
+              </a:ext>
+            </a:extLst>
+          </a:blip>
+          <a:stretch>
+            <a:fillRect/>
+          </a:stretch>
+        </p:blipFill>
+        <p:spPr>
+          <a:xfrm flipH="1">
+            <a:off x="3411251" y="4668338"/>
+            <a:ext cx="613690" cy="626632"/>
+          </a:xfrm>
+          <a:prstGeom prst="rect">
+            <a:avLst/>
+          </a:prstGeom>
+        </p:spPr>
+      </p:pic>
+      <p:pic>
+        <p:nvPicPr>
+          <p:cNvPr id="13" name="Picture 12" descr="gpon.png"/>
+          <p:cNvPicPr>
+            <a:picLocks noChangeAspect="1"/>
+          </p:cNvPicPr>
+          <p:nvPr/>
+        </p:nvPicPr>
+        <p:blipFill>
+          <a:blip r:embed="rId3" cstate="screen">
+            <a:extLst>
+              <a:ext uri="{28A0092B-C50C-407E-A947-70E740481C1C}">
+                <a14:useLocalDpi xmlns:a14="http://schemas.microsoft.com/office/drawing/2010/main"/>
+              </a:ext>
+            </a:extLst>
+          </a:blip>
+          <a:stretch>
+            <a:fillRect/>
+          </a:stretch>
+        </p:blipFill>
+        <p:spPr>
+          <a:xfrm flipH="1">
+            <a:off x="3460796" y="2931647"/>
+            <a:ext cx="514601" cy="525453"/>
+          </a:xfrm>
+          <a:prstGeom prst="rect">
+            <a:avLst/>
+          </a:prstGeom>
+        </p:spPr>
+      </p:pic>
+      <p:pic>
+        <p:nvPicPr>
+          <p:cNvPr id="14" name="Picture 13" descr="gpon.png"/>
+          <p:cNvPicPr>
+            <a:picLocks noChangeAspect="1"/>
+          </p:cNvPicPr>
+          <p:nvPr/>
+        </p:nvPicPr>
+        <p:blipFill>
+          <a:blip r:embed="rId3" cstate="screen">
+            <a:extLst>
+              <a:ext uri="{28A0092B-C50C-407E-A947-70E740481C1C}">
+                <a14:useLocalDpi xmlns:a14="http://schemas.microsoft.com/office/drawing/2010/main"/>
+              </a:ext>
+            </a:extLst>
+          </a:blip>
+          <a:stretch>
+            <a:fillRect/>
+          </a:stretch>
+        </p:blipFill>
+        <p:spPr>
+          <a:xfrm flipH="1">
+            <a:off x="3460796" y="2053867"/>
+            <a:ext cx="514601" cy="525453"/>
+          </a:xfrm>
+          <a:prstGeom prst="rect">
+            <a:avLst/>
+          </a:prstGeom>
+        </p:spPr>
+      </p:pic>
+      <p:sp>
+        <p:nvSpPr>
+          <p:cNvPr id="15" name="TextBox 14"/>
+          <p:cNvSpPr txBox="1"/>
+          <p:nvPr/>
+        </p:nvSpPr>
+        <p:spPr>
+          <a:xfrm flipH="1">
+            <a:off x="5704164" y="1421996"/>
+            <a:ext cx="1273105" cy="400110"/>
+          </a:xfrm>
+          <a:prstGeom prst="rect">
+            <a:avLst/>
+          </a:prstGeom>
+          <a:noFill/>
+        </p:spPr>
+        <p:txBody>
+          <a:bodyPr wrap="none" rtlCol="0" anchor="ctr">
+            <a:spAutoFit/>
+          </a:bodyPr>
+          <a:lstStyle/>
+          <a:p>
+            <a:pPr algn="ctr"/>
+            <a:r>
+              <a:rPr lang="en-US" sz="2000" dirty="0" smtClean="0"/>
+              <a:t>IXP Clouds</a:t>
+            </a:r>
+            <a:endParaRPr lang="en-US" sz="2000" dirty="0"/>
+          </a:p>
+        </p:txBody>
+      </p:sp>
+      <p:pic>
+        <p:nvPicPr>
+          <p:cNvPr id="18" name="Picture 17" descr="cloud_flat-with-edge.png"/>
+          <p:cNvPicPr>
+            <a:picLocks noChangeAspect="1"/>
+          </p:cNvPicPr>
+          <p:nvPr/>
+        </p:nvPicPr>
+        <p:blipFill>
+          <a:blip r:embed="rId4">
+            <a:duotone>
+              <a:schemeClr val="accent3">
+                <a:shade val="45000"/>
+                <a:satMod val="135000"/>
+              </a:schemeClr>
+              <a:prstClr val="white"/>
+            </a:duotone>
+            <a:extLst>
+              <a:ext uri="{28A0092B-C50C-407E-A947-70E740481C1C}">
+                <a14:useLocalDpi xmlns:a14="http://schemas.microsoft.com/office/drawing/2010/main" val="0"/>
+              </a:ext>
+            </a:extLst>
+          </a:blip>
+          <a:stretch>
+            <a:fillRect/>
+          </a:stretch>
+        </p:blipFill>
+        <p:spPr>
+          <a:xfrm>
+            <a:off x="7680364" y="2434578"/>
+            <a:ext cx="3244902" cy="1832292"/>
+          </a:xfrm>
+          <a:prstGeom prst="rect">
+            <a:avLst/>
+          </a:prstGeom>
+          <a:noFill/>
+          <a:ln>
+            <a:solidFill>
+              <a:schemeClr val="bg1"/>
+            </a:solidFill>
+          </a:ln>
+        </p:spPr>
+        <p:style>
+          <a:lnRef idx="1">
+            <a:schemeClr val="accent1"/>
+          </a:lnRef>
+          <a:fillRef idx="3">
+            <a:schemeClr val="accent1"/>
+          </a:fillRef>
+          <a:effectRef idx="2">
+            <a:schemeClr val="accent1"/>
+          </a:effectRef>
+          <a:fontRef idx="minor">
+            <a:schemeClr val="lt1"/>
+          </a:fontRef>
+        </p:style>
+      </p:pic>
+      <p:pic>
+        <p:nvPicPr>
+          <p:cNvPr id="19" name="Picture 18" descr="cloud_flat-with-edge.png">
+            <a:extLst>
+              <a:ext uri="{FF2B5EF4-FFF2-40B4-BE49-F238E27FC236}">
+                <a16:creationId xmlns="" xmlns:a16="http://schemas.microsoft.com/office/drawing/2014/main" id="{ADBDA620-F959-544B-A5E7-5E0D76D01353}"/>
+              </a:ext>
+            </a:extLst>
+          </p:cNvPr>
+          <p:cNvPicPr>
+            <a:picLocks noChangeAspect="1"/>
+          </p:cNvPicPr>
+          <p:nvPr/>
+        </p:nvPicPr>
+        <p:blipFill>
+          <a:blip r:embed="rId5">
+            <a:duotone>
+              <a:schemeClr val="accent3">
+                <a:shade val="45000"/>
+                <a:satMod val="135000"/>
+              </a:schemeClr>
+              <a:prstClr val="white"/>
+            </a:duotone>
+            <a:alphaModFix amt="35000"/>
+            <a:extLst>
+              <a:ext uri="{BEBA8EAE-BF5A-486C-A8C5-ECC9F3942E4B}">
+                <a14:imgProps xmlns:a14="http://schemas.microsoft.com/office/drawing/2010/main">
+                  <a14:imgLayer r:embed="rId6">
+                    <a14:imgEffect>
+                      <a14:saturation sat="400000"/>
+                    </a14:imgEffect>
+                    <a14:imgEffect>
+                      <a14:brightnessContrast bright="-20000"/>
+                    </a14:imgEffect>
+                  </a14:imgLayer>
+                </a14:imgProps>
+              </a:ext>
+              <a:ext uri="{28A0092B-C50C-407E-A947-70E740481C1C}">
+                <a14:useLocalDpi xmlns:a14="http://schemas.microsoft.com/office/drawing/2010/main" val="0"/>
+              </a:ext>
+            </a:extLst>
+          </a:blip>
+          <a:stretch>
+            <a:fillRect/>
+          </a:stretch>
+        </p:blipFill>
+        <p:spPr>
+          <a:xfrm>
+            <a:off x="3850698" y="4696263"/>
+            <a:ext cx="1106083" cy="570782"/>
+          </a:xfrm>
+          <a:prstGeom prst="rect">
+            <a:avLst/>
+          </a:prstGeom>
+        </p:spPr>
+      </p:pic>
+      <p:pic>
+        <p:nvPicPr>
+          <p:cNvPr id="20" name="Picture 19" descr="cloud_flat-with-edge.png">
+            <a:extLst>
+              <a:ext uri="{FF2B5EF4-FFF2-40B4-BE49-F238E27FC236}">
+                <a16:creationId xmlns="" xmlns:a16="http://schemas.microsoft.com/office/drawing/2014/main" id="{874B3795-E440-354A-A4F6-A596A13FECBD}"/>
+              </a:ext>
+            </a:extLst>
+          </p:cNvPr>
+          <p:cNvPicPr>
+            <a:picLocks noChangeAspect="1"/>
+          </p:cNvPicPr>
+          <p:nvPr/>
+        </p:nvPicPr>
+        <p:blipFill>
+          <a:blip r:embed="rId5">
+            <a:duotone>
+              <a:schemeClr val="accent3">
+                <a:shade val="45000"/>
+                <a:satMod val="135000"/>
+              </a:schemeClr>
+              <a:prstClr val="white"/>
+            </a:duotone>
+            <a:alphaModFix amt="35000"/>
+            <a:extLst>
+              <a:ext uri="{BEBA8EAE-BF5A-486C-A8C5-ECC9F3942E4B}">
+                <a14:imgProps xmlns:a14="http://schemas.microsoft.com/office/drawing/2010/main">
+                  <a14:imgLayer r:embed="rId6">
+                    <a14:imgEffect>
+                      <a14:saturation sat="400000"/>
+                    </a14:imgEffect>
+                    <a14:imgEffect>
+                      <a14:brightnessContrast bright="-20000"/>
+                    </a14:imgEffect>
+                  </a14:imgLayer>
+                </a14:imgProps>
+              </a:ext>
+              <a:ext uri="{28A0092B-C50C-407E-A947-70E740481C1C}">
+                <a14:useLocalDpi xmlns:a14="http://schemas.microsoft.com/office/drawing/2010/main" val="0"/>
+              </a:ext>
+            </a:extLst>
+          </a:blip>
+          <a:stretch>
+            <a:fillRect/>
+          </a:stretch>
+        </p:blipFill>
+        <p:spPr>
+          <a:xfrm>
+            <a:off x="3850698" y="3751322"/>
+            <a:ext cx="1106083" cy="570782"/>
+          </a:xfrm>
+          <a:prstGeom prst="rect">
+            <a:avLst/>
+          </a:prstGeom>
+        </p:spPr>
+      </p:pic>
+      <p:pic>
+        <p:nvPicPr>
+          <p:cNvPr id="21" name="Picture 20" descr="cloud_flat-with-edge.png">
+            <a:extLst>
+              <a:ext uri="{FF2B5EF4-FFF2-40B4-BE49-F238E27FC236}">
+                <a16:creationId xmlns="" xmlns:a16="http://schemas.microsoft.com/office/drawing/2014/main" id="{26F1F487-9A81-6145-BC36-A6432A0D0567}"/>
+              </a:ext>
+            </a:extLst>
+          </p:cNvPr>
+          <p:cNvPicPr>
+            <a:picLocks noChangeAspect="1"/>
+          </p:cNvPicPr>
+          <p:nvPr/>
+        </p:nvPicPr>
+        <p:blipFill>
+          <a:blip r:embed="rId5">
+            <a:duotone>
+              <a:schemeClr val="accent3">
+                <a:shade val="45000"/>
+                <a:satMod val="135000"/>
+              </a:schemeClr>
+              <a:prstClr val="white"/>
+            </a:duotone>
+            <a:alphaModFix amt="35000"/>
+            <a:extLst>
+              <a:ext uri="{BEBA8EAE-BF5A-486C-A8C5-ECC9F3942E4B}">
+                <a14:imgProps xmlns:a14="http://schemas.microsoft.com/office/drawing/2010/main">
+                  <a14:imgLayer r:embed="rId6">
+                    <a14:imgEffect>
+                      <a14:saturation sat="400000"/>
+                    </a14:imgEffect>
+                    <a14:imgEffect>
+                      <a14:brightnessContrast bright="-20000"/>
+                    </a14:imgEffect>
+                  </a14:imgLayer>
+                </a14:imgProps>
+              </a:ext>
+              <a:ext uri="{28A0092B-C50C-407E-A947-70E740481C1C}">
+                <a14:useLocalDpi xmlns:a14="http://schemas.microsoft.com/office/drawing/2010/main" val="0"/>
+              </a:ext>
+            </a:extLst>
+          </a:blip>
+          <a:stretch>
+            <a:fillRect/>
+          </a:stretch>
+        </p:blipFill>
+        <p:spPr>
+          <a:xfrm>
+            <a:off x="3850698" y="2849272"/>
+            <a:ext cx="1106083" cy="570782"/>
+          </a:xfrm>
+          <a:prstGeom prst="rect">
+            <a:avLst/>
+          </a:prstGeom>
+        </p:spPr>
+      </p:pic>
+      <p:pic>
+        <p:nvPicPr>
+          <p:cNvPr id="22" name="Picture 21" descr="cloud_flat-with-edge.png">
+            <a:extLst>
+              <a:ext uri="{FF2B5EF4-FFF2-40B4-BE49-F238E27FC236}">
+                <a16:creationId xmlns="" xmlns:a16="http://schemas.microsoft.com/office/drawing/2014/main" id="{7706B9CE-246E-364A-B43A-D12AB2BF6758}"/>
+              </a:ext>
+            </a:extLst>
+          </p:cNvPr>
+          <p:cNvPicPr>
+            <a:picLocks noChangeAspect="1"/>
+          </p:cNvPicPr>
+          <p:nvPr/>
+        </p:nvPicPr>
+        <p:blipFill>
+          <a:blip r:embed="rId5">
+            <a:duotone>
+              <a:schemeClr val="accent3">
+                <a:shade val="45000"/>
+                <a:satMod val="135000"/>
+              </a:schemeClr>
+              <a:prstClr val="white"/>
+            </a:duotone>
+            <a:alphaModFix amt="35000"/>
+            <a:extLst>
+              <a:ext uri="{BEBA8EAE-BF5A-486C-A8C5-ECC9F3942E4B}">
+                <a14:imgProps xmlns:a14="http://schemas.microsoft.com/office/drawing/2010/main">
+                  <a14:imgLayer r:embed="rId6">
+                    <a14:imgEffect>
+                      <a14:saturation sat="400000"/>
+                    </a14:imgEffect>
+                    <a14:imgEffect>
+                      <a14:brightnessContrast bright="-20000"/>
+                    </a14:imgEffect>
+                  </a14:imgLayer>
+                </a14:imgProps>
+              </a:ext>
+              <a:ext uri="{28A0092B-C50C-407E-A947-70E740481C1C}">
+                <a14:useLocalDpi xmlns:a14="http://schemas.microsoft.com/office/drawing/2010/main" val="0"/>
+              </a:ext>
+            </a:extLst>
+          </a:blip>
+          <a:stretch>
+            <a:fillRect/>
+          </a:stretch>
+        </p:blipFill>
+        <p:spPr>
+          <a:xfrm>
+            <a:off x="3850698" y="1994747"/>
+            <a:ext cx="1106083" cy="570782"/>
+          </a:xfrm>
+          <a:prstGeom prst="rect">
+            <a:avLst/>
+          </a:prstGeom>
+        </p:spPr>
+      </p:pic>
+      <p:pic>
+        <p:nvPicPr>
+          <p:cNvPr id="26" name="Picture 25" descr="cloud_flat-with-edge.png"/>
+          <p:cNvPicPr>
+            <a:picLocks noChangeAspect="1"/>
+          </p:cNvPicPr>
+          <p:nvPr/>
+        </p:nvPicPr>
+        <p:blipFill>
+          <a:blip r:embed="rId4">
+            <a:duotone>
+              <a:schemeClr val="accent3">
+                <a:shade val="45000"/>
+                <a:satMod val="135000"/>
+              </a:schemeClr>
+              <a:prstClr val="white"/>
+            </a:duotone>
+            <a:extLst>
+              <a:ext uri="{28A0092B-C50C-407E-A947-70E740481C1C}">
+                <a14:useLocalDpi xmlns:a14="http://schemas.microsoft.com/office/drawing/2010/main" val="0"/>
+              </a:ext>
+            </a:extLst>
+          </a:blip>
+          <a:stretch>
+            <a:fillRect/>
+          </a:stretch>
+        </p:blipFill>
+        <p:spPr>
+          <a:xfrm>
+            <a:off x="5306310" y="2049913"/>
+            <a:ext cx="2186797" cy="1209312"/>
+          </a:xfrm>
+          <a:prstGeom prst="rect">
+            <a:avLst/>
+          </a:prstGeom>
+        </p:spPr>
+      </p:pic>
+      <p:pic>
+        <p:nvPicPr>
+          <p:cNvPr id="27" name="Picture 26" descr="cloud_flat-with-edge.png"/>
+          <p:cNvPicPr>
+            <a:picLocks noChangeAspect="1"/>
+          </p:cNvPicPr>
+          <p:nvPr/>
+        </p:nvPicPr>
+        <p:blipFill>
+          <a:blip r:embed="rId4">
+            <a:duotone>
+              <a:schemeClr val="accent3">
+                <a:shade val="45000"/>
+                <a:satMod val="135000"/>
+              </a:schemeClr>
+              <a:prstClr val="white"/>
+            </a:duotone>
+            <a:extLst>
+              <a:ext uri="{28A0092B-C50C-407E-A947-70E740481C1C}">
+                <a14:useLocalDpi xmlns:a14="http://schemas.microsoft.com/office/drawing/2010/main" val="0"/>
+              </a:ext>
+            </a:extLst>
+          </a:blip>
+          <a:stretch>
+            <a:fillRect/>
+          </a:stretch>
+        </p:blipFill>
+        <p:spPr>
+          <a:xfrm>
+            <a:off x="5306310" y="3785079"/>
+            <a:ext cx="2186797" cy="1209312"/>
+          </a:xfrm>
+          <a:prstGeom prst="rect">
+            <a:avLst/>
+          </a:prstGeom>
+        </p:spPr>
+      </p:pic>
+      <p:sp>
+        <p:nvSpPr>
+          <p:cNvPr id="28" name="TextBox 27"/>
+          <p:cNvSpPr txBox="1"/>
+          <p:nvPr/>
+        </p:nvSpPr>
+        <p:spPr>
+          <a:xfrm flipH="1">
+            <a:off x="2958157" y="5280204"/>
+            <a:ext cx="1081899" cy="535531"/>
+          </a:xfrm>
+          <a:prstGeom prst="rect">
+            <a:avLst/>
+          </a:prstGeom>
+          <a:noFill/>
+        </p:spPr>
+        <p:txBody>
+          <a:bodyPr wrap="none" rtlCol="0" anchor="ctr">
+            <a:spAutoFit/>
+          </a:bodyPr>
+          <a:lstStyle/>
+          <a:p>
+            <a:pPr algn="ctr">
+              <a:lnSpc>
+                <a:spcPct val="80000"/>
+              </a:lnSpc>
+            </a:pPr>
+            <a:r>
+              <a:rPr lang="en-US" dirty="0" smtClean="0"/>
+              <a:t>Ac</a:t>
+            </a:r>
+            <a:r>
+              <a:rPr lang="en-US" dirty="0" smtClean="0"/>
+              <a:t>cess</a:t>
+            </a:r>
+          </a:p>
+          <a:p>
+            <a:pPr algn="ctr">
+              <a:lnSpc>
+                <a:spcPct val="80000"/>
+              </a:lnSpc>
+            </a:pPr>
+            <a:r>
+              <a:rPr lang="en-US" dirty="0" smtClean="0"/>
+              <a:t>Networks</a:t>
+            </a:r>
+            <a:endParaRPr lang="en-US" dirty="0"/>
+          </a:p>
+        </p:txBody>
+      </p:sp>
+    </p:spTree>
+    <p:extLst>
+      <p:ext uri="{BB962C8B-B14F-4D97-AF65-F5344CB8AC3E}">
+        <p14:creationId xmlns:p14="http://schemas.microsoft.com/office/powerpoint/2010/main" val="320634655"/>
       </p:ext>
     </p:extLst>
   </p:cSld>
